--- a/Doc/res/help-picture.pptx
+++ b/Doc/res/help-picture.pptx
@@ -263,7 +263,7 @@
           <a:p>
             <a:fld id="{65A4CC4F-240B-48B2-9875-9FFECA511A72}" type="datetimeFigureOut">
               <a:rPr lang="zh-CN" altLang="en-US" smtClean="0"/>
-              <a:t>2017/10/13 Friday</a:t>
+              <a:t>2017/10/20 Friday</a:t>
             </a:fld>
             <a:endParaRPr lang="zh-CN" altLang="en-US"/>
           </a:p>
@@ -461,7 +461,7 @@
           <a:p>
             <a:fld id="{65A4CC4F-240B-48B2-9875-9FFECA511A72}" type="datetimeFigureOut">
               <a:rPr lang="zh-CN" altLang="en-US" smtClean="0"/>
-              <a:t>2017/10/13 Friday</a:t>
+              <a:t>2017/10/20 Friday</a:t>
             </a:fld>
             <a:endParaRPr lang="zh-CN" altLang="en-US"/>
           </a:p>
@@ -669,7 +669,7 @@
           <a:p>
             <a:fld id="{65A4CC4F-240B-48B2-9875-9FFECA511A72}" type="datetimeFigureOut">
               <a:rPr lang="zh-CN" altLang="en-US" smtClean="0"/>
-              <a:t>2017/10/13 Friday</a:t>
+              <a:t>2017/10/20 Friday</a:t>
             </a:fld>
             <a:endParaRPr lang="zh-CN" altLang="en-US"/>
           </a:p>
@@ -867,7 +867,7 @@
           <a:p>
             <a:fld id="{65A4CC4F-240B-48B2-9875-9FFECA511A72}" type="datetimeFigureOut">
               <a:rPr lang="zh-CN" altLang="en-US" smtClean="0"/>
-              <a:t>2017/10/13 Friday</a:t>
+              <a:t>2017/10/20 Friday</a:t>
             </a:fld>
             <a:endParaRPr lang="zh-CN" altLang="en-US"/>
           </a:p>
@@ -1142,7 +1142,7 @@
           <a:p>
             <a:fld id="{65A4CC4F-240B-48B2-9875-9FFECA511A72}" type="datetimeFigureOut">
               <a:rPr lang="zh-CN" altLang="en-US" smtClean="0"/>
-              <a:t>2017/10/13 Friday</a:t>
+              <a:t>2017/10/20 Friday</a:t>
             </a:fld>
             <a:endParaRPr lang="zh-CN" altLang="en-US"/>
           </a:p>
@@ -1407,7 +1407,7 @@
           <a:p>
             <a:fld id="{65A4CC4F-240B-48B2-9875-9FFECA511A72}" type="datetimeFigureOut">
               <a:rPr lang="zh-CN" altLang="en-US" smtClean="0"/>
-              <a:t>2017/10/13 Friday</a:t>
+              <a:t>2017/10/20 Friday</a:t>
             </a:fld>
             <a:endParaRPr lang="zh-CN" altLang="en-US"/>
           </a:p>
@@ -1819,7 +1819,7 @@
           <a:p>
             <a:fld id="{65A4CC4F-240B-48B2-9875-9FFECA511A72}" type="datetimeFigureOut">
               <a:rPr lang="zh-CN" altLang="en-US" smtClean="0"/>
-              <a:t>2017/10/13 Friday</a:t>
+              <a:t>2017/10/20 Friday</a:t>
             </a:fld>
             <a:endParaRPr lang="zh-CN" altLang="en-US"/>
           </a:p>
@@ -1960,7 +1960,7 @@
           <a:p>
             <a:fld id="{65A4CC4F-240B-48B2-9875-9FFECA511A72}" type="datetimeFigureOut">
               <a:rPr lang="zh-CN" altLang="en-US" smtClean="0"/>
-              <a:t>2017/10/13 Friday</a:t>
+              <a:t>2017/10/20 Friday</a:t>
             </a:fld>
             <a:endParaRPr lang="zh-CN" altLang="en-US"/>
           </a:p>
@@ -2073,7 +2073,7 @@
           <a:p>
             <a:fld id="{65A4CC4F-240B-48B2-9875-9FFECA511A72}" type="datetimeFigureOut">
               <a:rPr lang="zh-CN" altLang="en-US" smtClean="0"/>
-              <a:t>2017/10/13 Friday</a:t>
+              <a:t>2017/10/20 Friday</a:t>
             </a:fld>
             <a:endParaRPr lang="zh-CN" altLang="en-US"/>
           </a:p>
@@ -2384,7 +2384,7 @@
           <a:p>
             <a:fld id="{65A4CC4F-240B-48B2-9875-9FFECA511A72}" type="datetimeFigureOut">
               <a:rPr lang="zh-CN" altLang="en-US" smtClean="0"/>
-              <a:t>2017/10/13 Friday</a:t>
+              <a:t>2017/10/20 Friday</a:t>
             </a:fld>
             <a:endParaRPr lang="zh-CN" altLang="en-US"/>
           </a:p>
@@ -2672,7 +2672,7 @@
           <a:p>
             <a:fld id="{65A4CC4F-240B-48B2-9875-9FFECA511A72}" type="datetimeFigureOut">
               <a:rPr lang="zh-CN" altLang="en-US" smtClean="0"/>
-              <a:t>2017/10/13 Friday</a:t>
+              <a:t>2017/10/20 Friday</a:t>
             </a:fld>
             <a:endParaRPr lang="zh-CN" altLang="en-US"/>
           </a:p>
@@ -2913,7 +2913,7 @@
           <a:p>
             <a:fld id="{65A4CC4F-240B-48B2-9875-9FFECA511A72}" type="datetimeFigureOut">
               <a:rPr lang="zh-CN" altLang="en-US" smtClean="0"/>
-              <a:t>2017/10/13 Friday</a:t>
+              <a:t>2017/10/20 Friday</a:t>
             </a:fld>
             <a:endParaRPr lang="zh-CN" altLang="en-US"/>
           </a:p>

--- a/Doc/res/help-picture.pptx
+++ b/Doc/res/help-picture.pptx
@@ -263,7 +263,7 @@
           <a:p>
             <a:fld id="{65A4CC4F-240B-48B2-9875-9FFECA511A72}" type="datetimeFigureOut">
               <a:rPr lang="zh-CN" altLang="en-US" smtClean="0"/>
-              <a:t>2017/10/20 Friday</a:t>
+              <a:t>2017/11/19 Sunday</a:t>
             </a:fld>
             <a:endParaRPr lang="zh-CN" altLang="en-US"/>
           </a:p>
@@ -461,7 +461,7 @@
           <a:p>
             <a:fld id="{65A4CC4F-240B-48B2-9875-9FFECA511A72}" type="datetimeFigureOut">
               <a:rPr lang="zh-CN" altLang="en-US" smtClean="0"/>
-              <a:t>2017/10/20 Friday</a:t>
+              <a:t>2017/11/19 Sunday</a:t>
             </a:fld>
             <a:endParaRPr lang="zh-CN" altLang="en-US"/>
           </a:p>
@@ -669,7 +669,7 @@
           <a:p>
             <a:fld id="{65A4CC4F-240B-48B2-9875-9FFECA511A72}" type="datetimeFigureOut">
               <a:rPr lang="zh-CN" altLang="en-US" smtClean="0"/>
-              <a:t>2017/10/20 Friday</a:t>
+              <a:t>2017/11/19 Sunday</a:t>
             </a:fld>
             <a:endParaRPr lang="zh-CN" altLang="en-US"/>
           </a:p>
@@ -867,7 +867,7 @@
           <a:p>
             <a:fld id="{65A4CC4F-240B-48B2-9875-9FFECA511A72}" type="datetimeFigureOut">
               <a:rPr lang="zh-CN" altLang="en-US" smtClean="0"/>
-              <a:t>2017/10/20 Friday</a:t>
+              <a:t>2017/11/19 Sunday</a:t>
             </a:fld>
             <a:endParaRPr lang="zh-CN" altLang="en-US"/>
           </a:p>
@@ -1142,7 +1142,7 @@
           <a:p>
             <a:fld id="{65A4CC4F-240B-48B2-9875-9FFECA511A72}" type="datetimeFigureOut">
               <a:rPr lang="zh-CN" altLang="en-US" smtClean="0"/>
-              <a:t>2017/10/20 Friday</a:t>
+              <a:t>2017/11/19 Sunday</a:t>
             </a:fld>
             <a:endParaRPr lang="zh-CN" altLang="en-US"/>
           </a:p>
@@ -1407,7 +1407,7 @@
           <a:p>
             <a:fld id="{65A4CC4F-240B-48B2-9875-9FFECA511A72}" type="datetimeFigureOut">
               <a:rPr lang="zh-CN" altLang="en-US" smtClean="0"/>
-              <a:t>2017/10/20 Friday</a:t>
+              <a:t>2017/11/19 Sunday</a:t>
             </a:fld>
             <a:endParaRPr lang="zh-CN" altLang="en-US"/>
           </a:p>
@@ -1819,7 +1819,7 @@
           <a:p>
             <a:fld id="{65A4CC4F-240B-48B2-9875-9FFECA511A72}" type="datetimeFigureOut">
               <a:rPr lang="zh-CN" altLang="en-US" smtClean="0"/>
-              <a:t>2017/10/20 Friday</a:t>
+              <a:t>2017/11/19 Sunday</a:t>
             </a:fld>
             <a:endParaRPr lang="zh-CN" altLang="en-US"/>
           </a:p>
@@ -1960,7 +1960,7 @@
           <a:p>
             <a:fld id="{65A4CC4F-240B-48B2-9875-9FFECA511A72}" type="datetimeFigureOut">
               <a:rPr lang="zh-CN" altLang="en-US" smtClean="0"/>
-              <a:t>2017/10/20 Friday</a:t>
+              <a:t>2017/11/19 Sunday</a:t>
             </a:fld>
             <a:endParaRPr lang="zh-CN" altLang="en-US"/>
           </a:p>
@@ -2073,7 +2073,7 @@
           <a:p>
             <a:fld id="{65A4CC4F-240B-48B2-9875-9FFECA511A72}" type="datetimeFigureOut">
               <a:rPr lang="zh-CN" altLang="en-US" smtClean="0"/>
-              <a:t>2017/10/20 Friday</a:t>
+              <a:t>2017/11/19 Sunday</a:t>
             </a:fld>
             <a:endParaRPr lang="zh-CN" altLang="en-US"/>
           </a:p>
@@ -2384,7 +2384,7 @@
           <a:p>
             <a:fld id="{65A4CC4F-240B-48B2-9875-9FFECA511A72}" type="datetimeFigureOut">
               <a:rPr lang="zh-CN" altLang="en-US" smtClean="0"/>
-              <a:t>2017/10/20 Friday</a:t>
+              <a:t>2017/11/19 Sunday</a:t>
             </a:fld>
             <a:endParaRPr lang="zh-CN" altLang="en-US"/>
           </a:p>
@@ -2672,7 +2672,7 @@
           <a:p>
             <a:fld id="{65A4CC4F-240B-48B2-9875-9FFECA511A72}" type="datetimeFigureOut">
               <a:rPr lang="zh-CN" altLang="en-US" smtClean="0"/>
-              <a:t>2017/10/20 Friday</a:t>
+              <a:t>2017/11/19 Sunday</a:t>
             </a:fld>
             <a:endParaRPr lang="zh-CN" altLang="en-US"/>
           </a:p>
@@ -2913,7 +2913,7 @@
           <a:p>
             <a:fld id="{65A4CC4F-240B-48B2-9875-9FFECA511A72}" type="datetimeFigureOut">
               <a:rPr lang="zh-CN" altLang="en-US" smtClean="0"/>
-              <a:t>2017/10/20 Friday</a:t>
+              <a:t>2017/11/19 Sunday</a:t>
             </a:fld>
             <a:endParaRPr lang="zh-CN" altLang="en-US"/>
           </a:p>
@@ -3666,14 +3666,14 @@
           <a:p>
             <a:pPr algn="ctr"/>
             <a:r>
-              <a:rPr lang="en-US" altLang="zh-CN" dirty="0">
+              <a:rPr lang="en-US" altLang="zh-CN" sz="1400" dirty="0">
                 <a:latin typeface="Tahoma" panose="020B0604030504040204" pitchFamily="34" charset="0"/>
                 <a:ea typeface="Tahoma" panose="020B0604030504040204" pitchFamily="34" charset="0"/>
                 <a:cs typeface="Tahoma" panose="020B0604030504040204" pitchFamily="34" charset="0"/>
               </a:rPr>
-              <a:t>PomeloClient</a:t>
-            </a:r>
-            <a:endParaRPr lang="zh-CN" altLang="en-US" dirty="0">
+              <a:t>EgametangClient</a:t>
+            </a:r>
+            <a:endParaRPr lang="zh-CN" altLang="en-US" sz="1400" dirty="0">
               <a:latin typeface="Tahoma" panose="020B0604030504040204" pitchFamily="34" charset="0"/>
               <a:ea typeface="方正姚体" panose="02010601030101010101" pitchFamily="2" charset="-122"/>
               <a:cs typeface="Tahoma" panose="020B0604030504040204" pitchFamily="34" charset="0"/>

--- a/Doc/res/help-picture.pptx
+++ b/Doc/res/help-picture.pptx
@@ -112,10 +112,6 @@
 </p:presentation>
 </file>
 
-<file path=ppt/revisionInfo.xml><?xml version="1.0" encoding="utf-8"?>
-<p1510:revInfo xmlns:a="http://schemas.openxmlformats.org/drawingml/2006/main" xmlns:r="http://schemas.openxmlformats.org/officeDocument/2006/relationships" xmlns:p1510="http://schemas.microsoft.com/office/powerpoint/2015/10/main"/>
-</file>
-
 <file path=ppt/slideLayouts/slideLayout1.xml><?xml version="1.0" encoding="utf-8"?>
 <p:sldLayout xmlns:a="http://schemas.openxmlformats.org/drawingml/2006/main" xmlns:r="http://schemas.openxmlformats.org/officeDocument/2006/relationships" xmlns:p="http://schemas.openxmlformats.org/presentationml/2006/main" type="title" preserve="1">
   <p:cSld name="标题幻灯片">
@@ -263,7 +259,7 @@
           <a:p>
             <a:fld id="{65A4CC4F-240B-48B2-9875-9FFECA511A72}" type="datetimeFigureOut">
               <a:rPr lang="zh-CN" altLang="en-US" smtClean="0"/>
-              <a:t>2017/11/19 Sunday</a:t>
+              <a:t>2018/8/15</a:t>
             </a:fld>
             <a:endParaRPr lang="zh-CN" altLang="en-US"/>
           </a:p>
@@ -461,7 +457,7 @@
           <a:p>
             <a:fld id="{65A4CC4F-240B-48B2-9875-9FFECA511A72}" type="datetimeFigureOut">
               <a:rPr lang="zh-CN" altLang="en-US" smtClean="0"/>
-              <a:t>2017/11/19 Sunday</a:t>
+              <a:t>2018/8/15</a:t>
             </a:fld>
             <a:endParaRPr lang="zh-CN" altLang="en-US"/>
           </a:p>
@@ -669,7 +665,7 @@
           <a:p>
             <a:fld id="{65A4CC4F-240B-48B2-9875-9FFECA511A72}" type="datetimeFigureOut">
               <a:rPr lang="zh-CN" altLang="en-US" smtClean="0"/>
-              <a:t>2017/11/19 Sunday</a:t>
+              <a:t>2018/8/15</a:t>
             </a:fld>
             <a:endParaRPr lang="zh-CN" altLang="en-US"/>
           </a:p>
@@ -867,7 +863,7 @@
           <a:p>
             <a:fld id="{65A4CC4F-240B-48B2-9875-9FFECA511A72}" type="datetimeFigureOut">
               <a:rPr lang="zh-CN" altLang="en-US" smtClean="0"/>
-              <a:t>2017/11/19 Sunday</a:t>
+              <a:t>2018/8/15</a:t>
             </a:fld>
             <a:endParaRPr lang="zh-CN" altLang="en-US"/>
           </a:p>
@@ -1142,7 +1138,7 @@
           <a:p>
             <a:fld id="{65A4CC4F-240B-48B2-9875-9FFECA511A72}" type="datetimeFigureOut">
               <a:rPr lang="zh-CN" altLang="en-US" smtClean="0"/>
-              <a:t>2017/11/19 Sunday</a:t>
+              <a:t>2018/8/15</a:t>
             </a:fld>
             <a:endParaRPr lang="zh-CN" altLang="en-US"/>
           </a:p>
@@ -1407,7 +1403,7 @@
           <a:p>
             <a:fld id="{65A4CC4F-240B-48B2-9875-9FFECA511A72}" type="datetimeFigureOut">
               <a:rPr lang="zh-CN" altLang="en-US" smtClean="0"/>
-              <a:t>2017/11/19 Sunday</a:t>
+              <a:t>2018/8/15</a:t>
             </a:fld>
             <a:endParaRPr lang="zh-CN" altLang="en-US"/>
           </a:p>
@@ -1819,7 +1815,7 @@
           <a:p>
             <a:fld id="{65A4CC4F-240B-48B2-9875-9FFECA511A72}" type="datetimeFigureOut">
               <a:rPr lang="zh-CN" altLang="en-US" smtClean="0"/>
-              <a:t>2017/11/19 Sunday</a:t>
+              <a:t>2018/8/15</a:t>
             </a:fld>
             <a:endParaRPr lang="zh-CN" altLang="en-US"/>
           </a:p>
@@ -1960,7 +1956,7 @@
           <a:p>
             <a:fld id="{65A4CC4F-240B-48B2-9875-9FFECA511A72}" type="datetimeFigureOut">
               <a:rPr lang="zh-CN" altLang="en-US" smtClean="0"/>
-              <a:t>2017/11/19 Sunday</a:t>
+              <a:t>2018/8/15</a:t>
             </a:fld>
             <a:endParaRPr lang="zh-CN" altLang="en-US"/>
           </a:p>
@@ -2073,7 +2069,7 @@
           <a:p>
             <a:fld id="{65A4CC4F-240B-48B2-9875-9FFECA511A72}" type="datetimeFigureOut">
               <a:rPr lang="zh-CN" altLang="en-US" smtClean="0"/>
-              <a:t>2017/11/19 Sunday</a:t>
+              <a:t>2018/8/15</a:t>
             </a:fld>
             <a:endParaRPr lang="zh-CN" altLang="en-US"/>
           </a:p>
@@ -2384,7 +2380,7 @@
           <a:p>
             <a:fld id="{65A4CC4F-240B-48B2-9875-9FFECA511A72}" type="datetimeFigureOut">
               <a:rPr lang="zh-CN" altLang="en-US" smtClean="0"/>
-              <a:t>2017/11/19 Sunday</a:t>
+              <a:t>2018/8/15</a:t>
             </a:fld>
             <a:endParaRPr lang="zh-CN" altLang="en-US"/>
           </a:p>
@@ -2672,7 +2668,7 @@
           <a:p>
             <a:fld id="{65A4CC4F-240B-48B2-9875-9FFECA511A72}" type="datetimeFigureOut">
               <a:rPr lang="zh-CN" altLang="en-US" smtClean="0"/>
-              <a:t>2017/11/19 Sunday</a:t>
+              <a:t>2018/8/15</a:t>
             </a:fld>
             <a:endParaRPr lang="zh-CN" altLang="en-US"/>
           </a:p>
@@ -2913,7 +2909,7 @@
           <a:p>
             <a:fld id="{65A4CC4F-240B-48B2-9875-9FFECA511A72}" type="datetimeFigureOut">
               <a:rPr lang="zh-CN" altLang="en-US" smtClean="0"/>
-              <a:t>2017/11/19 Sunday</a:t>
+              <a:t>2018/8/15</a:t>
             </a:fld>
             <a:endParaRPr lang="zh-CN" altLang="en-US"/>
           </a:p>
@@ -3549,7 +3545,7 @@
                 <a:ea typeface="Tahoma" panose="020B0604030504040204" pitchFamily="34" charset="0"/>
                 <a:cs typeface="Tahoma" panose="020B0604030504040204" pitchFamily="34" charset="0"/>
               </a:rPr>
-              <a:t>Plugins</a:t>
+              <a:t>Plugins ThirdLib</a:t>
             </a:r>
             <a:endParaRPr lang="zh-CN" altLang="en-US" dirty="0">
               <a:latin typeface="Tahoma" panose="020B0604030504040204" pitchFamily="34" charset="0"/>
@@ -3573,8 +3569,8 @@
         </p:nvSpPr>
         <p:spPr>
           <a:xfrm>
-            <a:off x="7262357" y="5787024"/>
-            <a:ext cx="1645606" cy="538620"/>
+            <a:off x="7164222" y="5786856"/>
+            <a:ext cx="1009310" cy="538619"/>
           </a:xfrm>
           <a:prstGeom prst="rect">
             <a:avLst/>
@@ -3605,7 +3601,7 @@
           <a:p>
             <a:pPr algn="ctr"/>
             <a:r>
-              <a:rPr lang="en-US" altLang="zh-CN" dirty="0">
+              <a:rPr lang="en-US" altLang="zh-CN" sz="1400" dirty="0">
                 <a:latin typeface="Tahoma" panose="020B0604030504040204" pitchFamily="34" charset="0"/>
                 <a:ea typeface="Tahoma" panose="020B0604030504040204" pitchFamily="34" charset="0"/>
                 <a:cs typeface="Tahoma" panose="020B0604030504040204" pitchFamily="34" charset="0"/>
@@ -3634,8 +3630,8 @@
         </p:nvSpPr>
         <p:spPr>
           <a:xfrm>
-            <a:off x="9089590" y="5787024"/>
-            <a:ext cx="1578280" cy="538620"/>
+            <a:off x="8173533" y="5790858"/>
+            <a:ext cx="863936" cy="533742"/>
           </a:xfrm>
           <a:prstGeom prst="rect">
             <a:avLst/>
@@ -3671,7 +3667,7 @@
                 <a:ea typeface="Tahoma" panose="020B0604030504040204" pitchFamily="34" charset="0"/>
                 <a:cs typeface="Tahoma" panose="020B0604030504040204" pitchFamily="34" charset="0"/>
               </a:rPr>
-              <a:t>EgametangClient</a:t>
+              <a:t>ETClient</a:t>
             </a:r>
             <a:endParaRPr lang="zh-CN" altLang="en-US" sz="1400" dirty="0">
               <a:latin typeface="Tahoma" panose="020B0604030504040204" pitchFamily="34" charset="0"/>
@@ -4654,8 +4650,8 @@
         </p:nvSpPr>
         <p:spPr>
           <a:xfrm>
-            <a:off x="1069575" y="2863516"/>
-            <a:ext cx="1146135" cy="523292"/>
+            <a:off x="1070481" y="2863516"/>
+            <a:ext cx="1145230" cy="518015"/>
           </a:xfrm>
           <a:prstGeom prst="rect">
             <a:avLst/>
@@ -4711,8 +4707,8 @@
         </p:nvSpPr>
         <p:spPr>
           <a:xfrm>
-            <a:off x="2214961" y="2858241"/>
-            <a:ext cx="1310111" cy="523292"/>
+            <a:off x="2214961" y="2863515"/>
+            <a:ext cx="1310111" cy="518017"/>
           </a:xfrm>
           <a:prstGeom prst="rect">
             <a:avLst/>
@@ -4756,10 +4752,10 @@
       </p:sp>
       <p:sp>
         <p:nvSpPr>
-          <p:cNvPr id="33" name="矩形 32">
-            <a:extLst>
-              <a:ext uri="{FF2B5EF4-FFF2-40B4-BE49-F238E27FC236}">
-                <a16:creationId xmlns:a16="http://schemas.microsoft.com/office/drawing/2014/main" id="{9B767954-0CAA-49C6-823C-3AD6AB98CFE7}"/>
+          <p:cNvPr id="34" name="矩形 33">
+            <a:extLst>
+              <a:ext uri="{FF2B5EF4-FFF2-40B4-BE49-F238E27FC236}">
+                <a16:creationId xmlns:a16="http://schemas.microsoft.com/office/drawing/2014/main" id="{B8874484-BAE5-46D2-9514-6859DE65209C}"/>
               </a:ext>
             </a:extLst>
           </p:cNvPr>
@@ -4768,8 +4764,651 @@
         </p:nvSpPr>
         <p:spPr>
           <a:xfrm>
-            <a:off x="3526472" y="2858241"/>
-            <a:ext cx="1916883" cy="523292"/>
+            <a:off x="1258864" y="1403659"/>
+            <a:ext cx="1884878" cy="948103"/>
+          </a:xfrm>
+          <a:prstGeom prst="rect">
+            <a:avLst/>
+          </a:prstGeom>
+          <a:ln>
+            <a:solidFill>
+              <a:srgbClr val="7030A0"/>
+            </a:solidFill>
+          </a:ln>
+        </p:spPr>
+        <p:style>
+          <a:lnRef idx="2">
+            <a:schemeClr val="accent2"/>
+          </a:lnRef>
+          <a:fillRef idx="1">
+            <a:schemeClr val="lt1"/>
+          </a:fillRef>
+          <a:effectRef idx="0">
+            <a:schemeClr val="accent2"/>
+          </a:effectRef>
+          <a:fontRef idx="minor">
+            <a:schemeClr val="dk1"/>
+          </a:fontRef>
+        </p:style>
+        <p:txBody>
+          <a:bodyPr rtlCol="0" anchor="ctr"/>
+          <a:lstStyle/>
+          <a:p>
+            <a:pPr algn="ctr"/>
+            <a:r>
+              <a:rPr lang="en-US" altLang="zh-CN" dirty="0">
+                <a:latin typeface="Tahoma" panose="020B0604030504040204" pitchFamily="34" charset="0"/>
+                <a:ea typeface="Tahoma" panose="020B0604030504040204" pitchFamily="34" charset="0"/>
+                <a:cs typeface="Tahoma" panose="020B0604030504040204" pitchFamily="34" charset="0"/>
+              </a:rPr>
+              <a:t>GUI Logic</a:t>
+            </a:r>
+            <a:endParaRPr lang="zh-CN" altLang="en-US" dirty="0">
+              <a:latin typeface="Tahoma" panose="020B0604030504040204" pitchFamily="34" charset="0"/>
+              <a:ea typeface="方正姚体" panose="02010601030101010101" pitchFamily="2" charset="-122"/>
+              <a:cs typeface="Tahoma" panose="020B0604030504040204" pitchFamily="34" charset="0"/>
+            </a:endParaRPr>
+          </a:p>
+        </p:txBody>
+      </p:sp>
+      <p:sp>
+        <p:nvSpPr>
+          <p:cNvPr id="35" name="矩形 34">
+            <a:extLst>
+              <a:ext uri="{FF2B5EF4-FFF2-40B4-BE49-F238E27FC236}">
+                <a16:creationId xmlns:a16="http://schemas.microsoft.com/office/drawing/2014/main" id="{E603BDB5-9181-46E2-A633-846DA1FF7AF2}"/>
+              </a:ext>
+            </a:extLst>
+          </p:cNvPr>
+          <p:cNvSpPr/>
+          <p:nvPr/>
+        </p:nvSpPr>
+        <p:spPr>
+          <a:xfrm>
+            <a:off x="3329951" y="1411571"/>
+            <a:ext cx="1921426" cy="940192"/>
+          </a:xfrm>
+          <a:prstGeom prst="rect">
+            <a:avLst/>
+          </a:prstGeom>
+          <a:ln>
+            <a:solidFill>
+              <a:srgbClr val="7030A0"/>
+            </a:solidFill>
+          </a:ln>
+        </p:spPr>
+        <p:style>
+          <a:lnRef idx="2">
+            <a:schemeClr val="accent2"/>
+          </a:lnRef>
+          <a:fillRef idx="1">
+            <a:schemeClr val="lt1"/>
+          </a:fillRef>
+          <a:effectRef idx="0">
+            <a:schemeClr val="accent2"/>
+          </a:effectRef>
+          <a:fontRef idx="minor">
+            <a:schemeClr val="dk1"/>
+          </a:fontRef>
+        </p:style>
+        <p:txBody>
+          <a:bodyPr rtlCol="0" anchor="ctr"/>
+          <a:lstStyle/>
+          <a:p>
+            <a:pPr algn="ctr"/>
+            <a:r>
+              <a:rPr lang="en-US" altLang="zh-CN" dirty="0">
+                <a:latin typeface="Tahoma" panose="020B0604030504040204" pitchFamily="34" charset="0"/>
+                <a:ea typeface="Tahoma" panose="020B0604030504040204" pitchFamily="34" charset="0"/>
+                <a:cs typeface="Tahoma" panose="020B0604030504040204" pitchFamily="34" charset="0"/>
+              </a:rPr>
+              <a:t>Battle Logic</a:t>
+            </a:r>
+            <a:endParaRPr lang="zh-CN" altLang="en-US" dirty="0">
+              <a:latin typeface="Tahoma" panose="020B0604030504040204" pitchFamily="34" charset="0"/>
+              <a:ea typeface="方正姚体" panose="02010601030101010101" pitchFamily="2" charset="-122"/>
+              <a:cs typeface="Tahoma" panose="020B0604030504040204" pitchFamily="34" charset="0"/>
+            </a:endParaRPr>
+          </a:p>
+        </p:txBody>
+      </p:sp>
+      <p:sp>
+        <p:nvSpPr>
+          <p:cNvPr id="36" name="矩形 35">
+            <a:extLst>
+              <a:ext uri="{FF2B5EF4-FFF2-40B4-BE49-F238E27FC236}">
+                <a16:creationId xmlns:a16="http://schemas.microsoft.com/office/drawing/2014/main" id="{26B877D2-33FA-4670-9DAA-625E5F45D619}"/>
+              </a:ext>
+            </a:extLst>
+          </p:cNvPr>
+          <p:cNvSpPr/>
+          <p:nvPr/>
+        </p:nvSpPr>
+        <p:spPr>
+          <a:xfrm>
+            <a:off x="7449854" y="858120"/>
+            <a:ext cx="3294346" cy="417228"/>
+          </a:xfrm>
+          <a:prstGeom prst="rect">
+            <a:avLst/>
+          </a:prstGeom>
+          <a:ln>
+            <a:solidFill>
+              <a:srgbClr val="7030A0"/>
+            </a:solidFill>
+          </a:ln>
+        </p:spPr>
+        <p:style>
+          <a:lnRef idx="2">
+            <a:schemeClr val="accent2"/>
+          </a:lnRef>
+          <a:fillRef idx="1">
+            <a:schemeClr val="lt1"/>
+          </a:fillRef>
+          <a:effectRef idx="0">
+            <a:schemeClr val="accent2"/>
+          </a:effectRef>
+          <a:fontRef idx="minor">
+            <a:schemeClr val="dk1"/>
+          </a:fontRef>
+        </p:style>
+        <p:txBody>
+          <a:bodyPr rtlCol="0" anchor="ctr"/>
+          <a:lstStyle/>
+          <a:p>
+            <a:pPr algn="ctr"/>
+            <a:r>
+              <a:rPr lang="en-US" altLang="zh-CN" sz="1600" dirty="0">
+                <a:latin typeface="Tahoma" panose="020B0604030504040204" pitchFamily="34" charset="0"/>
+                <a:ea typeface="Tahoma" panose="020B0604030504040204" pitchFamily="34" charset="0"/>
+                <a:cs typeface="Tahoma" panose="020B0604030504040204" pitchFamily="34" charset="0"/>
+              </a:rPr>
+              <a:t>Assetbundle Build Tools</a:t>
+            </a:r>
+            <a:endParaRPr lang="zh-CN" altLang="en-US" sz="1600" dirty="0">
+              <a:latin typeface="Tahoma" panose="020B0604030504040204" pitchFamily="34" charset="0"/>
+              <a:ea typeface="方正姚体" panose="02010601030101010101" pitchFamily="2" charset="-122"/>
+              <a:cs typeface="Tahoma" panose="020B0604030504040204" pitchFamily="34" charset="0"/>
+            </a:endParaRPr>
+          </a:p>
+        </p:txBody>
+      </p:sp>
+      <p:sp>
+        <p:nvSpPr>
+          <p:cNvPr id="37" name="矩形 36">
+            <a:extLst>
+              <a:ext uri="{FF2B5EF4-FFF2-40B4-BE49-F238E27FC236}">
+                <a16:creationId xmlns:a16="http://schemas.microsoft.com/office/drawing/2014/main" id="{5D758602-6739-4F5C-BFAD-D765A6C1B3E8}"/>
+              </a:ext>
+            </a:extLst>
+          </p:cNvPr>
+          <p:cNvSpPr/>
+          <p:nvPr/>
+        </p:nvSpPr>
+        <p:spPr>
+          <a:xfrm>
+            <a:off x="7449854" y="1274280"/>
+            <a:ext cx="3294346" cy="417228"/>
+          </a:xfrm>
+          <a:prstGeom prst="rect">
+            <a:avLst/>
+          </a:prstGeom>
+          <a:ln>
+            <a:solidFill>
+              <a:srgbClr val="7030A0"/>
+            </a:solidFill>
+          </a:ln>
+        </p:spPr>
+        <p:style>
+          <a:lnRef idx="2">
+            <a:schemeClr val="accent2"/>
+          </a:lnRef>
+          <a:fillRef idx="1">
+            <a:schemeClr val="lt1"/>
+          </a:fillRef>
+          <a:effectRef idx="0">
+            <a:schemeClr val="accent2"/>
+          </a:effectRef>
+          <a:fontRef idx="minor">
+            <a:schemeClr val="dk1"/>
+          </a:fontRef>
+        </p:style>
+        <p:txBody>
+          <a:bodyPr rtlCol="0" anchor="ctr"/>
+          <a:lstStyle/>
+          <a:p>
+            <a:pPr algn="ctr"/>
+            <a:r>
+              <a:rPr lang="en-US" altLang="zh-CN" sz="1600" dirty="0">
+                <a:latin typeface="Tahoma" panose="020B0604030504040204" pitchFamily="34" charset="0"/>
+                <a:ea typeface="方正姚体" panose="02010601030101010101" pitchFamily="2" charset="-122"/>
+                <a:cs typeface="Tahoma" panose="020B0604030504040204" pitchFamily="34" charset="0"/>
+              </a:rPr>
+              <a:t>Excel Reader</a:t>
+            </a:r>
+            <a:endParaRPr lang="zh-CN" altLang="en-US" sz="1600" dirty="0">
+              <a:latin typeface="Tahoma" panose="020B0604030504040204" pitchFamily="34" charset="0"/>
+              <a:ea typeface="方正姚体" panose="02010601030101010101" pitchFamily="2" charset="-122"/>
+              <a:cs typeface="Tahoma" panose="020B0604030504040204" pitchFamily="34" charset="0"/>
+            </a:endParaRPr>
+          </a:p>
+        </p:txBody>
+      </p:sp>
+      <p:sp>
+        <p:nvSpPr>
+          <p:cNvPr id="38" name="矩形 37">
+            <a:extLst>
+              <a:ext uri="{FF2B5EF4-FFF2-40B4-BE49-F238E27FC236}">
+                <a16:creationId xmlns:a16="http://schemas.microsoft.com/office/drawing/2014/main" id="{D1C61C13-40A0-4897-B4EB-BAFEFDD9914E}"/>
+              </a:ext>
+            </a:extLst>
+          </p:cNvPr>
+          <p:cNvSpPr/>
+          <p:nvPr/>
+        </p:nvSpPr>
+        <p:spPr>
+          <a:xfrm>
+            <a:off x="7453116" y="1691508"/>
+            <a:ext cx="3291083" cy="417228"/>
+          </a:xfrm>
+          <a:prstGeom prst="rect">
+            <a:avLst/>
+          </a:prstGeom>
+          <a:ln>
+            <a:solidFill>
+              <a:srgbClr val="7030A0"/>
+            </a:solidFill>
+          </a:ln>
+        </p:spPr>
+        <p:style>
+          <a:lnRef idx="2">
+            <a:schemeClr val="accent2"/>
+          </a:lnRef>
+          <a:fillRef idx="1">
+            <a:schemeClr val="lt1"/>
+          </a:fillRef>
+          <a:effectRef idx="0">
+            <a:schemeClr val="accent2"/>
+          </a:effectRef>
+          <a:fontRef idx="minor">
+            <a:schemeClr val="dk1"/>
+          </a:fontRef>
+        </p:style>
+        <p:txBody>
+          <a:bodyPr rtlCol="0" anchor="ctr"/>
+          <a:lstStyle/>
+          <a:p>
+            <a:pPr algn="ctr"/>
+            <a:r>
+              <a:rPr lang="en-US" altLang="zh-CN" sz="1600" dirty="0">
+                <a:latin typeface="Tahoma" panose="020B0604030504040204" pitchFamily="34" charset="0"/>
+                <a:ea typeface="方正姚体" panose="02010601030101010101" pitchFamily="2" charset="-122"/>
+                <a:cs typeface="Tahoma" panose="020B0604030504040204" pitchFamily="34" charset="0"/>
+              </a:rPr>
+              <a:t>Script Inspectors</a:t>
+            </a:r>
+            <a:endParaRPr lang="zh-CN" altLang="en-US" sz="1600" dirty="0">
+              <a:latin typeface="Tahoma" panose="020B0604030504040204" pitchFamily="34" charset="0"/>
+              <a:ea typeface="方正姚体" panose="02010601030101010101" pitchFamily="2" charset="-122"/>
+              <a:cs typeface="Tahoma" panose="020B0604030504040204" pitchFamily="34" charset="0"/>
+            </a:endParaRPr>
+          </a:p>
+        </p:txBody>
+      </p:sp>
+      <p:sp>
+        <p:nvSpPr>
+          <p:cNvPr id="39" name="矩形 38">
+            <a:extLst>
+              <a:ext uri="{FF2B5EF4-FFF2-40B4-BE49-F238E27FC236}">
+                <a16:creationId xmlns:a16="http://schemas.microsoft.com/office/drawing/2014/main" id="{4082CC4D-3A36-481D-8021-A41A7467BC36}"/>
+              </a:ext>
+            </a:extLst>
+          </p:cNvPr>
+          <p:cNvSpPr/>
+          <p:nvPr/>
+        </p:nvSpPr>
+        <p:spPr>
+          <a:xfrm>
+            <a:off x="7449854" y="2109196"/>
+            <a:ext cx="3294345" cy="417228"/>
+          </a:xfrm>
+          <a:prstGeom prst="rect">
+            <a:avLst/>
+          </a:prstGeom>
+          <a:ln>
+            <a:solidFill>
+              <a:srgbClr val="7030A0"/>
+            </a:solidFill>
+          </a:ln>
+        </p:spPr>
+        <p:style>
+          <a:lnRef idx="2">
+            <a:schemeClr val="accent2"/>
+          </a:lnRef>
+          <a:fillRef idx="1">
+            <a:schemeClr val="lt1"/>
+          </a:fillRef>
+          <a:effectRef idx="0">
+            <a:schemeClr val="accent2"/>
+          </a:effectRef>
+          <a:fontRef idx="minor">
+            <a:schemeClr val="dk1"/>
+          </a:fontRef>
+        </p:style>
+        <p:txBody>
+          <a:bodyPr rtlCol="0" anchor="ctr"/>
+          <a:lstStyle/>
+          <a:p>
+            <a:pPr algn="ctr"/>
+            <a:r>
+              <a:rPr lang="en-US" altLang="zh-CN" sz="1600" dirty="0">
+                <a:latin typeface="Tahoma" panose="020B0604030504040204" pitchFamily="34" charset="0"/>
+                <a:ea typeface="方正姚体" panose="02010601030101010101" pitchFamily="2" charset="-122"/>
+                <a:cs typeface="Tahoma" panose="020B0604030504040204" pitchFamily="34" charset="0"/>
+              </a:rPr>
+              <a:t>Memory Profiler Compare</a:t>
+            </a:r>
+            <a:endParaRPr lang="zh-CN" altLang="en-US" sz="1600" dirty="0">
+              <a:latin typeface="Tahoma" panose="020B0604030504040204" pitchFamily="34" charset="0"/>
+              <a:ea typeface="方正姚体" panose="02010601030101010101" pitchFamily="2" charset="-122"/>
+              <a:cs typeface="Tahoma" panose="020B0604030504040204" pitchFamily="34" charset="0"/>
+            </a:endParaRPr>
+          </a:p>
+        </p:txBody>
+      </p:sp>
+      <p:sp>
+        <p:nvSpPr>
+          <p:cNvPr id="40" name="矩形 39">
+            <a:extLst>
+              <a:ext uri="{FF2B5EF4-FFF2-40B4-BE49-F238E27FC236}">
+                <a16:creationId xmlns:a16="http://schemas.microsoft.com/office/drawing/2014/main" id="{175F021F-5474-44CB-9849-F9A143B468E6}"/>
+              </a:ext>
+            </a:extLst>
+          </p:cNvPr>
+          <p:cNvSpPr/>
+          <p:nvPr/>
+        </p:nvSpPr>
+        <p:spPr>
+          <a:xfrm>
+            <a:off x="7449854" y="2521721"/>
+            <a:ext cx="3294345" cy="417228"/>
+          </a:xfrm>
+          <a:prstGeom prst="rect">
+            <a:avLst/>
+          </a:prstGeom>
+          <a:ln>
+            <a:solidFill>
+              <a:srgbClr val="7030A0"/>
+            </a:solidFill>
+          </a:ln>
+        </p:spPr>
+        <p:style>
+          <a:lnRef idx="2">
+            <a:schemeClr val="accent2"/>
+          </a:lnRef>
+          <a:fillRef idx="1">
+            <a:schemeClr val="lt1"/>
+          </a:fillRef>
+          <a:effectRef idx="0">
+            <a:schemeClr val="accent2"/>
+          </a:effectRef>
+          <a:fontRef idx="minor">
+            <a:schemeClr val="dk1"/>
+          </a:fontRef>
+        </p:style>
+        <p:txBody>
+          <a:bodyPr rtlCol="0" anchor="ctr"/>
+          <a:lstStyle/>
+          <a:p>
+            <a:pPr algn="ctr"/>
+            <a:r>
+              <a:rPr lang="en-US" altLang="zh-CN" sz="1600" dirty="0">
+                <a:latin typeface="Tahoma" panose="020B0604030504040204" pitchFamily="34" charset="0"/>
+                <a:ea typeface="方正姚体" panose="02010601030101010101" pitchFamily="2" charset="-122"/>
+                <a:cs typeface="Tahoma" panose="020B0604030504040204" pitchFamily="34" charset="0"/>
+              </a:rPr>
+              <a:t>Effect Tools</a:t>
+            </a:r>
+            <a:endParaRPr lang="zh-CN" altLang="en-US" sz="1600" dirty="0">
+              <a:latin typeface="Tahoma" panose="020B0604030504040204" pitchFamily="34" charset="0"/>
+              <a:ea typeface="方正姚体" panose="02010601030101010101" pitchFamily="2" charset="-122"/>
+              <a:cs typeface="Tahoma" panose="020B0604030504040204" pitchFamily="34" charset="0"/>
+            </a:endParaRPr>
+          </a:p>
+        </p:txBody>
+      </p:sp>
+      <p:sp>
+        <p:nvSpPr>
+          <p:cNvPr id="42" name="箭头: 上 41">
+            <a:extLst>
+              <a:ext uri="{FF2B5EF4-FFF2-40B4-BE49-F238E27FC236}">
+                <a16:creationId xmlns:a16="http://schemas.microsoft.com/office/drawing/2014/main" id="{FCEB0CA1-95CD-452A-B8E6-C20DDC6B2BAA}"/>
+              </a:ext>
+            </a:extLst>
+          </p:cNvPr>
+          <p:cNvSpPr/>
+          <p:nvPr/>
+        </p:nvSpPr>
+        <p:spPr>
+          <a:xfrm>
+            <a:off x="3779263" y="5208519"/>
+            <a:ext cx="1009309" cy="327822"/>
+          </a:xfrm>
+          <a:prstGeom prst="upArrow">
+            <a:avLst/>
+          </a:prstGeom>
+          <a:solidFill>
+            <a:schemeClr val="bg1">
+              <a:lumMod val="85000"/>
+            </a:schemeClr>
+          </a:solidFill>
+          <a:ln>
+            <a:solidFill>
+              <a:srgbClr val="7030A0"/>
+            </a:solidFill>
+          </a:ln>
+        </p:spPr>
+        <p:style>
+          <a:lnRef idx="1">
+            <a:schemeClr val="accent2"/>
+          </a:lnRef>
+          <a:fillRef idx="2">
+            <a:schemeClr val="accent2"/>
+          </a:fillRef>
+          <a:effectRef idx="1">
+            <a:schemeClr val="accent2"/>
+          </a:effectRef>
+          <a:fontRef idx="minor">
+            <a:schemeClr val="dk1"/>
+          </a:fontRef>
+        </p:style>
+        <p:txBody>
+          <a:bodyPr rtlCol="0" anchor="ctr"/>
+          <a:lstStyle/>
+          <a:p>
+            <a:pPr algn="ctr"/>
+            <a:endParaRPr lang="zh-CN" altLang="en-US" dirty="0"/>
+          </a:p>
+        </p:txBody>
+      </p:sp>
+      <p:sp>
+        <p:nvSpPr>
+          <p:cNvPr id="43" name="箭头: 上 42">
+            <a:extLst>
+              <a:ext uri="{FF2B5EF4-FFF2-40B4-BE49-F238E27FC236}">
+                <a16:creationId xmlns:a16="http://schemas.microsoft.com/office/drawing/2014/main" id="{27DF9CF0-73AB-4A7E-BAFA-7486F2DC910C}"/>
+              </a:ext>
+            </a:extLst>
+          </p:cNvPr>
+          <p:cNvSpPr/>
+          <p:nvPr/>
+        </p:nvSpPr>
+        <p:spPr>
+          <a:xfrm>
+            <a:off x="8532858" y="5208519"/>
+            <a:ext cx="1009309" cy="324356"/>
+          </a:xfrm>
+          <a:prstGeom prst="upArrow">
+            <a:avLst/>
+          </a:prstGeom>
+          <a:solidFill>
+            <a:schemeClr val="bg1">
+              <a:lumMod val="85000"/>
+            </a:schemeClr>
+          </a:solidFill>
+          <a:ln>
+            <a:solidFill>
+              <a:srgbClr val="7030A0"/>
+            </a:solidFill>
+          </a:ln>
+        </p:spPr>
+        <p:style>
+          <a:lnRef idx="1">
+            <a:schemeClr val="accent2"/>
+          </a:lnRef>
+          <a:fillRef idx="2">
+            <a:schemeClr val="accent2"/>
+          </a:fillRef>
+          <a:effectRef idx="1">
+            <a:schemeClr val="accent2"/>
+          </a:effectRef>
+          <a:fontRef idx="minor">
+            <a:schemeClr val="dk1"/>
+          </a:fontRef>
+        </p:style>
+        <p:txBody>
+          <a:bodyPr rtlCol="0" anchor="ctr"/>
+          <a:lstStyle/>
+          <a:p>
+            <a:pPr algn="ctr"/>
+            <a:endParaRPr lang="zh-CN" altLang="en-US" dirty="0"/>
+          </a:p>
+        </p:txBody>
+      </p:sp>
+      <p:sp>
+        <p:nvSpPr>
+          <p:cNvPr id="44" name="箭头: 上 43">
+            <a:extLst>
+              <a:ext uri="{FF2B5EF4-FFF2-40B4-BE49-F238E27FC236}">
+                <a16:creationId xmlns:a16="http://schemas.microsoft.com/office/drawing/2014/main" id="{12272EA5-9334-49B7-B07B-CCCA9880A7C8}"/>
+              </a:ext>
+            </a:extLst>
+          </p:cNvPr>
+          <p:cNvSpPr/>
+          <p:nvPr/>
+        </p:nvSpPr>
+        <p:spPr>
+          <a:xfrm>
+            <a:off x="3733019" y="3402876"/>
+            <a:ext cx="1009309" cy="305159"/>
+          </a:xfrm>
+          <a:prstGeom prst="upArrow">
+            <a:avLst/>
+          </a:prstGeom>
+          <a:solidFill>
+            <a:schemeClr val="bg1">
+              <a:lumMod val="85000"/>
+            </a:schemeClr>
+          </a:solidFill>
+          <a:ln>
+            <a:solidFill>
+              <a:srgbClr val="7030A0"/>
+            </a:solidFill>
+          </a:ln>
+        </p:spPr>
+        <p:style>
+          <a:lnRef idx="1">
+            <a:schemeClr val="accent2"/>
+          </a:lnRef>
+          <a:fillRef idx="2">
+            <a:schemeClr val="accent2"/>
+          </a:fillRef>
+          <a:effectRef idx="1">
+            <a:schemeClr val="accent2"/>
+          </a:effectRef>
+          <a:fontRef idx="minor">
+            <a:schemeClr val="dk1"/>
+          </a:fontRef>
+        </p:style>
+        <p:txBody>
+          <a:bodyPr rtlCol="0" anchor="ctr"/>
+          <a:lstStyle/>
+          <a:p>
+            <a:pPr algn="ctr"/>
+            <a:endParaRPr lang="zh-CN" altLang="en-US" dirty="0"/>
+          </a:p>
+        </p:txBody>
+      </p:sp>
+      <p:sp>
+        <p:nvSpPr>
+          <p:cNvPr id="45" name="箭头: 上 44">
+            <a:extLst>
+              <a:ext uri="{FF2B5EF4-FFF2-40B4-BE49-F238E27FC236}">
+                <a16:creationId xmlns:a16="http://schemas.microsoft.com/office/drawing/2014/main" id="{E128665E-6ABF-46A0-95A1-71DC5FA7A533}"/>
+              </a:ext>
+            </a:extLst>
+          </p:cNvPr>
+          <p:cNvSpPr/>
+          <p:nvPr/>
+        </p:nvSpPr>
+        <p:spPr>
+          <a:xfrm>
+            <a:off x="8503302" y="3399410"/>
+            <a:ext cx="1009309" cy="305159"/>
+          </a:xfrm>
+          <a:prstGeom prst="upArrow">
+            <a:avLst/>
+          </a:prstGeom>
+          <a:solidFill>
+            <a:schemeClr val="bg1">
+              <a:lumMod val="85000"/>
+            </a:schemeClr>
+          </a:solidFill>
+          <a:ln>
+            <a:solidFill>
+              <a:srgbClr val="7030A0"/>
+            </a:solidFill>
+          </a:ln>
+        </p:spPr>
+        <p:style>
+          <a:lnRef idx="1">
+            <a:schemeClr val="accent2"/>
+          </a:lnRef>
+          <a:fillRef idx="2">
+            <a:schemeClr val="accent2"/>
+          </a:fillRef>
+          <a:effectRef idx="1">
+            <a:schemeClr val="accent2"/>
+          </a:effectRef>
+          <a:fontRef idx="minor">
+            <a:schemeClr val="dk1"/>
+          </a:fontRef>
+        </p:style>
+        <p:txBody>
+          <a:bodyPr rtlCol="0" anchor="ctr"/>
+          <a:lstStyle/>
+          <a:p>
+            <a:pPr algn="ctr"/>
+            <a:endParaRPr lang="zh-CN" altLang="en-US" dirty="0"/>
+          </a:p>
+        </p:txBody>
+      </p:sp>
+      <p:sp>
+        <p:nvSpPr>
+          <p:cNvPr id="41" name="矩形 40">
+            <a:extLst>
+              <a:ext uri="{FF2B5EF4-FFF2-40B4-BE49-F238E27FC236}">
+                <a16:creationId xmlns:a16="http://schemas.microsoft.com/office/drawing/2014/main" id="{43387133-37B5-492F-A637-0552CB1826F2}"/>
+              </a:ext>
+            </a:extLst>
+          </p:cNvPr>
+          <p:cNvSpPr/>
+          <p:nvPr/>
+        </p:nvSpPr>
+        <p:spPr>
+          <a:xfrm>
+            <a:off x="3520465" y="2863514"/>
+            <a:ext cx="1922890" cy="518017"/>
           </a:xfrm>
           <a:prstGeom prst="rect">
             <a:avLst/>
@@ -4801,7 +5440,7 @@
                 <a:ea typeface="Tahoma" panose="020B0604030504040204" pitchFamily="34" charset="0"/>
                 <a:cs typeface="Tahoma" panose="020B0604030504040204" pitchFamily="34" charset="0"/>
               </a:rPr>
-              <a:t>ECS Framework</a:t>
+              <a:t>Network</a:t>
             </a:r>
             <a:endParaRPr lang="zh-CN" altLang="en-US" sz="1600" dirty="0">
               <a:latin typeface="Tahoma" panose="020B0604030504040204" pitchFamily="34" charset="0"/>
@@ -4813,10 +5452,10 @@
       </p:sp>
       <p:sp>
         <p:nvSpPr>
-          <p:cNvPr id="34" name="矩形 33">
-            <a:extLst>
-              <a:ext uri="{FF2B5EF4-FFF2-40B4-BE49-F238E27FC236}">
-                <a16:creationId xmlns:a16="http://schemas.microsoft.com/office/drawing/2014/main" id="{B8874484-BAE5-46D2-9514-6859DE65209C}"/>
+          <p:cNvPr id="46" name="矩形 45">
+            <a:extLst>
+              <a:ext uri="{FF2B5EF4-FFF2-40B4-BE49-F238E27FC236}">
+                <a16:creationId xmlns:a16="http://schemas.microsoft.com/office/drawing/2014/main" id="{A3520FBD-2795-4138-B212-9F52080735B3}"/>
               </a:ext>
             </a:extLst>
           </p:cNvPr>
@@ -4825,8 +5464,8 @@
         </p:nvSpPr>
         <p:spPr>
           <a:xfrm>
-            <a:off x="1258864" y="1403659"/>
-            <a:ext cx="1884878" cy="948103"/>
+            <a:off x="7577072" y="4647155"/>
+            <a:ext cx="2993392" cy="538619"/>
           </a:xfrm>
           <a:prstGeom prst="rect">
             <a:avLst/>
@@ -4862,7 +5501,7 @@
                 <a:ea typeface="Tahoma" panose="020B0604030504040204" pitchFamily="34" charset="0"/>
                 <a:cs typeface="Tahoma" panose="020B0604030504040204" pitchFamily="34" charset="0"/>
               </a:rPr>
-              <a:t>GUI Logic</a:t>
+              <a:t>Event Management</a:t>
             </a:r>
             <a:endParaRPr lang="zh-CN" altLang="en-US" dirty="0">
               <a:latin typeface="Tahoma" panose="020B0604030504040204" pitchFamily="34" charset="0"/>
@@ -4874,10 +5513,10 @@
       </p:sp>
       <p:sp>
         <p:nvSpPr>
-          <p:cNvPr id="35" name="矩形 34">
-            <a:extLst>
-              <a:ext uri="{FF2B5EF4-FFF2-40B4-BE49-F238E27FC236}">
-                <a16:creationId xmlns:a16="http://schemas.microsoft.com/office/drawing/2014/main" id="{E603BDB5-9181-46E2-A633-846DA1FF7AF2}"/>
+          <p:cNvPr id="47" name="矩形 46">
+            <a:extLst>
+              <a:ext uri="{FF2B5EF4-FFF2-40B4-BE49-F238E27FC236}">
+                <a16:creationId xmlns:a16="http://schemas.microsoft.com/office/drawing/2014/main" id="{F4CB1480-51B8-424A-9878-3AE166371ACA}"/>
               </a:ext>
             </a:extLst>
           </p:cNvPr>
@@ -4886,8 +5525,8 @@
         </p:nvSpPr>
         <p:spPr>
           <a:xfrm>
-            <a:off x="3329951" y="1411571"/>
-            <a:ext cx="1921426" cy="940192"/>
+            <a:off x="9037469" y="5790568"/>
+            <a:ext cx="1715591" cy="538620"/>
           </a:xfrm>
           <a:prstGeom prst="rect">
             <a:avLst/>
@@ -4900,13 +5539,13 @@
         </p:spPr>
         <p:style>
           <a:lnRef idx="2">
-            <a:schemeClr val="accent2"/>
+            <a:schemeClr val="accent5"/>
           </a:lnRef>
           <a:fillRef idx="1">
             <a:schemeClr val="lt1"/>
           </a:fillRef>
           <a:effectRef idx="0">
-            <a:schemeClr val="accent2"/>
+            <a:schemeClr val="accent5"/>
           </a:effectRef>
           <a:fontRef idx="minor">
             <a:schemeClr val="dk1"/>
@@ -4918,539 +5557,18 @@
           <a:p>
             <a:pPr algn="ctr"/>
             <a:r>
-              <a:rPr lang="en-US" altLang="zh-CN" dirty="0">
+              <a:rPr lang="en-US" altLang="zh-CN" sz="1400" dirty="0">
                 <a:latin typeface="Tahoma" panose="020B0604030504040204" pitchFamily="34" charset="0"/>
                 <a:ea typeface="Tahoma" panose="020B0604030504040204" pitchFamily="34" charset="0"/>
                 <a:cs typeface="Tahoma" panose="020B0604030504040204" pitchFamily="34" charset="0"/>
               </a:rPr>
-              <a:t>Battle Logic</a:t>
-            </a:r>
-            <a:endParaRPr lang="zh-CN" altLang="en-US" dirty="0">
+              <a:t>NaughtyAttributes</a:t>
+            </a:r>
+            <a:endParaRPr lang="zh-CN" altLang="en-US" sz="1400" dirty="0">
               <a:latin typeface="Tahoma" panose="020B0604030504040204" pitchFamily="34" charset="0"/>
               <a:ea typeface="方正姚体" panose="02010601030101010101" pitchFamily="2" charset="-122"/>
               <a:cs typeface="Tahoma" panose="020B0604030504040204" pitchFamily="34" charset="0"/>
             </a:endParaRPr>
-          </a:p>
-        </p:txBody>
-      </p:sp>
-      <p:sp>
-        <p:nvSpPr>
-          <p:cNvPr id="36" name="矩形 35">
-            <a:extLst>
-              <a:ext uri="{FF2B5EF4-FFF2-40B4-BE49-F238E27FC236}">
-                <a16:creationId xmlns:a16="http://schemas.microsoft.com/office/drawing/2014/main" id="{26B877D2-33FA-4670-9DAA-625E5F45D619}"/>
-              </a:ext>
-            </a:extLst>
-          </p:cNvPr>
-          <p:cNvSpPr/>
-          <p:nvPr/>
-        </p:nvSpPr>
-        <p:spPr>
-          <a:xfrm>
-            <a:off x="7449854" y="858120"/>
-            <a:ext cx="3294346" cy="417228"/>
-          </a:xfrm>
-          <a:prstGeom prst="rect">
-            <a:avLst/>
-          </a:prstGeom>
-          <a:ln>
-            <a:solidFill>
-              <a:srgbClr val="7030A0"/>
-            </a:solidFill>
-          </a:ln>
-        </p:spPr>
-        <p:style>
-          <a:lnRef idx="2">
-            <a:schemeClr val="accent2"/>
-          </a:lnRef>
-          <a:fillRef idx="1">
-            <a:schemeClr val="lt1"/>
-          </a:fillRef>
-          <a:effectRef idx="0">
-            <a:schemeClr val="accent2"/>
-          </a:effectRef>
-          <a:fontRef idx="minor">
-            <a:schemeClr val="dk1"/>
-          </a:fontRef>
-        </p:style>
-        <p:txBody>
-          <a:bodyPr rtlCol="0" anchor="ctr"/>
-          <a:lstStyle/>
-          <a:p>
-            <a:pPr algn="ctr"/>
-            <a:r>
-              <a:rPr lang="en-US" altLang="zh-CN" sz="1600" dirty="0">
-                <a:latin typeface="Tahoma" panose="020B0604030504040204" pitchFamily="34" charset="0"/>
-                <a:ea typeface="Tahoma" panose="020B0604030504040204" pitchFamily="34" charset="0"/>
-                <a:cs typeface="Tahoma" panose="020B0604030504040204" pitchFamily="34" charset="0"/>
-              </a:rPr>
-              <a:t>Assetbundle Build Tools</a:t>
-            </a:r>
-            <a:endParaRPr lang="zh-CN" altLang="en-US" sz="1600" dirty="0">
-              <a:latin typeface="Tahoma" panose="020B0604030504040204" pitchFamily="34" charset="0"/>
-              <a:ea typeface="方正姚体" panose="02010601030101010101" pitchFamily="2" charset="-122"/>
-              <a:cs typeface="Tahoma" panose="020B0604030504040204" pitchFamily="34" charset="0"/>
-            </a:endParaRPr>
-          </a:p>
-        </p:txBody>
-      </p:sp>
-      <p:sp>
-        <p:nvSpPr>
-          <p:cNvPr id="37" name="矩形 36">
-            <a:extLst>
-              <a:ext uri="{FF2B5EF4-FFF2-40B4-BE49-F238E27FC236}">
-                <a16:creationId xmlns:a16="http://schemas.microsoft.com/office/drawing/2014/main" id="{5D758602-6739-4F5C-BFAD-D765A6C1B3E8}"/>
-              </a:ext>
-            </a:extLst>
-          </p:cNvPr>
-          <p:cNvSpPr/>
-          <p:nvPr/>
-        </p:nvSpPr>
-        <p:spPr>
-          <a:xfrm>
-            <a:off x="7449854" y="1274280"/>
-            <a:ext cx="3294346" cy="417228"/>
-          </a:xfrm>
-          <a:prstGeom prst="rect">
-            <a:avLst/>
-          </a:prstGeom>
-          <a:ln>
-            <a:solidFill>
-              <a:srgbClr val="7030A0"/>
-            </a:solidFill>
-          </a:ln>
-        </p:spPr>
-        <p:style>
-          <a:lnRef idx="2">
-            <a:schemeClr val="accent2"/>
-          </a:lnRef>
-          <a:fillRef idx="1">
-            <a:schemeClr val="lt1"/>
-          </a:fillRef>
-          <a:effectRef idx="0">
-            <a:schemeClr val="accent2"/>
-          </a:effectRef>
-          <a:fontRef idx="minor">
-            <a:schemeClr val="dk1"/>
-          </a:fontRef>
-        </p:style>
-        <p:txBody>
-          <a:bodyPr rtlCol="0" anchor="ctr"/>
-          <a:lstStyle/>
-          <a:p>
-            <a:pPr algn="ctr"/>
-            <a:r>
-              <a:rPr lang="en-US" altLang="zh-CN" sz="1600" dirty="0">
-                <a:latin typeface="Tahoma" panose="020B0604030504040204" pitchFamily="34" charset="0"/>
-                <a:ea typeface="方正姚体" panose="02010601030101010101" pitchFamily="2" charset="-122"/>
-                <a:cs typeface="Tahoma" panose="020B0604030504040204" pitchFamily="34" charset="0"/>
-              </a:rPr>
-              <a:t>Excel Reader</a:t>
-            </a:r>
-            <a:endParaRPr lang="zh-CN" altLang="en-US" sz="1600" dirty="0">
-              <a:latin typeface="Tahoma" panose="020B0604030504040204" pitchFamily="34" charset="0"/>
-              <a:ea typeface="方正姚体" panose="02010601030101010101" pitchFamily="2" charset="-122"/>
-              <a:cs typeface="Tahoma" panose="020B0604030504040204" pitchFamily="34" charset="0"/>
-            </a:endParaRPr>
-          </a:p>
-        </p:txBody>
-      </p:sp>
-      <p:sp>
-        <p:nvSpPr>
-          <p:cNvPr id="38" name="矩形 37">
-            <a:extLst>
-              <a:ext uri="{FF2B5EF4-FFF2-40B4-BE49-F238E27FC236}">
-                <a16:creationId xmlns:a16="http://schemas.microsoft.com/office/drawing/2014/main" id="{D1C61C13-40A0-4897-B4EB-BAFEFDD9914E}"/>
-              </a:ext>
-            </a:extLst>
-          </p:cNvPr>
-          <p:cNvSpPr/>
-          <p:nvPr/>
-        </p:nvSpPr>
-        <p:spPr>
-          <a:xfrm>
-            <a:off x="7442416" y="1691508"/>
-            <a:ext cx="3301783" cy="417228"/>
-          </a:xfrm>
-          <a:prstGeom prst="rect">
-            <a:avLst/>
-          </a:prstGeom>
-          <a:ln>
-            <a:solidFill>
-              <a:srgbClr val="7030A0"/>
-            </a:solidFill>
-          </a:ln>
-        </p:spPr>
-        <p:style>
-          <a:lnRef idx="2">
-            <a:schemeClr val="accent2"/>
-          </a:lnRef>
-          <a:fillRef idx="1">
-            <a:schemeClr val="lt1"/>
-          </a:fillRef>
-          <a:effectRef idx="0">
-            <a:schemeClr val="accent2"/>
-          </a:effectRef>
-          <a:fontRef idx="minor">
-            <a:schemeClr val="dk1"/>
-          </a:fontRef>
-        </p:style>
-        <p:txBody>
-          <a:bodyPr rtlCol="0" anchor="ctr"/>
-          <a:lstStyle/>
-          <a:p>
-            <a:pPr algn="ctr"/>
-            <a:r>
-              <a:rPr lang="en-US" altLang="zh-CN" sz="1600" dirty="0">
-                <a:latin typeface="Tahoma" panose="020B0604030504040204" pitchFamily="34" charset="0"/>
-                <a:ea typeface="方正姚体" panose="02010601030101010101" pitchFamily="2" charset="-122"/>
-                <a:cs typeface="Tahoma" panose="020B0604030504040204" pitchFamily="34" charset="0"/>
-              </a:rPr>
-              <a:t>Script Inspectors</a:t>
-            </a:r>
-            <a:endParaRPr lang="zh-CN" altLang="en-US" sz="1600" dirty="0">
-              <a:latin typeface="Tahoma" panose="020B0604030504040204" pitchFamily="34" charset="0"/>
-              <a:ea typeface="方正姚体" panose="02010601030101010101" pitchFamily="2" charset="-122"/>
-              <a:cs typeface="Tahoma" panose="020B0604030504040204" pitchFamily="34" charset="0"/>
-            </a:endParaRPr>
-          </a:p>
-        </p:txBody>
-      </p:sp>
-      <p:sp>
-        <p:nvSpPr>
-          <p:cNvPr id="39" name="矩形 38">
-            <a:extLst>
-              <a:ext uri="{FF2B5EF4-FFF2-40B4-BE49-F238E27FC236}">
-                <a16:creationId xmlns:a16="http://schemas.microsoft.com/office/drawing/2014/main" id="{4082CC4D-3A36-481D-8021-A41A7467BC36}"/>
-              </a:ext>
-            </a:extLst>
-          </p:cNvPr>
-          <p:cNvSpPr/>
-          <p:nvPr/>
-        </p:nvSpPr>
-        <p:spPr>
-          <a:xfrm>
-            <a:off x="7449854" y="2109196"/>
-            <a:ext cx="3294345" cy="417228"/>
-          </a:xfrm>
-          <a:prstGeom prst="rect">
-            <a:avLst/>
-          </a:prstGeom>
-          <a:ln>
-            <a:solidFill>
-              <a:srgbClr val="7030A0"/>
-            </a:solidFill>
-          </a:ln>
-        </p:spPr>
-        <p:style>
-          <a:lnRef idx="2">
-            <a:schemeClr val="accent2"/>
-          </a:lnRef>
-          <a:fillRef idx="1">
-            <a:schemeClr val="lt1"/>
-          </a:fillRef>
-          <a:effectRef idx="0">
-            <a:schemeClr val="accent2"/>
-          </a:effectRef>
-          <a:fontRef idx="minor">
-            <a:schemeClr val="dk1"/>
-          </a:fontRef>
-        </p:style>
-        <p:txBody>
-          <a:bodyPr rtlCol="0" anchor="ctr"/>
-          <a:lstStyle/>
-          <a:p>
-            <a:pPr algn="ctr"/>
-            <a:r>
-              <a:rPr lang="en-US" altLang="zh-CN" sz="1600" dirty="0">
-                <a:latin typeface="Tahoma" panose="020B0604030504040204" pitchFamily="34" charset="0"/>
-                <a:ea typeface="方正姚体" panose="02010601030101010101" pitchFamily="2" charset="-122"/>
-                <a:cs typeface="Tahoma" panose="020B0604030504040204" pitchFamily="34" charset="0"/>
-              </a:rPr>
-              <a:t>Memory Profiler Compare</a:t>
-            </a:r>
-            <a:endParaRPr lang="zh-CN" altLang="en-US" sz="1600" dirty="0">
-              <a:latin typeface="Tahoma" panose="020B0604030504040204" pitchFamily="34" charset="0"/>
-              <a:ea typeface="方正姚体" panose="02010601030101010101" pitchFamily="2" charset="-122"/>
-              <a:cs typeface="Tahoma" panose="020B0604030504040204" pitchFamily="34" charset="0"/>
-            </a:endParaRPr>
-          </a:p>
-        </p:txBody>
-      </p:sp>
-      <p:sp>
-        <p:nvSpPr>
-          <p:cNvPr id="40" name="矩形 39">
-            <a:extLst>
-              <a:ext uri="{FF2B5EF4-FFF2-40B4-BE49-F238E27FC236}">
-                <a16:creationId xmlns:a16="http://schemas.microsoft.com/office/drawing/2014/main" id="{175F021F-5474-44CB-9849-F9A143B468E6}"/>
-              </a:ext>
-            </a:extLst>
-          </p:cNvPr>
-          <p:cNvSpPr/>
-          <p:nvPr/>
-        </p:nvSpPr>
-        <p:spPr>
-          <a:xfrm>
-            <a:off x="7449854" y="2531246"/>
-            <a:ext cx="3294345" cy="417228"/>
-          </a:xfrm>
-          <a:prstGeom prst="rect">
-            <a:avLst/>
-          </a:prstGeom>
-          <a:ln>
-            <a:solidFill>
-              <a:srgbClr val="7030A0"/>
-            </a:solidFill>
-          </a:ln>
-        </p:spPr>
-        <p:style>
-          <a:lnRef idx="2">
-            <a:schemeClr val="accent2"/>
-          </a:lnRef>
-          <a:fillRef idx="1">
-            <a:schemeClr val="lt1"/>
-          </a:fillRef>
-          <a:effectRef idx="0">
-            <a:schemeClr val="accent2"/>
-          </a:effectRef>
-          <a:fontRef idx="minor">
-            <a:schemeClr val="dk1"/>
-          </a:fontRef>
-        </p:style>
-        <p:txBody>
-          <a:bodyPr rtlCol="0" anchor="ctr"/>
-          <a:lstStyle/>
-          <a:p>
-            <a:pPr algn="ctr"/>
-            <a:r>
-              <a:rPr lang="en-US" altLang="zh-CN" sz="1600" dirty="0">
-                <a:latin typeface="Tahoma" panose="020B0604030504040204" pitchFamily="34" charset="0"/>
-                <a:ea typeface="方正姚体" panose="02010601030101010101" pitchFamily="2" charset="-122"/>
-                <a:cs typeface="Tahoma" panose="020B0604030504040204" pitchFamily="34" charset="0"/>
-              </a:rPr>
-              <a:t>Effect Tools</a:t>
-            </a:r>
-            <a:endParaRPr lang="zh-CN" altLang="en-US" sz="1600" dirty="0">
-              <a:latin typeface="Tahoma" panose="020B0604030504040204" pitchFamily="34" charset="0"/>
-              <a:ea typeface="方正姚体" panose="02010601030101010101" pitchFamily="2" charset="-122"/>
-              <a:cs typeface="Tahoma" panose="020B0604030504040204" pitchFamily="34" charset="0"/>
-            </a:endParaRPr>
-          </a:p>
-        </p:txBody>
-      </p:sp>
-      <p:sp>
-        <p:nvSpPr>
-          <p:cNvPr id="42" name="箭头: 上 41">
-            <a:extLst>
-              <a:ext uri="{FF2B5EF4-FFF2-40B4-BE49-F238E27FC236}">
-                <a16:creationId xmlns:a16="http://schemas.microsoft.com/office/drawing/2014/main" id="{FCEB0CA1-95CD-452A-B8E6-C20DDC6B2BAA}"/>
-              </a:ext>
-            </a:extLst>
-          </p:cNvPr>
-          <p:cNvSpPr/>
-          <p:nvPr/>
-        </p:nvSpPr>
-        <p:spPr>
-          <a:xfrm>
-            <a:off x="3779263" y="5208519"/>
-            <a:ext cx="1009309" cy="327822"/>
-          </a:xfrm>
-          <a:prstGeom prst="upArrow">
-            <a:avLst/>
-          </a:prstGeom>
-          <a:solidFill>
-            <a:schemeClr val="bg1">
-              <a:lumMod val="85000"/>
-            </a:schemeClr>
-          </a:solidFill>
-          <a:ln>
-            <a:solidFill>
-              <a:srgbClr val="7030A0"/>
-            </a:solidFill>
-          </a:ln>
-        </p:spPr>
-        <p:style>
-          <a:lnRef idx="1">
-            <a:schemeClr val="accent2"/>
-          </a:lnRef>
-          <a:fillRef idx="2">
-            <a:schemeClr val="accent2"/>
-          </a:fillRef>
-          <a:effectRef idx="1">
-            <a:schemeClr val="accent2"/>
-          </a:effectRef>
-          <a:fontRef idx="minor">
-            <a:schemeClr val="dk1"/>
-          </a:fontRef>
-        </p:style>
-        <p:txBody>
-          <a:bodyPr rtlCol="0" anchor="ctr"/>
-          <a:lstStyle/>
-          <a:p>
-            <a:pPr algn="ctr"/>
-            <a:endParaRPr lang="zh-CN" altLang="en-US" dirty="0"/>
-          </a:p>
-        </p:txBody>
-      </p:sp>
-      <p:sp>
-        <p:nvSpPr>
-          <p:cNvPr id="43" name="箭头: 上 42">
-            <a:extLst>
-              <a:ext uri="{FF2B5EF4-FFF2-40B4-BE49-F238E27FC236}">
-                <a16:creationId xmlns:a16="http://schemas.microsoft.com/office/drawing/2014/main" id="{27DF9CF0-73AB-4A7E-BAFA-7486F2DC910C}"/>
-              </a:ext>
-            </a:extLst>
-          </p:cNvPr>
-          <p:cNvSpPr/>
-          <p:nvPr/>
-        </p:nvSpPr>
-        <p:spPr>
-          <a:xfrm>
-            <a:off x="8532858" y="5208519"/>
-            <a:ext cx="1009309" cy="324356"/>
-          </a:xfrm>
-          <a:prstGeom prst="upArrow">
-            <a:avLst/>
-          </a:prstGeom>
-          <a:solidFill>
-            <a:schemeClr val="bg1">
-              <a:lumMod val="85000"/>
-            </a:schemeClr>
-          </a:solidFill>
-          <a:ln>
-            <a:solidFill>
-              <a:srgbClr val="7030A0"/>
-            </a:solidFill>
-          </a:ln>
-        </p:spPr>
-        <p:style>
-          <a:lnRef idx="1">
-            <a:schemeClr val="accent2"/>
-          </a:lnRef>
-          <a:fillRef idx="2">
-            <a:schemeClr val="accent2"/>
-          </a:fillRef>
-          <a:effectRef idx="1">
-            <a:schemeClr val="accent2"/>
-          </a:effectRef>
-          <a:fontRef idx="minor">
-            <a:schemeClr val="dk1"/>
-          </a:fontRef>
-        </p:style>
-        <p:txBody>
-          <a:bodyPr rtlCol="0" anchor="ctr"/>
-          <a:lstStyle/>
-          <a:p>
-            <a:pPr algn="ctr"/>
-            <a:endParaRPr lang="zh-CN" altLang="en-US" dirty="0"/>
-          </a:p>
-        </p:txBody>
-      </p:sp>
-      <p:sp>
-        <p:nvSpPr>
-          <p:cNvPr id="44" name="箭头: 上 43">
-            <a:extLst>
-              <a:ext uri="{FF2B5EF4-FFF2-40B4-BE49-F238E27FC236}">
-                <a16:creationId xmlns:a16="http://schemas.microsoft.com/office/drawing/2014/main" id="{12272EA5-9334-49B7-B07B-CCCA9880A7C8}"/>
-              </a:ext>
-            </a:extLst>
-          </p:cNvPr>
-          <p:cNvSpPr/>
-          <p:nvPr/>
-        </p:nvSpPr>
-        <p:spPr>
-          <a:xfrm>
-            <a:off x="3733019" y="3402876"/>
-            <a:ext cx="1009309" cy="305159"/>
-          </a:xfrm>
-          <a:prstGeom prst="upArrow">
-            <a:avLst/>
-          </a:prstGeom>
-          <a:solidFill>
-            <a:schemeClr val="bg1">
-              <a:lumMod val="85000"/>
-            </a:schemeClr>
-          </a:solidFill>
-          <a:ln>
-            <a:solidFill>
-              <a:srgbClr val="7030A0"/>
-            </a:solidFill>
-          </a:ln>
-        </p:spPr>
-        <p:style>
-          <a:lnRef idx="1">
-            <a:schemeClr val="accent2"/>
-          </a:lnRef>
-          <a:fillRef idx="2">
-            <a:schemeClr val="accent2"/>
-          </a:fillRef>
-          <a:effectRef idx="1">
-            <a:schemeClr val="accent2"/>
-          </a:effectRef>
-          <a:fontRef idx="minor">
-            <a:schemeClr val="dk1"/>
-          </a:fontRef>
-        </p:style>
-        <p:txBody>
-          <a:bodyPr rtlCol="0" anchor="ctr"/>
-          <a:lstStyle/>
-          <a:p>
-            <a:pPr algn="ctr"/>
-            <a:endParaRPr lang="zh-CN" altLang="en-US" dirty="0"/>
-          </a:p>
-        </p:txBody>
-      </p:sp>
-      <p:sp>
-        <p:nvSpPr>
-          <p:cNvPr id="45" name="箭头: 上 44">
-            <a:extLst>
-              <a:ext uri="{FF2B5EF4-FFF2-40B4-BE49-F238E27FC236}">
-                <a16:creationId xmlns:a16="http://schemas.microsoft.com/office/drawing/2014/main" id="{E128665E-6ABF-46A0-95A1-71DC5FA7A533}"/>
-              </a:ext>
-            </a:extLst>
-          </p:cNvPr>
-          <p:cNvSpPr/>
-          <p:nvPr/>
-        </p:nvSpPr>
-        <p:spPr>
-          <a:xfrm>
-            <a:off x="8503302" y="3399410"/>
-            <a:ext cx="1009309" cy="305159"/>
-          </a:xfrm>
-          <a:prstGeom prst="upArrow">
-            <a:avLst/>
-          </a:prstGeom>
-          <a:solidFill>
-            <a:schemeClr val="bg1">
-              <a:lumMod val="85000"/>
-            </a:schemeClr>
-          </a:solidFill>
-          <a:ln>
-            <a:solidFill>
-              <a:srgbClr val="7030A0"/>
-            </a:solidFill>
-          </a:ln>
-        </p:spPr>
-        <p:style>
-          <a:lnRef idx="1">
-            <a:schemeClr val="accent2"/>
-          </a:lnRef>
-          <a:fillRef idx="2">
-            <a:schemeClr val="accent2"/>
-          </a:fillRef>
-          <a:effectRef idx="1">
-            <a:schemeClr val="accent2"/>
-          </a:effectRef>
-          <a:fontRef idx="minor">
-            <a:schemeClr val="dk1"/>
-          </a:fontRef>
-        </p:style>
-        <p:txBody>
-          <a:bodyPr rtlCol="0" anchor="ctr"/>
-          <a:lstStyle/>
-          <a:p>
-            <a:pPr algn="ctr"/>
-            <a:endParaRPr lang="zh-CN" altLang="en-US" dirty="0"/>
           </a:p>
         </p:txBody>
       </p:sp>

--- a/Doc/res/help-picture.pptx
+++ b/Doc/res/help-picture.pptx
@@ -1,11 +1,14 @@
 
 <file path=ppt/presentation.xml><?xml version="1.0" encoding="utf-8"?>
-<p:presentation xmlns:a="http://schemas.openxmlformats.org/drawingml/2006/main" xmlns:r="http://schemas.openxmlformats.org/officeDocument/2006/relationships" xmlns:p="http://schemas.openxmlformats.org/presentationml/2006/main" saveSubsetFonts="1">
+<p:presentation xmlns:a="http://schemas.openxmlformats.org/drawingml/2006/main" xmlns:r="http://schemas.openxmlformats.org/officeDocument/2006/relationships" xmlns:p="http://schemas.openxmlformats.org/presentationml/2006/main">
   <p:sldMasterIdLst>
     <p:sldMasterId id="2147483648" r:id="rId1"/>
   </p:sldMasterIdLst>
+  <p:notesMasterIdLst>
+    <p:notesMasterId r:id="rId4"/>
+  </p:notesMasterIdLst>
   <p:sldIdLst>
-    <p:sldId id="256" r:id="rId2"/>
+    <p:sldId id="256" r:id="rId3"/>
   </p:sldIdLst>
   <p:sldSz cx="12192000" cy="6858000"/>
   <p:notesSz cx="6858000" cy="9144000"/>
@@ -104,12 +107,402 @@
       </a:defRPr>
     </a:lvl9pPr>
   </p:defaultTextStyle>
-  <p:extLst>
-    <p:ext uri="{EFAFB233-063F-42B5-8137-9DF3F51BA10A}">
-      <p15:sldGuideLst xmlns:p15="http://schemas.microsoft.com/office/powerpoint/2012/main"/>
-    </p:ext>
-  </p:extLst>
 </p:presentation>
+</file>
+
+<file path=ppt/notesMasters/notesMaster1.xml><?xml version="1.0" encoding="utf-8"?>
+<p:notesMaster xmlns:a="http://schemas.openxmlformats.org/drawingml/2006/main" xmlns:r="http://schemas.openxmlformats.org/officeDocument/2006/relationships" xmlns:p="http://schemas.openxmlformats.org/presentationml/2006/main">
+  <p:cSld>
+    <p:bg>
+      <p:bgRef idx="1001">
+        <a:schemeClr val="bg1"/>
+      </p:bgRef>
+    </p:bg>
+    <p:spTree>
+      <p:nvGrpSpPr>
+        <p:cNvPr id="1" name=""/>
+        <p:cNvGrpSpPr/>
+        <p:nvPr/>
+      </p:nvGrpSpPr>
+      <p:grpSpPr>
+        <a:xfrm>
+          <a:off x="0" y="0"/>
+          <a:ext cx="0" cy="0"/>
+          <a:chOff x="0" y="0"/>
+          <a:chExt cx="0" cy="0"/>
+        </a:xfrm>
+      </p:grpSpPr>
+      <p:sp>
+        <p:nvSpPr>
+          <p:cNvPr id="2" name="页眉占位符 1"/>
+          <p:cNvSpPr>
+            <a:spLocks noGrp="1"/>
+          </p:cNvSpPr>
+          <p:nvPr>
+            <p:ph type="hdr" sz="quarter"/>
+          </p:nvPr>
+        </p:nvSpPr>
+        <p:spPr>
+          <a:xfrm>
+            <a:off x="0" y="0"/>
+            <a:ext cx="2971800" cy="458788"/>
+          </a:xfrm>
+          <a:prstGeom prst="rect">
+            <a:avLst/>
+          </a:prstGeom>
+        </p:spPr>
+        <p:txBody>
+          <a:bodyPr vert="horz" lIns="91440" tIns="45720" rIns="91440" bIns="45720" rtlCol="0"/>
+          <a:lstStyle>
+            <a:lvl1pPr algn="l">
+              <a:defRPr sz="1200"/>
+            </a:lvl1pPr>
+          </a:lstStyle>
+          <a:p>
+            <a:endParaRPr lang="zh-CN" altLang="en-US"/>
+          </a:p>
+        </p:txBody>
+      </p:sp>
+      <p:sp>
+        <p:nvSpPr>
+          <p:cNvPr id="3" name="日期占位符 2"/>
+          <p:cNvSpPr>
+            <a:spLocks noGrp="1"/>
+          </p:cNvSpPr>
+          <p:nvPr>
+            <p:ph type="dt" idx="1"/>
+          </p:nvPr>
+        </p:nvSpPr>
+        <p:spPr>
+          <a:xfrm>
+            <a:off x="3884613" y="0"/>
+            <a:ext cx="2971800" cy="458788"/>
+          </a:xfrm>
+          <a:prstGeom prst="rect">
+            <a:avLst/>
+          </a:prstGeom>
+        </p:spPr>
+        <p:txBody>
+          <a:bodyPr vert="horz" lIns="91440" tIns="45720" rIns="91440" bIns="45720" rtlCol="0"/>
+          <a:lstStyle>
+            <a:lvl1pPr algn="r">
+              <a:defRPr sz="1200"/>
+            </a:lvl1pPr>
+          </a:lstStyle>
+          <a:p>
+            <a:fld id="{D2A48B96-639E-45A3-A0BA-2464DFDB1FAA}" type="datetimeFigureOut">
+              <a:rPr lang="zh-CN" altLang="en-US" smtClean="0"/>
+            </a:fld>
+            <a:endParaRPr lang="zh-CN" altLang="en-US"/>
+          </a:p>
+        </p:txBody>
+      </p:sp>
+      <p:sp>
+        <p:nvSpPr>
+          <p:cNvPr id="4" name="幻灯片图像占位符 3"/>
+          <p:cNvSpPr>
+            <a:spLocks noGrp="1" noRot="1" noChangeAspect="1"/>
+          </p:cNvSpPr>
+          <p:nvPr>
+            <p:ph type="sldImg" idx="2"/>
+          </p:nvPr>
+        </p:nvSpPr>
+        <p:spPr>
+          <a:xfrm>
+            <a:off x="685800" y="1143000"/>
+            <a:ext cx="5486400" cy="3086100"/>
+          </a:xfrm>
+          <a:prstGeom prst="rect">
+            <a:avLst/>
+          </a:prstGeom>
+          <a:noFill/>
+          <a:ln w="12700">
+            <a:solidFill>
+              <a:prstClr val="black"/>
+            </a:solidFill>
+          </a:ln>
+        </p:spPr>
+        <p:txBody>
+          <a:bodyPr vert="horz" lIns="91440" tIns="45720" rIns="91440" bIns="45720" rtlCol="0" anchor="ctr"/>
+          <a:lstStyle/>
+          <a:p>
+            <a:endParaRPr lang="zh-CN" altLang="en-US"/>
+          </a:p>
+        </p:txBody>
+      </p:sp>
+      <p:sp>
+        <p:nvSpPr>
+          <p:cNvPr id="5" name="备注占位符 4"/>
+          <p:cNvSpPr>
+            <a:spLocks noGrp="1"/>
+          </p:cNvSpPr>
+          <p:nvPr>
+            <p:ph type="body" sz="quarter" idx="3"/>
+          </p:nvPr>
+        </p:nvSpPr>
+        <p:spPr>
+          <a:xfrm>
+            <a:off x="685800" y="4400550"/>
+            <a:ext cx="5486400" cy="3600450"/>
+          </a:xfrm>
+          <a:prstGeom prst="rect">
+            <a:avLst/>
+          </a:prstGeom>
+        </p:spPr>
+        <p:txBody>
+          <a:bodyPr vert="horz" lIns="91440" tIns="45720" rIns="91440" bIns="45720" rtlCol="0"/>
+          <a:lstStyle/>
+          <a:p>
+            <a:pPr lvl="0"/>
+            <a:r>
+              <a:rPr lang="zh-CN" altLang="en-US" smtClean="0"/>
+              <a:t>单击此处编辑母版文本样式</a:t>
+            </a:r>
+            <a:endParaRPr lang="zh-CN" altLang="en-US" smtClean="0"/>
+          </a:p>
+          <a:p>
+            <a:pPr lvl="1"/>
+            <a:r>
+              <a:rPr lang="zh-CN" altLang="en-US" smtClean="0"/>
+              <a:t>第二级</a:t>
+            </a:r>
+            <a:endParaRPr lang="zh-CN" altLang="en-US" smtClean="0"/>
+          </a:p>
+          <a:p>
+            <a:pPr lvl="2"/>
+            <a:r>
+              <a:rPr lang="zh-CN" altLang="en-US" smtClean="0"/>
+              <a:t>第三级</a:t>
+            </a:r>
+            <a:endParaRPr lang="zh-CN" altLang="en-US" smtClean="0"/>
+          </a:p>
+          <a:p>
+            <a:pPr lvl="3"/>
+            <a:r>
+              <a:rPr lang="zh-CN" altLang="en-US" smtClean="0"/>
+              <a:t>第四级</a:t>
+            </a:r>
+            <a:endParaRPr lang="zh-CN" altLang="en-US" smtClean="0"/>
+          </a:p>
+          <a:p>
+            <a:pPr lvl="4"/>
+            <a:r>
+              <a:rPr lang="zh-CN" altLang="en-US" smtClean="0"/>
+              <a:t>第五级</a:t>
+            </a:r>
+            <a:endParaRPr lang="zh-CN" altLang="en-US"/>
+          </a:p>
+        </p:txBody>
+      </p:sp>
+      <p:sp>
+        <p:nvSpPr>
+          <p:cNvPr id="6" name="页脚占位符 5"/>
+          <p:cNvSpPr>
+            <a:spLocks noGrp="1"/>
+          </p:cNvSpPr>
+          <p:nvPr>
+            <p:ph type="ftr" sz="quarter" idx="4"/>
+          </p:nvPr>
+        </p:nvSpPr>
+        <p:spPr>
+          <a:xfrm>
+            <a:off x="0" y="8685213"/>
+            <a:ext cx="2971800" cy="458787"/>
+          </a:xfrm>
+          <a:prstGeom prst="rect">
+            <a:avLst/>
+          </a:prstGeom>
+        </p:spPr>
+        <p:txBody>
+          <a:bodyPr vert="horz" lIns="91440" tIns="45720" rIns="91440" bIns="45720" rtlCol="0" anchor="b"/>
+          <a:lstStyle>
+            <a:lvl1pPr algn="l">
+              <a:defRPr sz="1200"/>
+            </a:lvl1pPr>
+          </a:lstStyle>
+          <a:p>
+            <a:endParaRPr lang="zh-CN" altLang="en-US"/>
+          </a:p>
+        </p:txBody>
+      </p:sp>
+      <p:sp>
+        <p:nvSpPr>
+          <p:cNvPr id="7" name="灯片编号占位符 6"/>
+          <p:cNvSpPr>
+            <a:spLocks noGrp="1"/>
+          </p:cNvSpPr>
+          <p:nvPr>
+            <p:ph type="sldNum" sz="quarter" idx="5"/>
+          </p:nvPr>
+        </p:nvSpPr>
+        <p:spPr>
+          <a:xfrm>
+            <a:off x="3884613" y="8685213"/>
+            <a:ext cx="2971800" cy="458787"/>
+          </a:xfrm>
+          <a:prstGeom prst="rect">
+            <a:avLst/>
+          </a:prstGeom>
+        </p:spPr>
+        <p:txBody>
+          <a:bodyPr vert="horz" lIns="91440" tIns="45720" rIns="91440" bIns="45720" rtlCol="0" anchor="b"/>
+          <a:lstStyle>
+            <a:lvl1pPr algn="r">
+              <a:defRPr sz="1200"/>
+            </a:lvl1pPr>
+          </a:lstStyle>
+          <a:p>
+            <a:fld id="{A6837353-30EB-4A48-80EB-173D804AEFBD}" type="slidenum">
+              <a:rPr lang="zh-CN" altLang="en-US" smtClean="0"/>
+            </a:fld>
+            <a:endParaRPr lang="zh-CN" altLang="en-US"/>
+          </a:p>
+        </p:txBody>
+      </p:sp>
+    </p:spTree>
+  </p:cSld>
+  <p:clrMap bg1="lt1" tx1="dk1" bg2="lt2" tx2="dk2" accent1="accent1" accent2="accent2" accent3="accent3" accent4="accent4" accent5="accent5" accent6="accent6" hlink="hlink" folHlink="folHlink"/>
+  <p:notesStyle>
+    <a:lvl1pPr marL="0" algn="l" defTabSz="914400" rtl="0" eaLnBrk="1" latinLnBrk="0" hangingPunct="1">
+      <a:defRPr sz="1200" kern="1200">
+        <a:solidFill>
+          <a:schemeClr val="tx1"/>
+        </a:solidFill>
+        <a:latin typeface="+mn-lt"/>
+        <a:ea typeface="+mn-ea"/>
+        <a:cs typeface="+mn-cs"/>
+      </a:defRPr>
+    </a:lvl1pPr>
+    <a:lvl2pPr marL="457200" algn="l" defTabSz="914400" rtl="0" eaLnBrk="1" latinLnBrk="0" hangingPunct="1">
+      <a:defRPr sz="1200" kern="1200">
+        <a:solidFill>
+          <a:schemeClr val="tx1"/>
+        </a:solidFill>
+        <a:latin typeface="+mn-lt"/>
+        <a:ea typeface="+mn-ea"/>
+        <a:cs typeface="+mn-cs"/>
+      </a:defRPr>
+    </a:lvl2pPr>
+    <a:lvl3pPr marL="914400" algn="l" defTabSz="914400" rtl="0" eaLnBrk="1" latinLnBrk="0" hangingPunct="1">
+      <a:defRPr sz="1200" kern="1200">
+        <a:solidFill>
+          <a:schemeClr val="tx1"/>
+        </a:solidFill>
+        <a:latin typeface="+mn-lt"/>
+        <a:ea typeface="+mn-ea"/>
+        <a:cs typeface="+mn-cs"/>
+      </a:defRPr>
+    </a:lvl3pPr>
+    <a:lvl4pPr marL="1371600" algn="l" defTabSz="914400" rtl="0" eaLnBrk="1" latinLnBrk="0" hangingPunct="1">
+      <a:defRPr sz="1200" kern="1200">
+        <a:solidFill>
+          <a:schemeClr val="tx1"/>
+        </a:solidFill>
+        <a:latin typeface="+mn-lt"/>
+        <a:ea typeface="+mn-ea"/>
+        <a:cs typeface="+mn-cs"/>
+      </a:defRPr>
+    </a:lvl4pPr>
+    <a:lvl5pPr marL="1828800" algn="l" defTabSz="914400" rtl="0" eaLnBrk="1" latinLnBrk="0" hangingPunct="1">
+      <a:defRPr sz="1200" kern="1200">
+        <a:solidFill>
+          <a:schemeClr val="tx1"/>
+        </a:solidFill>
+        <a:latin typeface="+mn-lt"/>
+        <a:ea typeface="+mn-ea"/>
+        <a:cs typeface="+mn-cs"/>
+      </a:defRPr>
+    </a:lvl5pPr>
+    <a:lvl6pPr marL="2286000" algn="l" defTabSz="914400" rtl="0" eaLnBrk="1" latinLnBrk="0" hangingPunct="1">
+      <a:defRPr sz="1200" kern="1200">
+        <a:solidFill>
+          <a:schemeClr val="tx1"/>
+        </a:solidFill>
+        <a:latin typeface="+mn-lt"/>
+        <a:ea typeface="+mn-ea"/>
+        <a:cs typeface="+mn-cs"/>
+      </a:defRPr>
+    </a:lvl6pPr>
+    <a:lvl7pPr marL="2743200" algn="l" defTabSz="914400" rtl="0" eaLnBrk="1" latinLnBrk="0" hangingPunct="1">
+      <a:defRPr sz="1200" kern="1200">
+        <a:solidFill>
+          <a:schemeClr val="tx1"/>
+        </a:solidFill>
+        <a:latin typeface="+mn-lt"/>
+        <a:ea typeface="+mn-ea"/>
+        <a:cs typeface="+mn-cs"/>
+      </a:defRPr>
+    </a:lvl7pPr>
+    <a:lvl8pPr marL="3200400" algn="l" defTabSz="914400" rtl="0" eaLnBrk="1" latinLnBrk="0" hangingPunct="1">
+      <a:defRPr sz="1200" kern="1200">
+        <a:solidFill>
+          <a:schemeClr val="tx1"/>
+        </a:solidFill>
+        <a:latin typeface="+mn-lt"/>
+        <a:ea typeface="+mn-ea"/>
+        <a:cs typeface="+mn-cs"/>
+      </a:defRPr>
+    </a:lvl8pPr>
+    <a:lvl9pPr marL="3657600" algn="l" defTabSz="914400" rtl="0" eaLnBrk="1" latinLnBrk="0" hangingPunct="1">
+      <a:defRPr sz="1200" kern="1200">
+        <a:solidFill>
+          <a:schemeClr val="tx1"/>
+        </a:solidFill>
+        <a:latin typeface="+mn-lt"/>
+        <a:ea typeface="+mn-ea"/>
+        <a:cs typeface="+mn-cs"/>
+      </a:defRPr>
+    </a:lvl9pPr>
+  </p:notesStyle>
+</p:notesMaster>
+</file>
+
+<file path=ppt/notesSlides/notesSlide1.xml><?xml version="1.0" encoding="utf-8"?>
+<p:notes xmlns:a="http://schemas.openxmlformats.org/drawingml/2006/main" xmlns:r="http://schemas.openxmlformats.org/officeDocument/2006/relationships" xmlns:p="http://schemas.openxmlformats.org/presentationml/2006/main">
+  <p:cSld>
+    <p:spTree>
+      <p:nvGrpSpPr>
+        <p:cNvPr id="1" name=""/>
+        <p:cNvGrpSpPr/>
+        <p:nvPr/>
+      </p:nvGrpSpPr>
+      <p:grpSpPr/>
+      <p:sp>
+        <p:nvSpPr>
+          <p:cNvPr id="2" name="幻灯片图像占位符 1"/>
+          <p:cNvSpPr>
+            <a:spLocks noGrp="1"/>
+          </p:cNvSpPr>
+          <p:nvPr>
+            <p:ph type="sldImg" idx="2"/>
+          </p:nvPr>
+        </p:nvSpPr>
+        <p:spPr/>
+      </p:sp>
+      <p:sp>
+        <p:nvSpPr>
+          <p:cNvPr id="3" name="文本占位符 2"/>
+          <p:cNvSpPr>
+            <a:spLocks noGrp="1"/>
+          </p:cNvSpPr>
+          <p:nvPr>
+            <p:ph type="body" idx="3"/>
+          </p:nvPr>
+        </p:nvSpPr>
+        <p:spPr/>
+        <p:txBody>
+          <a:bodyPr/>
+          <a:p>
+            <a:endParaRPr lang="zh-CN" altLang="en-US"/>
+          </a:p>
+        </p:txBody>
+      </p:sp>
+    </p:spTree>
+  </p:cSld>
+  <p:clrMapOvr>
+    <a:masterClrMapping/>
+  </p:clrMapOvr>
+</p:notes>
 </file>
 
 <file path=ppt/slideLayouts/slideLayout1.xml><?xml version="1.0" encoding="utf-8"?>
@@ -131,13 +524,7 @@
       </p:grpSpPr>
       <p:sp>
         <p:nvSpPr>
-          <p:cNvPr id="2" name="标题 1">
-            <a:extLst>
-              <a:ext uri="{FF2B5EF4-FFF2-40B4-BE49-F238E27FC236}">
-                <a16:creationId xmlns:a16="http://schemas.microsoft.com/office/drawing/2014/main" id="{B8B5CEFE-4EA4-4A56-9C02-D70FB65018DE}"/>
-              </a:ext>
-            </a:extLst>
-          </p:cNvPr>
+          <p:cNvPr id="2" name="标题 1"/>
           <p:cNvSpPr>
             <a:spLocks noGrp="1"/>
           </p:cNvSpPr>
@@ -163,18 +550,13 @@
               <a:rPr lang="zh-CN" altLang="en-US"/>
               <a:t>单击此处编辑母版标题样式</a:t>
             </a:r>
-          </a:p>
-        </p:txBody>
-      </p:sp>
-      <p:sp>
-        <p:nvSpPr>
-          <p:cNvPr id="3" name="副标题 2">
-            <a:extLst>
-              <a:ext uri="{FF2B5EF4-FFF2-40B4-BE49-F238E27FC236}">
-                <a16:creationId xmlns:a16="http://schemas.microsoft.com/office/drawing/2014/main" id="{F9D3589B-AC65-42F6-8200-7CA2D68F513B}"/>
-              </a:ext>
-            </a:extLst>
-          </p:cNvPr>
+            <a:endParaRPr lang="zh-CN" altLang="en-US"/>
+          </a:p>
+        </p:txBody>
+      </p:sp>
+      <p:sp>
+        <p:nvSpPr>
+          <p:cNvPr id="3" name="副标题 2"/>
           <p:cNvSpPr>
             <a:spLocks noGrp="1"/>
           </p:cNvSpPr>
@@ -233,18 +615,13 @@
               <a:rPr lang="zh-CN" altLang="en-US"/>
               <a:t>单击此处编辑母版副标题样式</a:t>
             </a:r>
-          </a:p>
-        </p:txBody>
-      </p:sp>
-      <p:sp>
-        <p:nvSpPr>
-          <p:cNvPr id="4" name="日期占位符 3">
-            <a:extLst>
-              <a:ext uri="{FF2B5EF4-FFF2-40B4-BE49-F238E27FC236}">
-                <a16:creationId xmlns:a16="http://schemas.microsoft.com/office/drawing/2014/main" id="{9A136A61-7CD1-40EB-AF06-CF4A69684D12}"/>
-              </a:ext>
-            </a:extLst>
-          </p:cNvPr>
+            <a:endParaRPr lang="zh-CN" altLang="en-US"/>
+          </a:p>
+        </p:txBody>
+      </p:sp>
+      <p:sp>
+        <p:nvSpPr>
+          <p:cNvPr id="4" name="日期占位符 3"/>
           <p:cNvSpPr>
             <a:spLocks noGrp="1"/>
           </p:cNvSpPr>
@@ -259,7 +636,6 @@
           <a:p>
             <a:fld id="{65A4CC4F-240B-48B2-9875-9FFECA511A72}" type="datetimeFigureOut">
               <a:rPr lang="zh-CN" altLang="en-US" smtClean="0"/>
-              <a:t>2018/8/15</a:t>
             </a:fld>
             <a:endParaRPr lang="zh-CN" altLang="en-US"/>
           </a:p>
@@ -267,13 +643,7 @@
       </p:sp>
       <p:sp>
         <p:nvSpPr>
-          <p:cNvPr id="5" name="页脚占位符 4">
-            <a:extLst>
-              <a:ext uri="{FF2B5EF4-FFF2-40B4-BE49-F238E27FC236}">
-                <a16:creationId xmlns:a16="http://schemas.microsoft.com/office/drawing/2014/main" id="{CA6457DF-38AB-4AA2-ACD5-9309911D7FB5}"/>
-              </a:ext>
-            </a:extLst>
-          </p:cNvPr>
+          <p:cNvPr id="5" name="页脚占位符 4"/>
           <p:cNvSpPr>
             <a:spLocks noGrp="1"/>
           </p:cNvSpPr>
@@ -292,13 +662,7 @@
       </p:sp>
       <p:sp>
         <p:nvSpPr>
-          <p:cNvPr id="6" name="灯片编号占位符 5">
-            <a:extLst>
-              <a:ext uri="{FF2B5EF4-FFF2-40B4-BE49-F238E27FC236}">
-                <a16:creationId xmlns:a16="http://schemas.microsoft.com/office/drawing/2014/main" id="{4C56F1FA-0F5B-418C-B7B6-8C28ABE1D276}"/>
-              </a:ext>
-            </a:extLst>
-          </p:cNvPr>
+          <p:cNvPr id="6" name="灯片编号占位符 5"/>
           <p:cNvSpPr>
             <a:spLocks noGrp="1"/>
           </p:cNvSpPr>
@@ -313,18 +677,12 @@
           <a:p>
             <a:fld id="{2522261A-70BC-440D-899D-E59AC534ED89}" type="slidenum">
               <a:rPr lang="zh-CN" altLang="en-US" smtClean="0"/>
-              <a:t>‹#›</a:t>
             </a:fld>
             <a:endParaRPr lang="zh-CN" altLang="en-US"/>
           </a:p>
         </p:txBody>
       </p:sp>
     </p:spTree>
-    <p:extLst>
-      <p:ext uri="{BB962C8B-B14F-4D97-AF65-F5344CB8AC3E}">
-        <p14:creationId xmlns:p14="http://schemas.microsoft.com/office/powerpoint/2010/main" val="2486211549"/>
-      </p:ext>
-    </p:extLst>
   </p:cSld>
   <p:clrMapOvr>
     <a:masterClrMapping/>
@@ -351,13 +709,7 @@
       </p:grpSpPr>
       <p:sp>
         <p:nvSpPr>
-          <p:cNvPr id="2" name="标题 1">
-            <a:extLst>
-              <a:ext uri="{FF2B5EF4-FFF2-40B4-BE49-F238E27FC236}">
-                <a16:creationId xmlns:a16="http://schemas.microsoft.com/office/drawing/2014/main" id="{C4E260F6-2C2A-4D45-A46F-9F64B7469534}"/>
-              </a:ext>
-            </a:extLst>
-          </p:cNvPr>
+          <p:cNvPr id="2" name="标题 1"/>
           <p:cNvSpPr>
             <a:spLocks noGrp="1"/>
           </p:cNvSpPr>
@@ -374,23 +726,18 @@
               <a:rPr lang="zh-CN" altLang="en-US"/>
               <a:t>单击此处编辑母版标题样式</a:t>
             </a:r>
-          </a:p>
-        </p:txBody>
-      </p:sp>
-      <p:sp>
-        <p:nvSpPr>
-          <p:cNvPr id="3" name="竖排文字占位符 2">
-            <a:extLst>
-              <a:ext uri="{FF2B5EF4-FFF2-40B4-BE49-F238E27FC236}">
-                <a16:creationId xmlns:a16="http://schemas.microsoft.com/office/drawing/2014/main" id="{516DAEE4-5CC6-4EE9-A2F6-720E91E9A454}"/>
-              </a:ext>
-            </a:extLst>
-          </p:cNvPr>
-          <p:cNvSpPr>
-            <a:spLocks noGrp="1"/>
-          </p:cNvSpPr>
-          <p:nvPr>
-            <p:ph type="body" orient="vert" idx="1"/>
+            <a:endParaRPr lang="zh-CN" altLang="en-US"/>
+          </a:p>
+        </p:txBody>
+      </p:sp>
+      <p:sp>
+        <p:nvSpPr>
+          <p:cNvPr id="3" name="竖排文字占位符 2"/>
+          <p:cNvSpPr>
+            <a:spLocks noGrp="1"/>
+          </p:cNvSpPr>
+          <p:nvPr>
+            <p:ph type="body" orient="vert" idx="1" hasCustomPrompt="1"/>
           </p:nvPr>
         </p:nvSpPr>
         <p:spPr/>
@@ -403,6 +750,7 @@
               <a:rPr lang="zh-CN" altLang="en-US"/>
               <a:t>编辑母版文本样式</a:t>
             </a:r>
+            <a:endParaRPr lang="zh-CN" altLang="en-US"/>
           </a:p>
           <a:p>
             <a:pPr lvl="1"/>
@@ -410,6 +758,7 @@
               <a:rPr lang="zh-CN" altLang="en-US"/>
               <a:t>第二级</a:t>
             </a:r>
+            <a:endParaRPr lang="zh-CN" altLang="en-US"/>
           </a:p>
           <a:p>
             <a:pPr lvl="2"/>
@@ -417,6 +766,7 @@
               <a:rPr lang="zh-CN" altLang="en-US"/>
               <a:t>第三级</a:t>
             </a:r>
+            <a:endParaRPr lang="zh-CN" altLang="en-US"/>
           </a:p>
           <a:p>
             <a:pPr lvl="3"/>
@@ -424,6 +774,7 @@
               <a:rPr lang="zh-CN" altLang="en-US"/>
               <a:t>第四级</a:t>
             </a:r>
+            <a:endParaRPr lang="zh-CN" altLang="en-US"/>
           </a:p>
           <a:p>
             <a:pPr lvl="4"/>
@@ -431,18 +782,13 @@
               <a:rPr lang="zh-CN" altLang="en-US"/>
               <a:t>第五级</a:t>
             </a:r>
-          </a:p>
-        </p:txBody>
-      </p:sp>
-      <p:sp>
-        <p:nvSpPr>
-          <p:cNvPr id="4" name="日期占位符 3">
-            <a:extLst>
-              <a:ext uri="{FF2B5EF4-FFF2-40B4-BE49-F238E27FC236}">
-                <a16:creationId xmlns:a16="http://schemas.microsoft.com/office/drawing/2014/main" id="{88DDE1D4-0B86-4A1D-9740-1CEEAB2FEEAD}"/>
-              </a:ext>
-            </a:extLst>
-          </p:cNvPr>
+            <a:endParaRPr lang="zh-CN" altLang="en-US"/>
+          </a:p>
+        </p:txBody>
+      </p:sp>
+      <p:sp>
+        <p:nvSpPr>
+          <p:cNvPr id="4" name="日期占位符 3"/>
           <p:cNvSpPr>
             <a:spLocks noGrp="1"/>
           </p:cNvSpPr>
@@ -457,7 +803,6 @@
           <a:p>
             <a:fld id="{65A4CC4F-240B-48B2-9875-9FFECA511A72}" type="datetimeFigureOut">
               <a:rPr lang="zh-CN" altLang="en-US" smtClean="0"/>
-              <a:t>2018/8/15</a:t>
             </a:fld>
             <a:endParaRPr lang="zh-CN" altLang="en-US"/>
           </a:p>
@@ -465,13 +810,7 @@
       </p:sp>
       <p:sp>
         <p:nvSpPr>
-          <p:cNvPr id="5" name="页脚占位符 4">
-            <a:extLst>
-              <a:ext uri="{FF2B5EF4-FFF2-40B4-BE49-F238E27FC236}">
-                <a16:creationId xmlns:a16="http://schemas.microsoft.com/office/drawing/2014/main" id="{CB4C9E7F-2AD6-4198-B725-6DD6D9CEB63B}"/>
-              </a:ext>
-            </a:extLst>
-          </p:cNvPr>
+          <p:cNvPr id="5" name="页脚占位符 4"/>
           <p:cNvSpPr>
             <a:spLocks noGrp="1"/>
           </p:cNvSpPr>
@@ -490,13 +829,7 @@
       </p:sp>
       <p:sp>
         <p:nvSpPr>
-          <p:cNvPr id="6" name="灯片编号占位符 5">
-            <a:extLst>
-              <a:ext uri="{FF2B5EF4-FFF2-40B4-BE49-F238E27FC236}">
-                <a16:creationId xmlns:a16="http://schemas.microsoft.com/office/drawing/2014/main" id="{9101CD77-2067-4B00-9F2C-4099A7C373D0}"/>
-              </a:ext>
-            </a:extLst>
-          </p:cNvPr>
+          <p:cNvPr id="6" name="灯片编号占位符 5"/>
           <p:cNvSpPr>
             <a:spLocks noGrp="1"/>
           </p:cNvSpPr>
@@ -511,18 +844,12 @@
           <a:p>
             <a:fld id="{2522261A-70BC-440D-899D-E59AC534ED89}" type="slidenum">
               <a:rPr lang="zh-CN" altLang="en-US" smtClean="0"/>
-              <a:t>‹#›</a:t>
             </a:fld>
             <a:endParaRPr lang="zh-CN" altLang="en-US"/>
           </a:p>
         </p:txBody>
       </p:sp>
     </p:spTree>
-    <p:extLst>
-      <p:ext uri="{BB962C8B-B14F-4D97-AF65-F5344CB8AC3E}">
-        <p14:creationId xmlns:p14="http://schemas.microsoft.com/office/powerpoint/2010/main" val="3739053237"/>
-      </p:ext>
-    </p:extLst>
   </p:cSld>
   <p:clrMapOvr>
     <a:masterClrMapping/>
@@ -549,13 +876,7 @@
       </p:grpSpPr>
       <p:sp>
         <p:nvSpPr>
-          <p:cNvPr id="2" name="竖排标题 1">
-            <a:extLst>
-              <a:ext uri="{FF2B5EF4-FFF2-40B4-BE49-F238E27FC236}">
-                <a16:creationId xmlns:a16="http://schemas.microsoft.com/office/drawing/2014/main" id="{9EBD74E2-43FA-4D64-BF57-14CC3DEF56DD}"/>
-              </a:ext>
-            </a:extLst>
-          </p:cNvPr>
+          <p:cNvPr id="2" name="竖排标题 1"/>
           <p:cNvSpPr>
             <a:spLocks noGrp="1"/>
           </p:cNvSpPr>
@@ -577,23 +898,18 @@
               <a:rPr lang="zh-CN" altLang="en-US"/>
               <a:t>单击此处编辑母版标题样式</a:t>
             </a:r>
-          </a:p>
-        </p:txBody>
-      </p:sp>
-      <p:sp>
-        <p:nvSpPr>
-          <p:cNvPr id="3" name="竖排文字占位符 2">
-            <a:extLst>
-              <a:ext uri="{FF2B5EF4-FFF2-40B4-BE49-F238E27FC236}">
-                <a16:creationId xmlns:a16="http://schemas.microsoft.com/office/drawing/2014/main" id="{296B3D5E-908D-44CD-B1AE-33BA806C945D}"/>
-              </a:ext>
-            </a:extLst>
-          </p:cNvPr>
-          <p:cNvSpPr>
-            <a:spLocks noGrp="1"/>
-          </p:cNvSpPr>
-          <p:nvPr>
-            <p:ph type="body" orient="vert" idx="1"/>
+            <a:endParaRPr lang="zh-CN" altLang="en-US"/>
+          </a:p>
+        </p:txBody>
+      </p:sp>
+      <p:sp>
+        <p:nvSpPr>
+          <p:cNvPr id="3" name="竖排文字占位符 2"/>
+          <p:cNvSpPr>
+            <a:spLocks noGrp="1"/>
+          </p:cNvSpPr>
+          <p:nvPr>
+            <p:ph type="body" orient="vert" idx="1" hasCustomPrompt="1"/>
           </p:nvPr>
         </p:nvSpPr>
         <p:spPr>
@@ -611,6 +927,7 @@
               <a:rPr lang="zh-CN" altLang="en-US"/>
               <a:t>编辑母版文本样式</a:t>
             </a:r>
+            <a:endParaRPr lang="zh-CN" altLang="en-US"/>
           </a:p>
           <a:p>
             <a:pPr lvl="1"/>
@@ -618,6 +935,7 @@
               <a:rPr lang="zh-CN" altLang="en-US"/>
               <a:t>第二级</a:t>
             </a:r>
+            <a:endParaRPr lang="zh-CN" altLang="en-US"/>
           </a:p>
           <a:p>
             <a:pPr lvl="2"/>
@@ -625,6 +943,7 @@
               <a:rPr lang="zh-CN" altLang="en-US"/>
               <a:t>第三级</a:t>
             </a:r>
+            <a:endParaRPr lang="zh-CN" altLang="en-US"/>
           </a:p>
           <a:p>
             <a:pPr lvl="3"/>
@@ -632,6 +951,7 @@
               <a:rPr lang="zh-CN" altLang="en-US"/>
               <a:t>第四级</a:t>
             </a:r>
+            <a:endParaRPr lang="zh-CN" altLang="en-US"/>
           </a:p>
           <a:p>
             <a:pPr lvl="4"/>
@@ -639,18 +959,13 @@
               <a:rPr lang="zh-CN" altLang="en-US"/>
               <a:t>第五级</a:t>
             </a:r>
-          </a:p>
-        </p:txBody>
-      </p:sp>
-      <p:sp>
-        <p:nvSpPr>
-          <p:cNvPr id="4" name="日期占位符 3">
-            <a:extLst>
-              <a:ext uri="{FF2B5EF4-FFF2-40B4-BE49-F238E27FC236}">
-                <a16:creationId xmlns:a16="http://schemas.microsoft.com/office/drawing/2014/main" id="{8BF89E7D-F9F8-4D08-8B2A-4997E857CBFB}"/>
-              </a:ext>
-            </a:extLst>
-          </p:cNvPr>
+            <a:endParaRPr lang="zh-CN" altLang="en-US"/>
+          </a:p>
+        </p:txBody>
+      </p:sp>
+      <p:sp>
+        <p:nvSpPr>
+          <p:cNvPr id="4" name="日期占位符 3"/>
           <p:cNvSpPr>
             <a:spLocks noGrp="1"/>
           </p:cNvSpPr>
@@ -665,7 +980,6 @@
           <a:p>
             <a:fld id="{65A4CC4F-240B-48B2-9875-9FFECA511A72}" type="datetimeFigureOut">
               <a:rPr lang="zh-CN" altLang="en-US" smtClean="0"/>
-              <a:t>2018/8/15</a:t>
             </a:fld>
             <a:endParaRPr lang="zh-CN" altLang="en-US"/>
           </a:p>
@@ -673,13 +987,7 @@
       </p:sp>
       <p:sp>
         <p:nvSpPr>
-          <p:cNvPr id="5" name="页脚占位符 4">
-            <a:extLst>
-              <a:ext uri="{FF2B5EF4-FFF2-40B4-BE49-F238E27FC236}">
-                <a16:creationId xmlns:a16="http://schemas.microsoft.com/office/drawing/2014/main" id="{966DA8DB-C110-4B67-9830-9C268CAEE81F}"/>
-              </a:ext>
-            </a:extLst>
-          </p:cNvPr>
+          <p:cNvPr id="5" name="页脚占位符 4"/>
           <p:cNvSpPr>
             <a:spLocks noGrp="1"/>
           </p:cNvSpPr>
@@ -698,13 +1006,7 @@
       </p:sp>
       <p:sp>
         <p:nvSpPr>
-          <p:cNvPr id="6" name="灯片编号占位符 5">
-            <a:extLst>
-              <a:ext uri="{FF2B5EF4-FFF2-40B4-BE49-F238E27FC236}">
-                <a16:creationId xmlns:a16="http://schemas.microsoft.com/office/drawing/2014/main" id="{D982F879-3BE9-433A-9FBB-8D270C1A5D17}"/>
-              </a:ext>
-            </a:extLst>
-          </p:cNvPr>
+          <p:cNvPr id="6" name="灯片编号占位符 5"/>
           <p:cNvSpPr>
             <a:spLocks noGrp="1"/>
           </p:cNvSpPr>
@@ -719,18 +1021,12 @@
           <a:p>
             <a:fld id="{2522261A-70BC-440D-899D-E59AC534ED89}" type="slidenum">
               <a:rPr lang="zh-CN" altLang="en-US" smtClean="0"/>
-              <a:t>‹#›</a:t>
             </a:fld>
             <a:endParaRPr lang="zh-CN" altLang="en-US"/>
           </a:p>
         </p:txBody>
       </p:sp>
     </p:spTree>
-    <p:extLst>
-      <p:ext uri="{BB962C8B-B14F-4D97-AF65-F5344CB8AC3E}">
-        <p14:creationId xmlns:p14="http://schemas.microsoft.com/office/powerpoint/2010/main" val="1616967747"/>
-      </p:ext>
-    </p:extLst>
   </p:cSld>
   <p:clrMapOvr>
     <a:masterClrMapping/>
@@ -757,13 +1053,7 @@
       </p:grpSpPr>
       <p:sp>
         <p:nvSpPr>
-          <p:cNvPr id="2" name="标题 1">
-            <a:extLst>
-              <a:ext uri="{FF2B5EF4-FFF2-40B4-BE49-F238E27FC236}">
-                <a16:creationId xmlns:a16="http://schemas.microsoft.com/office/drawing/2014/main" id="{3F34E90E-9817-43C6-9D9D-4C74CEEF1E87}"/>
-              </a:ext>
-            </a:extLst>
-          </p:cNvPr>
+          <p:cNvPr id="2" name="标题 1"/>
           <p:cNvSpPr>
             <a:spLocks noGrp="1"/>
           </p:cNvSpPr>
@@ -780,23 +1070,18 @@
               <a:rPr lang="zh-CN" altLang="en-US"/>
               <a:t>单击此处编辑母版标题样式</a:t>
             </a:r>
-          </a:p>
-        </p:txBody>
-      </p:sp>
-      <p:sp>
-        <p:nvSpPr>
-          <p:cNvPr id="3" name="内容占位符 2">
-            <a:extLst>
-              <a:ext uri="{FF2B5EF4-FFF2-40B4-BE49-F238E27FC236}">
-                <a16:creationId xmlns:a16="http://schemas.microsoft.com/office/drawing/2014/main" id="{B131BF87-A497-4C53-A14B-FD3C9D893B17}"/>
-              </a:ext>
-            </a:extLst>
-          </p:cNvPr>
-          <p:cNvSpPr>
-            <a:spLocks noGrp="1"/>
-          </p:cNvSpPr>
-          <p:nvPr>
-            <p:ph idx="1"/>
+            <a:endParaRPr lang="zh-CN" altLang="en-US"/>
+          </a:p>
+        </p:txBody>
+      </p:sp>
+      <p:sp>
+        <p:nvSpPr>
+          <p:cNvPr id="3" name="内容占位符 2"/>
+          <p:cNvSpPr>
+            <a:spLocks noGrp="1"/>
+          </p:cNvSpPr>
+          <p:nvPr>
+            <p:ph idx="1" hasCustomPrompt="1"/>
           </p:nvPr>
         </p:nvSpPr>
         <p:spPr/>
@@ -809,6 +1094,7 @@
               <a:rPr lang="zh-CN" altLang="en-US"/>
               <a:t>编辑母版文本样式</a:t>
             </a:r>
+            <a:endParaRPr lang="zh-CN" altLang="en-US"/>
           </a:p>
           <a:p>
             <a:pPr lvl="1"/>
@@ -816,6 +1102,7 @@
               <a:rPr lang="zh-CN" altLang="en-US"/>
               <a:t>第二级</a:t>
             </a:r>
+            <a:endParaRPr lang="zh-CN" altLang="en-US"/>
           </a:p>
           <a:p>
             <a:pPr lvl="2"/>
@@ -823,6 +1110,7 @@
               <a:rPr lang="zh-CN" altLang="en-US"/>
               <a:t>第三级</a:t>
             </a:r>
+            <a:endParaRPr lang="zh-CN" altLang="en-US"/>
           </a:p>
           <a:p>
             <a:pPr lvl="3"/>
@@ -830,6 +1118,7 @@
               <a:rPr lang="zh-CN" altLang="en-US"/>
               <a:t>第四级</a:t>
             </a:r>
+            <a:endParaRPr lang="zh-CN" altLang="en-US"/>
           </a:p>
           <a:p>
             <a:pPr lvl="4"/>
@@ -837,18 +1126,13 @@
               <a:rPr lang="zh-CN" altLang="en-US"/>
               <a:t>第五级</a:t>
             </a:r>
-          </a:p>
-        </p:txBody>
-      </p:sp>
-      <p:sp>
-        <p:nvSpPr>
-          <p:cNvPr id="4" name="日期占位符 3">
-            <a:extLst>
-              <a:ext uri="{FF2B5EF4-FFF2-40B4-BE49-F238E27FC236}">
-                <a16:creationId xmlns:a16="http://schemas.microsoft.com/office/drawing/2014/main" id="{25F3D88C-8A20-4AC7-A18B-AEE595751C11}"/>
-              </a:ext>
-            </a:extLst>
-          </p:cNvPr>
+            <a:endParaRPr lang="zh-CN" altLang="en-US"/>
+          </a:p>
+        </p:txBody>
+      </p:sp>
+      <p:sp>
+        <p:nvSpPr>
+          <p:cNvPr id="4" name="日期占位符 3"/>
           <p:cNvSpPr>
             <a:spLocks noGrp="1"/>
           </p:cNvSpPr>
@@ -863,7 +1147,6 @@
           <a:p>
             <a:fld id="{65A4CC4F-240B-48B2-9875-9FFECA511A72}" type="datetimeFigureOut">
               <a:rPr lang="zh-CN" altLang="en-US" smtClean="0"/>
-              <a:t>2018/8/15</a:t>
             </a:fld>
             <a:endParaRPr lang="zh-CN" altLang="en-US"/>
           </a:p>
@@ -871,13 +1154,7 @@
       </p:sp>
       <p:sp>
         <p:nvSpPr>
-          <p:cNvPr id="5" name="页脚占位符 4">
-            <a:extLst>
-              <a:ext uri="{FF2B5EF4-FFF2-40B4-BE49-F238E27FC236}">
-                <a16:creationId xmlns:a16="http://schemas.microsoft.com/office/drawing/2014/main" id="{FFE84E98-9009-4723-837D-C6EE3218F338}"/>
-              </a:ext>
-            </a:extLst>
-          </p:cNvPr>
+          <p:cNvPr id="5" name="页脚占位符 4"/>
           <p:cNvSpPr>
             <a:spLocks noGrp="1"/>
           </p:cNvSpPr>
@@ -896,13 +1173,7 @@
       </p:sp>
       <p:sp>
         <p:nvSpPr>
-          <p:cNvPr id="6" name="灯片编号占位符 5">
-            <a:extLst>
-              <a:ext uri="{FF2B5EF4-FFF2-40B4-BE49-F238E27FC236}">
-                <a16:creationId xmlns:a16="http://schemas.microsoft.com/office/drawing/2014/main" id="{17AD9A04-62B2-4CEC-9A45-2FD52435FC1F}"/>
-              </a:ext>
-            </a:extLst>
-          </p:cNvPr>
+          <p:cNvPr id="6" name="灯片编号占位符 5"/>
           <p:cNvSpPr>
             <a:spLocks noGrp="1"/>
           </p:cNvSpPr>
@@ -917,18 +1188,12 @@
           <a:p>
             <a:fld id="{2522261A-70BC-440D-899D-E59AC534ED89}" type="slidenum">
               <a:rPr lang="zh-CN" altLang="en-US" smtClean="0"/>
-              <a:t>‹#›</a:t>
             </a:fld>
             <a:endParaRPr lang="zh-CN" altLang="en-US"/>
           </a:p>
         </p:txBody>
       </p:sp>
     </p:spTree>
-    <p:extLst>
-      <p:ext uri="{BB962C8B-B14F-4D97-AF65-F5344CB8AC3E}">
-        <p14:creationId xmlns:p14="http://schemas.microsoft.com/office/powerpoint/2010/main" val="3384192882"/>
-      </p:ext>
-    </p:extLst>
   </p:cSld>
   <p:clrMapOvr>
     <a:masterClrMapping/>
@@ -955,13 +1220,7 @@
       </p:grpSpPr>
       <p:sp>
         <p:nvSpPr>
-          <p:cNvPr id="2" name="标题 1">
-            <a:extLst>
-              <a:ext uri="{FF2B5EF4-FFF2-40B4-BE49-F238E27FC236}">
-                <a16:creationId xmlns:a16="http://schemas.microsoft.com/office/drawing/2014/main" id="{5DF247D1-0488-49BC-8E6E-82EF8E5F09DD}"/>
-              </a:ext>
-            </a:extLst>
-          </p:cNvPr>
+          <p:cNvPr id="2" name="标题 1"/>
           <p:cNvSpPr>
             <a:spLocks noGrp="1"/>
           </p:cNvSpPr>
@@ -987,23 +1246,18 @@
               <a:rPr lang="zh-CN" altLang="en-US"/>
               <a:t>单击此处编辑母版标题样式</a:t>
             </a:r>
-          </a:p>
-        </p:txBody>
-      </p:sp>
-      <p:sp>
-        <p:nvSpPr>
-          <p:cNvPr id="3" name="文本占位符 2">
-            <a:extLst>
-              <a:ext uri="{FF2B5EF4-FFF2-40B4-BE49-F238E27FC236}">
-                <a16:creationId xmlns:a16="http://schemas.microsoft.com/office/drawing/2014/main" id="{A3A109AD-4460-4781-ADCE-B9DC068C4B04}"/>
-              </a:ext>
-            </a:extLst>
-          </p:cNvPr>
-          <p:cNvSpPr>
-            <a:spLocks noGrp="1"/>
-          </p:cNvSpPr>
-          <p:nvPr>
-            <p:ph type="body" idx="1"/>
+            <a:endParaRPr lang="zh-CN" altLang="en-US"/>
+          </a:p>
+        </p:txBody>
+      </p:sp>
+      <p:sp>
+        <p:nvSpPr>
+          <p:cNvPr id="3" name="文本占位符 2"/>
+          <p:cNvSpPr>
+            <a:spLocks noGrp="1"/>
+          </p:cNvSpPr>
+          <p:nvPr>
+            <p:ph type="body" idx="1" hasCustomPrompt="1"/>
           </p:nvPr>
         </p:nvSpPr>
         <p:spPr>
@@ -1112,18 +1366,13 @@
               <a:rPr lang="zh-CN" altLang="en-US"/>
               <a:t>编辑母版文本样式</a:t>
             </a:r>
-          </a:p>
-        </p:txBody>
-      </p:sp>
-      <p:sp>
-        <p:nvSpPr>
-          <p:cNvPr id="4" name="日期占位符 3">
-            <a:extLst>
-              <a:ext uri="{FF2B5EF4-FFF2-40B4-BE49-F238E27FC236}">
-                <a16:creationId xmlns:a16="http://schemas.microsoft.com/office/drawing/2014/main" id="{B52AD15D-39E5-43B3-AA06-EE9F366BBF12}"/>
-              </a:ext>
-            </a:extLst>
-          </p:cNvPr>
+            <a:endParaRPr lang="zh-CN" altLang="en-US"/>
+          </a:p>
+        </p:txBody>
+      </p:sp>
+      <p:sp>
+        <p:nvSpPr>
+          <p:cNvPr id="4" name="日期占位符 3"/>
           <p:cNvSpPr>
             <a:spLocks noGrp="1"/>
           </p:cNvSpPr>
@@ -1138,7 +1387,6 @@
           <a:p>
             <a:fld id="{65A4CC4F-240B-48B2-9875-9FFECA511A72}" type="datetimeFigureOut">
               <a:rPr lang="zh-CN" altLang="en-US" smtClean="0"/>
-              <a:t>2018/8/15</a:t>
             </a:fld>
             <a:endParaRPr lang="zh-CN" altLang="en-US"/>
           </a:p>
@@ -1146,13 +1394,7 @@
       </p:sp>
       <p:sp>
         <p:nvSpPr>
-          <p:cNvPr id="5" name="页脚占位符 4">
-            <a:extLst>
-              <a:ext uri="{FF2B5EF4-FFF2-40B4-BE49-F238E27FC236}">
-                <a16:creationId xmlns:a16="http://schemas.microsoft.com/office/drawing/2014/main" id="{CE1906CA-D9A9-46B7-ACF1-039CD0A66207}"/>
-              </a:ext>
-            </a:extLst>
-          </p:cNvPr>
+          <p:cNvPr id="5" name="页脚占位符 4"/>
           <p:cNvSpPr>
             <a:spLocks noGrp="1"/>
           </p:cNvSpPr>
@@ -1171,13 +1413,7 @@
       </p:sp>
       <p:sp>
         <p:nvSpPr>
-          <p:cNvPr id="6" name="灯片编号占位符 5">
-            <a:extLst>
-              <a:ext uri="{FF2B5EF4-FFF2-40B4-BE49-F238E27FC236}">
-                <a16:creationId xmlns:a16="http://schemas.microsoft.com/office/drawing/2014/main" id="{CF1CA01B-5AF8-42B9-A196-D415C7F81685}"/>
-              </a:ext>
-            </a:extLst>
-          </p:cNvPr>
+          <p:cNvPr id="6" name="灯片编号占位符 5"/>
           <p:cNvSpPr>
             <a:spLocks noGrp="1"/>
           </p:cNvSpPr>
@@ -1192,18 +1428,12 @@
           <a:p>
             <a:fld id="{2522261A-70BC-440D-899D-E59AC534ED89}" type="slidenum">
               <a:rPr lang="zh-CN" altLang="en-US" smtClean="0"/>
-              <a:t>‹#›</a:t>
             </a:fld>
             <a:endParaRPr lang="zh-CN" altLang="en-US"/>
           </a:p>
         </p:txBody>
       </p:sp>
     </p:spTree>
-    <p:extLst>
-      <p:ext uri="{BB962C8B-B14F-4D97-AF65-F5344CB8AC3E}">
-        <p14:creationId xmlns:p14="http://schemas.microsoft.com/office/powerpoint/2010/main" val="4089550218"/>
-      </p:ext>
-    </p:extLst>
   </p:cSld>
   <p:clrMapOvr>
     <a:masterClrMapping/>
@@ -1230,13 +1460,7 @@
       </p:grpSpPr>
       <p:sp>
         <p:nvSpPr>
-          <p:cNvPr id="2" name="标题 1">
-            <a:extLst>
-              <a:ext uri="{FF2B5EF4-FFF2-40B4-BE49-F238E27FC236}">
-                <a16:creationId xmlns:a16="http://schemas.microsoft.com/office/drawing/2014/main" id="{067B8B77-060C-429C-8F3D-342EE2D4A066}"/>
-              </a:ext>
-            </a:extLst>
-          </p:cNvPr>
+          <p:cNvPr id="2" name="标题 1"/>
           <p:cNvSpPr>
             <a:spLocks noGrp="1"/>
           </p:cNvSpPr>
@@ -1253,23 +1477,18 @@
               <a:rPr lang="zh-CN" altLang="en-US"/>
               <a:t>单击此处编辑母版标题样式</a:t>
             </a:r>
-          </a:p>
-        </p:txBody>
-      </p:sp>
-      <p:sp>
-        <p:nvSpPr>
-          <p:cNvPr id="3" name="内容占位符 2">
-            <a:extLst>
-              <a:ext uri="{FF2B5EF4-FFF2-40B4-BE49-F238E27FC236}">
-                <a16:creationId xmlns:a16="http://schemas.microsoft.com/office/drawing/2014/main" id="{CA89FE00-8E6A-4587-9DE0-ED881C3CE4EA}"/>
-              </a:ext>
-            </a:extLst>
-          </p:cNvPr>
-          <p:cNvSpPr>
-            <a:spLocks noGrp="1"/>
-          </p:cNvSpPr>
-          <p:nvPr>
-            <p:ph sz="half" idx="1"/>
+            <a:endParaRPr lang="zh-CN" altLang="en-US"/>
+          </a:p>
+        </p:txBody>
+      </p:sp>
+      <p:sp>
+        <p:nvSpPr>
+          <p:cNvPr id="3" name="内容占位符 2"/>
+          <p:cNvSpPr>
+            <a:spLocks noGrp="1"/>
+          </p:cNvSpPr>
+          <p:nvPr>
+            <p:ph sz="half" idx="1" hasCustomPrompt="1"/>
           </p:nvPr>
         </p:nvSpPr>
         <p:spPr>
@@ -1287,6 +1506,7 @@
               <a:rPr lang="zh-CN" altLang="en-US"/>
               <a:t>编辑母版文本样式</a:t>
             </a:r>
+            <a:endParaRPr lang="zh-CN" altLang="en-US"/>
           </a:p>
           <a:p>
             <a:pPr lvl="1"/>
@@ -1294,6 +1514,7 @@
               <a:rPr lang="zh-CN" altLang="en-US"/>
               <a:t>第二级</a:t>
             </a:r>
+            <a:endParaRPr lang="zh-CN" altLang="en-US"/>
           </a:p>
           <a:p>
             <a:pPr lvl="2"/>
@@ -1301,6 +1522,7 @@
               <a:rPr lang="zh-CN" altLang="en-US"/>
               <a:t>第三级</a:t>
             </a:r>
+            <a:endParaRPr lang="zh-CN" altLang="en-US"/>
           </a:p>
           <a:p>
             <a:pPr lvl="3"/>
@@ -1308,6 +1530,7 @@
               <a:rPr lang="zh-CN" altLang="en-US"/>
               <a:t>第四级</a:t>
             </a:r>
+            <a:endParaRPr lang="zh-CN" altLang="en-US"/>
           </a:p>
           <a:p>
             <a:pPr lvl="4"/>
@@ -1315,23 +1538,18 @@
               <a:rPr lang="zh-CN" altLang="en-US"/>
               <a:t>第五级</a:t>
             </a:r>
-          </a:p>
-        </p:txBody>
-      </p:sp>
-      <p:sp>
-        <p:nvSpPr>
-          <p:cNvPr id="4" name="内容占位符 3">
-            <a:extLst>
-              <a:ext uri="{FF2B5EF4-FFF2-40B4-BE49-F238E27FC236}">
-                <a16:creationId xmlns:a16="http://schemas.microsoft.com/office/drawing/2014/main" id="{5406D51D-246E-436F-9D6F-1AEBAA28F191}"/>
-              </a:ext>
-            </a:extLst>
-          </p:cNvPr>
-          <p:cNvSpPr>
-            <a:spLocks noGrp="1"/>
-          </p:cNvSpPr>
-          <p:nvPr>
-            <p:ph sz="half" idx="2"/>
+            <a:endParaRPr lang="zh-CN" altLang="en-US"/>
+          </a:p>
+        </p:txBody>
+      </p:sp>
+      <p:sp>
+        <p:nvSpPr>
+          <p:cNvPr id="4" name="内容占位符 3"/>
+          <p:cNvSpPr>
+            <a:spLocks noGrp="1"/>
+          </p:cNvSpPr>
+          <p:nvPr>
+            <p:ph sz="half" idx="2" hasCustomPrompt="1"/>
           </p:nvPr>
         </p:nvSpPr>
         <p:spPr>
@@ -1349,6 +1567,7 @@
               <a:rPr lang="zh-CN" altLang="en-US"/>
               <a:t>编辑母版文本样式</a:t>
             </a:r>
+            <a:endParaRPr lang="zh-CN" altLang="en-US"/>
           </a:p>
           <a:p>
             <a:pPr lvl="1"/>
@@ -1356,6 +1575,7 @@
               <a:rPr lang="zh-CN" altLang="en-US"/>
               <a:t>第二级</a:t>
             </a:r>
+            <a:endParaRPr lang="zh-CN" altLang="en-US"/>
           </a:p>
           <a:p>
             <a:pPr lvl="2"/>
@@ -1363,6 +1583,7 @@
               <a:rPr lang="zh-CN" altLang="en-US"/>
               <a:t>第三级</a:t>
             </a:r>
+            <a:endParaRPr lang="zh-CN" altLang="en-US"/>
           </a:p>
           <a:p>
             <a:pPr lvl="3"/>
@@ -1370,6 +1591,7 @@
               <a:rPr lang="zh-CN" altLang="en-US"/>
               <a:t>第四级</a:t>
             </a:r>
+            <a:endParaRPr lang="zh-CN" altLang="en-US"/>
           </a:p>
           <a:p>
             <a:pPr lvl="4"/>
@@ -1377,18 +1599,13 @@
               <a:rPr lang="zh-CN" altLang="en-US"/>
               <a:t>第五级</a:t>
             </a:r>
-          </a:p>
-        </p:txBody>
-      </p:sp>
-      <p:sp>
-        <p:nvSpPr>
-          <p:cNvPr id="5" name="日期占位符 4">
-            <a:extLst>
-              <a:ext uri="{FF2B5EF4-FFF2-40B4-BE49-F238E27FC236}">
-                <a16:creationId xmlns:a16="http://schemas.microsoft.com/office/drawing/2014/main" id="{9B2A248A-0597-4C75-9208-D92F8BE4E3DF}"/>
-              </a:ext>
-            </a:extLst>
-          </p:cNvPr>
+            <a:endParaRPr lang="zh-CN" altLang="en-US"/>
+          </a:p>
+        </p:txBody>
+      </p:sp>
+      <p:sp>
+        <p:nvSpPr>
+          <p:cNvPr id="5" name="日期占位符 4"/>
           <p:cNvSpPr>
             <a:spLocks noGrp="1"/>
           </p:cNvSpPr>
@@ -1403,7 +1620,6 @@
           <a:p>
             <a:fld id="{65A4CC4F-240B-48B2-9875-9FFECA511A72}" type="datetimeFigureOut">
               <a:rPr lang="zh-CN" altLang="en-US" smtClean="0"/>
-              <a:t>2018/8/15</a:t>
             </a:fld>
             <a:endParaRPr lang="zh-CN" altLang="en-US"/>
           </a:p>
@@ -1411,13 +1627,7 @@
       </p:sp>
       <p:sp>
         <p:nvSpPr>
-          <p:cNvPr id="6" name="页脚占位符 5">
-            <a:extLst>
-              <a:ext uri="{FF2B5EF4-FFF2-40B4-BE49-F238E27FC236}">
-                <a16:creationId xmlns:a16="http://schemas.microsoft.com/office/drawing/2014/main" id="{8448FECC-AA74-4F67-9718-EBDF290FBF96}"/>
-              </a:ext>
-            </a:extLst>
-          </p:cNvPr>
+          <p:cNvPr id="6" name="页脚占位符 5"/>
           <p:cNvSpPr>
             <a:spLocks noGrp="1"/>
           </p:cNvSpPr>
@@ -1436,13 +1646,7 @@
       </p:sp>
       <p:sp>
         <p:nvSpPr>
-          <p:cNvPr id="7" name="灯片编号占位符 6">
-            <a:extLst>
-              <a:ext uri="{FF2B5EF4-FFF2-40B4-BE49-F238E27FC236}">
-                <a16:creationId xmlns:a16="http://schemas.microsoft.com/office/drawing/2014/main" id="{B874632A-FFDA-4795-A108-23BD0DB8F099}"/>
-              </a:ext>
-            </a:extLst>
-          </p:cNvPr>
+          <p:cNvPr id="7" name="灯片编号占位符 6"/>
           <p:cNvSpPr>
             <a:spLocks noGrp="1"/>
           </p:cNvSpPr>
@@ -1457,18 +1661,12 @@
           <a:p>
             <a:fld id="{2522261A-70BC-440D-899D-E59AC534ED89}" type="slidenum">
               <a:rPr lang="zh-CN" altLang="en-US" smtClean="0"/>
-              <a:t>‹#›</a:t>
             </a:fld>
             <a:endParaRPr lang="zh-CN" altLang="en-US"/>
           </a:p>
         </p:txBody>
       </p:sp>
     </p:spTree>
-    <p:extLst>
-      <p:ext uri="{BB962C8B-B14F-4D97-AF65-F5344CB8AC3E}">
-        <p14:creationId xmlns:p14="http://schemas.microsoft.com/office/powerpoint/2010/main" val="754717608"/>
-      </p:ext>
-    </p:extLst>
   </p:cSld>
   <p:clrMapOvr>
     <a:masterClrMapping/>
@@ -1495,13 +1693,7 @@
       </p:grpSpPr>
       <p:sp>
         <p:nvSpPr>
-          <p:cNvPr id="2" name="标题 1">
-            <a:extLst>
-              <a:ext uri="{FF2B5EF4-FFF2-40B4-BE49-F238E27FC236}">
-                <a16:creationId xmlns:a16="http://schemas.microsoft.com/office/drawing/2014/main" id="{9B9D6A9C-95C3-4EA6-859A-2581DB993627}"/>
-              </a:ext>
-            </a:extLst>
-          </p:cNvPr>
+          <p:cNvPr id="2" name="标题 1"/>
           <p:cNvSpPr>
             <a:spLocks noGrp="1"/>
           </p:cNvSpPr>
@@ -1523,23 +1715,18 @@
               <a:rPr lang="zh-CN" altLang="en-US"/>
               <a:t>单击此处编辑母版标题样式</a:t>
             </a:r>
-          </a:p>
-        </p:txBody>
-      </p:sp>
-      <p:sp>
-        <p:nvSpPr>
-          <p:cNvPr id="3" name="文本占位符 2">
-            <a:extLst>
-              <a:ext uri="{FF2B5EF4-FFF2-40B4-BE49-F238E27FC236}">
-                <a16:creationId xmlns:a16="http://schemas.microsoft.com/office/drawing/2014/main" id="{61B9F3E7-3C24-4391-930F-7FA6096B092B}"/>
-              </a:ext>
-            </a:extLst>
-          </p:cNvPr>
-          <p:cNvSpPr>
-            <a:spLocks noGrp="1"/>
-          </p:cNvSpPr>
-          <p:nvPr>
-            <p:ph type="body" idx="1"/>
+            <a:endParaRPr lang="zh-CN" altLang="en-US"/>
+          </a:p>
+        </p:txBody>
+      </p:sp>
+      <p:sp>
+        <p:nvSpPr>
+          <p:cNvPr id="3" name="文本占位符 2"/>
+          <p:cNvSpPr>
+            <a:spLocks noGrp="1"/>
+          </p:cNvSpPr>
+          <p:nvPr>
+            <p:ph type="body" idx="1" hasCustomPrompt="1"/>
           </p:nvPr>
         </p:nvSpPr>
         <p:spPr>
@@ -1594,23 +1781,18 @@
               <a:rPr lang="zh-CN" altLang="en-US"/>
               <a:t>编辑母版文本样式</a:t>
             </a:r>
-          </a:p>
-        </p:txBody>
-      </p:sp>
-      <p:sp>
-        <p:nvSpPr>
-          <p:cNvPr id="4" name="内容占位符 3">
-            <a:extLst>
-              <a:ext uri="{FF2B5EF4-FFF2-40B4-BE49-F238E27FC236}">
-                <a16:creationId xmlns:a16="http://schemas.microsoft.com/office/drawing/2014/main" id="{604C7386-12BD-4060-8485-C3359469756E}"/>
-              </a:ext>
-            </a:extLst>
-          </p:cNvPr>
-          <p:cNvSpPr>
-            <a:spLocks noGrp="1"/>
-          </p:cNvSpPr>
-          <p:nvPr>
-            <p:ph sz="half" idx="2"/>
+            <a:endParaRPr lang="zh-CN" altLang="en-US"/>
+          </a:p>
+        </p:txBody>
+      </p:sp>
+      <p:sp>
+        <p:nvSpPr>
+          <p:cNvPr id="4" name="内容占位符 3"/>
+          <p:cNvSpPr>
+            <a:spLocks noGrp="1"/>
+          </p:cNvSpPr>
+          <p:nvPr>
+            <p:ph sz="half" idx="2" hasCustomPrompt="1"/>
           </p:nvPr>
         </p:nvSpPr>
         <p:spPr>
@@ -1628,6 +1810,7 @@
               <a:rPr lang="zh-CN" altLang="en-US"/>
               <a:t>编辑母版文本样式</a:t>
             </a:r>
+            <a:endParaRPr lang="zh-CN" altLang="en-US"/>
           </a:p>
           <a:p>
             <a:pPr lvl="1"/>
@@ -1635,6 +1818,7 @@
               <a:rPr lang="zh-CN" altLang="en-US"/>
               <a:t>第二级</a:t>
             </a:r>
+            <a:endParaRPr lang="zh-CN" altLang="en-US"/>
           </a:p>
           <a:p>
             <a:pPr lvl="2"/>
@@ -1642,6 +1826,7 @@
               <a:rPr lang="zh-CN" altLang="en-US"/>
               <a:t>第三级</a:t>
             </a:r>
+            <a:endParaRPr lang="zh-CN" altLang="en-US"/>
           </a:p>
           <a:p>
             <a:pPr lvl="3"/>
@@ -1649,6 +1834,7 @@
               <a:rPr lang="zh-CN" altLang="en-US"/>
               <a:t>第四级</a:t>
             </a:r>
+            <a:endParaRPr lang="zh-CN" altLang="en-US"/>
           </a:p>
           <a:p>
             <a:pPr lvl="4"/>
@@ -1656,23 +1842,18 @@
               <a:rPr lang="zh-CN" altLang="en-US"/>
               <a:t>第五级</a:t>
             </a:r>
-          </a:p>
-        </p:txBody>
-      </p:sp>
-      <p:sp>
-        <p:nvSpPr>
-          <p:cNvPr id="5" name="文本占位符 4">
-            <a:extLst>
-              <a:ext uri="{FF2B5EF4-FFF2-40B4-BE49-F238E27FC236}">
-                <a16:creationId xmlns:a16="http://schemas.microsoft.com/office/drawing/2014/main" id="{510A98AB-8191-4F28-8B9C-3561D3C7AE42}"/>
-              </a:ext>
-            </a:extLst>
-          </p:cNvPr>
-          <p:cNvSpPr>
-            <a:spLocks noGrp="1"/>
-          </p:cNvSpPr>
-          <p:nvPr>
-            <p:ph type="body" sz="quarter" idx="3"/>
+            <a:endParaRPr lang="zh-CN" altLang="en-US"/>
+          </a:p>
+        </p:txBody>
+      </p:sp>
+      <p:sp>
+        <p:nvSpPr>
+          <p:cNvPr id="5" name="文本占位符 4"/>
+          <p:cNvSpPr>
+            <a:spLocks noGrp="1"/>
+          </p:cNvSpPr>
+          <p:nvPr>
+            <p:ph type="body" sz="quarter" idx="3" hasCustomPrompt="1"/>
           </p:nvPr>
         </p:nvSpPr>
         <p:spPr>
@@ -1727,23 +1908,18 @@
               <a:rPr lang="zh-CN" altLang="en-US"/>
               <a:t>编辑母版文本样式</a:t>
             </a:r>
-          </a:p>
-        </p:txBody>
-      </p:sp>
-      <p:sp>
-        <p:nvSpPr>
-          <p:cNvPr id="6" name="内容占位符 5">
-            <a:extLst>
-              <a:ext uri="{FF2B5EF4-FFF2-40B4-BE49-F238E27FC236}">
-                <a16:creationId xmlns:a16="http://schemas.microsoft.com/office/drawing/2014/main" id="{0983C151-73E7-4F23-804B-155897D845BB}"/>
-              </a:ext>
-            </a:extLst>
-          </p:cNvPr>
-          <p:cNvSpPr>
-            <a:spLocks noGrp="1"/>
-          </p:cNvSpPr>
-          <p:nvPr>
-            <p:ph sz="quarter" idx="4"/>
+            <a:endParaRPr lang="zh-CN" altLang="en-US"/>
+          </a:p>
+        </p:txBody>
+      </p:sp>
+      <p:sp>
+        <p:nvSpPr>
+          <p:cNvPr id="6" name="内容占位符 5"/>
+          <p:cNvSpPr>
+            <a:spLocks noGrp="1"/>
+          </p:cNvSpPr>
+          <p:nvPr>
+            <p:ph sz="quarter" idx="4" hasCustomPrompt="1"/>
           </p:nvPr>
         </p:nvSpPr>
         <p:spPr>
@@ -1761,6 +1937,7 @@
               <a:rPr lang="zh-CN" altLang="en-US"/>
               <a:t>编辑母版文本样式</a:t>
             </a:r>
+            <a:endParaRPr lang="zh-CN" altLang="en-US"/>
           </a:p>
           <a:p>
             <a:pPr lvl="1"/>
@@ -1768,6 +1945,7 @@
               <a:rPr lang="zh-CN" altLang="en-US"/>
               <a:t>第二级</a:t>
             </a:r>
+            <a:endParaRPr lang="zh-CN" altLang="en-US"/>
           </a:p>
           <a:p>
             <a:pPr lvl="2"/>
@@ -1775,6 +1953,7 @@
               <a:rPr lang="zh-CN" altLang="en-US"/>
               <a:t>第三级</a:t>
             </a:r>
+            <a:endParaRPr lang="zh-CN" altLang="en-US"/>
           </a:p>
           <a:p>
             <a:pPr lvl="3"/>
@@ -1782,6 +1961,7 @@
               <a:rPr lang="zh-CN" altLang="en-US"/>
               <a:t>第四级</a:t>
             </a:r>
+            <a:endParaRPr lang="zh-CN" altLang="en-US"/>
           </a:p>
           <a:p>
             <a:pPr lvl="4"/>
@@ -1789,18 +1969,13 @@
               <a:rPr lang="zh-CN" altLang="en-US"/>
               <a:t>第五级</a:t>
             </a:r>
-          </a:p>
-        </p:txBody>
-      </p:sp>
-      <p:sp>
-        <p:nvSpPr>
-          <p:cNvPr id="7" name="日期占位符 6">
-            <a:extLst>
-              <a:ext uri="{FF2B5EF4-FFF2-40B4-BE49-F238E27FC236}">
-                <a16:creationId xmlns:a16="http://schemas.microsoft.com/office/drawing/2014/main" id="{4757E929-3EE9-45D3-81C8-747299028E6D}"/>
-              </a:ext>
-            </a:extLst>
-          </p:cNvPr>
+            <a:endParaRPr lang="zh-CN" altLang="en-US"/>
+          </a:p>
+        </p:txBody>
+      </p:sp>
+      <p:sp>
+        <p:nvSpPr>
+          <p:cNvPr id="7" name="日期占位符 6"/>
           <p:cNvSpPr>
             <a:spLocks noGrp="1"/>
           </p:cNvSpPr>
@@ -1815,7 +1990,6 @@
           <a:p>
             <a:fld id="{65A4CC4F-240B-48B2-9875-9FFECA511A72}" type="datetimeFigureOut">
               <a:rPr lang="zh-CN" altLang="en-US" smtClean="0"/>
-              <a:t>2018/8/15</a:t>
             </a:fld>
             <a:endParaRPr lang="zh-CN" altLang="en-US"/>
           </a:p>
@@ -1823,13 +1997,7 @@
       </p:sp>
       <p:sp>
         <p:nvSpPr>
-          <p:cNvPr id="8" name="页脚占位符 7">
-            <a:extLst>
-              <a:ext uri="{FF2B5EF4-FFF2-40B4-BE49-F238E27FC236}">
-                <a16:creationId xmlns:a16="http://schemas.microsoft.com/office/drawing/2014/main" id="{52A6FB76-767C-4AAA-B54F-1A89A6BE9545}"/>
-              </a:ext>
-            </a:extLst>
-          </p:cNvPr>
+          <p:cNvPr id="8" name="页脚占位符 7"/>
           <p:cNvSpPr>
             <a:spLocks noGrp="1"/>
           </p:cNvSpPr>
@@ -1848,13 +2016,7 @@
       </p:sp>
       <p:sp>
         <p:nvSpPr>
-          <p:cNvPr id="9" name="灯片编号占位符 8">
-            <a:extLst>
-              <a:ext uri="{FF2B5EF4-FFF2-40B4-BE49-F238E27FC236}">
-                <a16:creationId xmlns:a16="http://schemas.microsoft.com/office/drawing/2014/main" id="{C47BCF62-E687-473A-9EAA-CB22EC5B88DE}"/>
-              </a:ext>
-            </a:extLst>
-          </p:cNvPr>
+          <p:cNvPr id="9" name="灯片编号占位符 8"/>
           <p:cNvSpPr>
             <a:spLocks noGrp="1"/>
           </p:cNvSpPr>
@@ -1869,18 +2031,12 @@
           <a:p>
             <a:fld id="{2522261A-70BC-440D-899D-E59AC534ED89}" type="slidenum">
               <a:rPr lang="zh-CN" altLang="en-US" smtClean="0"/>
-              <a:t>‹#›</a:t>
             </a:fld>
             <a:endParaRPr lang="zh-CN" altLang="en-US"/>
           </a:p>
         </p:txBody>
       </p:sp>
     </p:spTree>
-    <p:extLst>
-      <p:ext uri="{BB962C8B-B14F-4D97-AF65-F5344CB8AC3E}">
-        <p14:creationId xmlns:p14="http://schemas.microsoft.com/office/powerpoint/2010/main" val="1183146618"/>
-      </p:ext>
-    </p:extLst>
   </p:cSld>
   <p:clrMapOvr>
     <a:masterClrMapping/>
@@ -1907,13 +2063,7 @@
       </p:grpSpPr>
       <p:sp>
         <p:nvSpPr>
-          <p:cNvPr id="2" name="标题 1">
-            <a:extLst>
-              <a:ext uri="{FF2B5EF4-FFF2-40B4-BE49-F238E27FC236}">
-                <a16:creationId xmlns:a16="http://schemas.microsoft.com/office/drawing/2014/main" id="{0E849154-E037-45C2-BCF0-9FE175B12F62}"/>
-              </a:ext>
-            </a:extLst>
-          </p:cNvPr>
+          <p:cNvPr id="2" name="标题 1"/>
           <p:cNvSpPr>
             <a:spLocks noGrp="1"/>
           </p:cNvSpPr>
@@ -1930,18 +2080,13 @@
               <a:rPr lang="zh-CN" altLang="en-US"/>
               <a:t>单击此处编辑母版标题样式</a:t>
             </a:r>
-          </a:p>
-        </p:txBody>
-      </p:sp>
-      <p:sp>
-        <p:nvSpPr>
-          <p:cNvPr id="3" name="日期占位符 2">
-            <a:extLst>
-              <a:ext uri="{FF2B5EF4-FFF2-40B4-BE49-F238E27FC236}">
-                <a16:creationId xmlns:a16="http://schemas.microsoft.com/office/drawing/2014/main" id="{2346436C-DD60-4994-BB95-83986B0C69DD}"/>
-              </a:ext>
-            </a:extLst>
-          </p:cNvPr>
+            <a:endParaRPr lang="zh-CN" altLang="en-US"/>
+          </a:p>
+        </p:txBody>
+      </p:sp>
+      <p:sp>
+        <p:nvSpPr>
+          <p:cNvPr id="3" name="日期占位符 2"/>
           <p:cNvSpPr>
             <a:spLocks noGrp="1"/>
           </p:cNvSpPr>
@@ -1956,7 +2101,6 @@
           <a:p>
             <a:fld id="{65A4CC4F-240B-48B2-9875-9FFECA511A72}" type="datetimeFigureOut">
               <a:rPr lang="zh-CN" altLang="en-US" smtClean="0"/>
-              <a:t>2018/8/15</a:t>
             </a:fld>
             <a:endParaRPr lang="zh-CN" altLang="en-US"/>
           </a:p>
@@ -1964,13 +2108,7 @@
       </p:sp>
       <p:sp>
         <p:nvSpPr>
-          <p:cNvPr id="4" name="页脚占位符 3">
-            <a:extLst>
-              <a:ext uri="{FF2B5EF4-FFF2-40B4-BE49-F238E27FC236}">
-                <a16:creationId xmlns:a16="http://schemas.microsoft.com/office/drawing/2014/main" id="{A1FCF110-4A29-4CEC-9871-67CA21CB5634}"/>
-              </a:ext>
-            </a:extLst>
-          </p:cNvPr>
+          <p:cNvPr id="4" name="页脚占位符 3"/>
           <p:cNvSpPr>
             <a:spLocks noGrp="1"/>
           </p:cNvSpPr>
@@ -1989,13 +2127,7 @@
       </p:sp>
       <p:sp>
         <p:nvSpPr>
-          <p:cNvPr id="5" name="灯片编号占位符 4">
-            <a:extLst>
-              <a:ext uri="{FF2B5EF4-FFF2-40B4-BE49-F238E27FC236}">
-                <a16:creationId xmlns:a16="http://schemas.microsoft.com/office/drawing/2014/main" id="{9FEDAC26-A123-40E1-805D-97F81B9EE794}"/>
-              </a:ext>
-            </a:extLst>
-          </p:cNvPr>
+          <p:cNvPr id="5" name="灯片编号占位符 4"/>
           <p:cNvSpPr>
             <a:spLocks noGrp="1"/>
           </p:cNvSpPr>
@@ -2010,18 +2142,12 @@
           <a:p>
             <a:fld id="{2522261A-70BC-440D-899D-E59AC534ED89}" type="slidenum">
               <a:rPr lang="zh-CN" altLang="en-US" smtClean="0"/>
-              <a:t>‹#›</a:t>
             </a:fld>
             <a:endParaRPr lang="zh-CN" altLang="en-US"/>
           </a:p>
         </p:txBody>
       </p:sp>
     </p:spTree>
-    <p:extLst>
-      <p:ext uri="{BB962C8B-B14F-4D97-AF65-F5344CB8AC3E}">
-        <p14:creationId xmlns:p14="http://schemas.microsoft.com/office/powerpoint/2010/main" val="52209886"/>
-      </p:ext>
-    </p:extLst>
   </p:cSld>
   <p:clrMapOvr>
     <a:masterClrMapping/>
@@ -2048,13 +2174,7 @@
       </p:grpSpPr>
       <p:sp>
         <p:nvSpPr>
-          <p:cNvPr id="2" name="日期占位符 1">
-            <a:extLst>
-              <a:ext uri="{FF2B5EF4-FFF2-40B4-BE49-F238E27FC236}">
-                <a16:creationId xmlns:a16="http://schemas.microsoft.com/office/drawing/2014/main" id="{47F710F5-DC21-40A1-93F7-57962AD48F4A}"/>
-              </a:ext>
-            </a:extLst>
-          </p:cNvPr>
+          <p:cNvPr id="2" name="日期占位符 1"/>
           <p:cNvSpPr>
             <a:spLocks noGrp="1"/>
           </p:cNvSpPr>
@@ -2069,7 +2189,6 @@
           <a:p>
             <a:fld id="{65A4CC4F-240B-48B2-9875-9FFECA511A72}" type="datetimeFigureOut">
               <a:rPr lang="zh-CN" altLang="en-US" smtClean="0"/>
-              <a:t>2018/8/15</a:t>
             </a:fld>
             <a:endParaRPr lang="zh-CN" altLang="en-US"/>
           </a:p>
@@ -2077,13 +2196,7 @@
       </p:sp>
       <p:sp>
         <p:nvSpPr>
-          <p:cNvPr id="3" name="页脚占位符 2">
-            <a:extLst>
-              <a:ext uri="{FF2B5EF4-FFF2-40B4-BE49-F238E27FC236}">
-                <a16:creationId xmlns:a16="http://schemas.microsoft.com/office/drawing/2014/main" id="{8276112C-A784-44F1-8CE4-5054E642D683}"/>
-              </a:ext>
-            </a:extLst>
-          </p:cNvPr>
+          <p:cNvPr id="3" name="页脚占位符 2"/>
           <p:cNvSpPr>
             <a:spLocks noGrp="1"/>
           </p:cNvSpPr>
@@ -2102,13 +2215,7 @@
       </p:sp>
       <p:sp>
         <p:nvSpPr>
-          <p:cNvPr id="4" name="灯片编号占位符 3">
-            <a:extLst>
-              <a:ext uri="{FF2B5EF4-FFF2-40B4-BE49-F238E27FC236}">
-                <a16:creationId xmlns:a16="http://schemas.microsoft.com/office/drawing/2014/main" id="{241B966D-9202-46C8-A289-04BE55A26C50}"/>
-              </a:ext>
-            </a:extLst>
-          </p:cNvPr>
+          <p:cNvPr id="4" name="灯片编号占位符 3"/>
           <p:cNvSpPr>
             <a:spLocks noGrp="1"/>
           </p:cNvSpPr>
@@ -2123,18 +2230,12 @@
           <a:p>
             <a:fld id="{2522261A-70BC-440D-899D-E59AC534ED89}" type="slidenum">
               <a:rPr lang="zh-CN" altLang="en-US" smtClean="0"/>
-              <a:t>‹#›</a:t>
             </a:fld>
             <a:endParaRPr lang="zh-CN" altLang="en-US"/>
           </a:p>
         </p:txBody>
       </p:sp>
     </p:spTree>
-    <p:extLst>
-      <p:ext uri="{BB962C8B-B14F-4D97-AF65-F5344CB8AC3E}">
-        <p14:creationId xmlns:p14="http://schemas.microsoft.com/office/powerpoint/2010/main" val="4248835915"/>
-      </p:ext>
-    </p:extLst>
   </p:cSld>
   <p:clrMapOvr>
     <a:masterClrMapping/>
@@ -2161,13 +2262,7 @@
       </p:grpSpPr>
       <p:sp>
         <p:nvSpPr>
-          <p:cNvPr id="2" name="标题 1">
-            <a:extLst>
-              <a:ext uri="{FF2B5EF4-FFF2-40B4-BE49-F238E27FC236}">
-                <a16:creationId xmlns:a16="http://schemas.microsoft.com/office/drawing/2014/main" id="{12913614-04C2-460D-AD3E-725037AACD26}"/>
-              </a:ext>
-            </a:extLst>
-          </p:cNvPr>
+          <p:cNvPr id="2" name="标题 1"/>
           <p:cNvSpPr>
             <a:spLocks noGrp="1"/>
           </p:cNvSpPr>
@@ -2193,23 +2288,18 @@
               <a:rPr lang="zh-CN" altLang="en-US"/>
               <a:t>单击此处编辑母版标题样式</a:t>
             </a:r>
-          </a:p>
-        </p:txBody>
-      </p:sp>
-      <p:sp>
-        <p:nvSpPr>
-          <p:cNvPr id="3" name="内容占位符 2">
-            <a:extLst>
-              <a:ext uri="{FF2B5EF4-FFF2-40B4-BE49-F238E27FC236}">
-                <a16:creationId xmlns:a16="http://schemas.microsoft.com/office/drawing/2014/main" id="{D7FE53F4-9BEA-4606-837E-D21071B5B5A6}"/>
-              </a:ext>
-            </a:extLst>
-          </p:cNvPr>
-          <p:cNvSpPr>
-            <a:spLocks noGrp="1"/>
-          </p:cNvSpPr>
-          <p:nvPr>
-            <p:ph idx="1"/>
+            <a:endParaRPr lang="zh-CN" altLang="en-US"/>
+          </a:p>
+        </p:txBody>
+      </p:sp>
+      <p:sp>
+        <p:nvSpPr>
+          <p:cNvPr id="3" name="内容占位符 2"/>
+          <p:cNvSpPr>
+            <a:spLocks noGrp="1"/>
+          </p:cNvSpPr>
+          <p:nvPr>
+            <p:ph idx="1" hasCustomPrompt="1"/>
           </p:nvPr>
         </p:nvSpPr>
         <p:spPr>
@@ -2255,6 +2345,7 @@
               <a:rPr lang="zh-CN" altLang="en-US"/>
               <a:t>编辑母版文本样式</a:t>
             </a:r>
+            <a:endParaRPr lang="zh-CN" altLang="en-US"/>
           </a:p>
           <a:p>
             <a:pPr lvl="1"/>
@@ -2262,6 +2353,7 @@
               <a:rPr lang="zh-CN" altLang="en-US"/>
               <a:t>第二级</a:t>
             </a:r>
+            <a:endParaRPr lang="zh-CN" altLang="en-US"/>
           </a:p>
           <a:p>
             <a:pPr lvl="2"/>
@@ -2269,6 +2361,7 @@
               <a:rPr lang="zh-CN" altLang="en-US"/>
               <a:t>第三级</a:t>
             </a:r>
+            <a:endParaRPr lang="zh-CN" altLang="en-US"/>
           </a:p>
           <a:p>
             <a:pPr lvl="3"/>
@@ -2276,6 +2369,7 @@
               <a:rPr lang="zh-CN" altLang="en-US"/>
               <a:t>第四级</a:t>
             </a:r>
+            <a:endParaRPr lang="zh-CN" altLang="en-US"/>
           </a:p>
           <a:p>
             <a:pPr lvl="4"/>
@@ -2283,23 +2377,18 @@
               <a:rPr lang="zh-CN" altLang="en-US"/>
               <a:t>第五级</a:t>
             </a:r>
-          </a:p>
-        </p:txBody>
-      </p:sp>
-      <p:sp>
-        <p:nvSpPr>
-          <p:cNvPr id="4" name="文本占位符 3">
-            <a:extLst>
-              <a:ext uri="{FF2B5EF4-FFF2-40B4-BE49-F238E27FC236}">
-                <a16:creationId xmlns:a16="http://schemas.microsoft.com/office/drawing/2014/main" id="{1D4A315A-3FA0-4EE7-B6F3-D5912DF96CD1}"/>
-              </a:ext>
-            </a:extLst>
-          </p:cNvPr>
-          <p:cNvSpPr>
-            <a:spLocks noGrp="1"/>
-          </p:cNvSpPr>
-          <p:nvPr>
-            <p:ph type="body" sz="half" idx="2"/>
+            <a:endParaRPr lang="zh-CN" altLang="en-US"/>
+          </a:p>
+        </p:txBody>
+      </p:sp>
+      <p:sp>
+        <p:nvSpPr>
+          <p:cNvPr id="4" name="文本占位符 3"/>
+          <p:cNvSpPr>
+            <a:spLocks noGrp="1"/>
+          </p:cNvSpPr>
+          <p:nvPr>
+            <p:ph type="body" sz="half" idx="2" hasCustomPrompt="1"/>
           </p:nvPr>
         </p:nvSpPr>
         <p:spPr>
@@ -2354,18 +2443,13 @@
               <a:rPr lang="zh-CN" altLang="en-US"/>
               <a:t>编辑母版文本样式</a:t>
             </a:r>
-          </a:p>
-        </p:txBody>
-      </p:sp>
-      <p:sp>
-        <p:nvSpPr>
-          <p:cNvPr id="5" name="日期占位符 4">
-            <a:extLst>
-              <a:ext uri="{FF2B5EF4-FFF2-40B4-BE49-F238E27FC236}">
-                <a16:creationId xmlns:a16="http://schemas.microsoft.com/office/drawing/2014/main" id="{E1A4E282-0249-4C7B-AFC6-B8F2125818E1}"/>
-              </a:ext>
-            </a:extLst>
-          </p:cNvPr>
+            <a:endParaRPr lang="zh-CN" altLang="en-US"/>
+          </a:p>
+        </p:txBody>
+      </p:sp>
+      <p:sp>
+        <p:nvSpPr>
+          <p:cNvPr id="5" name="日期占位符 4"/>
           <p:cNvSpPr>
             <a:spLocks noGrp="1"/>
           </p:cNvSpPr>
@@ -2380,7 +2464,6 @@
           <a:p>
             <a:fld id="{65A4CC4F-240B-48B2-9875-9FFECA511A72}" type="datetimeFigureOut">
               <a:rPr lang="zh-CN" altLang="en-US" smtClean="0"/>
-              <a:t>2018/8/15</a:t>
             </a:fld>
             <a:endParaRPr lang="zh-CN" altLang="en-US"/>
           </a:p>
@@ -2388,13 +2471,7 @@
       </p:sp>
       <p:sp>
         <p:nvSpPr>
-          <p:cNvPr id="6" name="页脚占位符 5">
-            <a:extLst>
-              <a:ext uri="{FF2B5EF4-FFF2-40B4-BE49-F238E27FC236}">
-                <a16:creationId xmlns:a16="http://schemas.microsoft.com/office/drawing/2014/main" id="{E6576E5E-D5BE-4B68-857A-791146758D94}"/>
-              </a:ext>
-            </a:extLst>
-          </p:cNvPr>
+          <p:cNvPr id="6" name="页脚占位符 5"/>
           <p:cNvSpPr>
             <a:spLocks noGrp="1"/>
           </p:cNvSpPr>
@@ -2413,13 +2490,7 @@
       </p:sp>
       <p:sp>
         <p:nvSpPr>
-          <p:cNvPr id="7" name="灯片编号占位符 6">
-            <a:extLst>
-              <a:ext uri="{FF2B5EF4-FFF2-40B4-BE49-F238E27FC236}">
-                <a16:creationId xmlns:a16="http://schemas.microsoft.com/office/drawing/2014/main" id="{8FC4BD91-1C7F-4672-BD6E-D47B77CCA82D}"/>
-              </a:ext>
-            </a:extLst>
-          </p:cNvPr>
+          <p:cNvPr id="7" name="灯片编号占位符 6"/>
           <p:cNvSpPr>
             <a:spLocks noGrp="1"/>
           </p:cNvSpPr>
@@ -2434,18 +2505,12 @@
           <a:p>
             <a:fld id="{2522261A-70BC-440D-899D-E59AC534ED89}" type="slidenum">
               <a:rPr lang="zh-CN" altLang="en-US" smtClean="0"/>
-              <a:t>‹#›</a:t>
             </a:fld>
             <a:endParaRPr lang="zh-CN" altLang="en-US"/>
           </a:p>
         </p:txBody>
       </p:sp>
     </p:spTree>
-    <p:extLst>
-      <p:ext uri="{BB962C8B-B14F-4D97-AF65-F5344CB8AC3E}">
-        <p14:creationId xmlns:p14="http://schemas.microsoft.com/office/powerpoint/2010/main" val="2612072803"/>
-      </p:ext>
-    </p:extLst>
   </p:cSld>
   <p:clrMapOvr>
     <a:masterClrMapping/>
@@ -2472,13 +2537,7 @@
       </p:grpSpPr>
       <p:sp>
         <p:nvSpPr>
-          <p:cNvPr id="2" name="标题 1">
-            <a:extLst>
-              <a:ext uri="{FF2B5EF4-FFF2-40B4-BE49-F238E27FC236}">
-                <a16:creationId xmlns:a16="http://schemas.microsoft.com/office/drawing/2014/main" id="{F8543E17-AFB4-4F43-9FFF-DF38EF919102}"/>
-              </a:ext>
-            </a:extLst>
-          </p:cNvPr>
+          <p:cNvPr id="2" name="标题 1"/>
           <p:cNvSpPr>
             <a:spLocks noGrp="1"/>
           </p:cNvSpPr>
@@ -2504,18 +2563,13 @@
               <a:rPr lang="zh-CN" altLang="en-US"/>
               <a:t>单击此处编辑母版标题样式</a:t>
             </a:r>
-          </a:p>
-        </p:txBody>
-      </p:sp>
-      <p:sp>
-        <p:nvSpPr>
-          <p:cNvPr id="3" name="图片占位符 2">
-            <a:extLst>
-              <a:ext uri="{FF2B5EF4-FFF2-40B4-BE49-F238E27FC236}">
-                <a16:creationId xmlns:a16="http://schemas.microsoft.com/office/drawing/2014/main" id="{4C801280-C49A-49EC-9947-CA801C4FE30C}"/>
-              </a:ext>
-            </a:extLst>
-          </p:cNvPr>
+            <a:endParaRPr lang="zh-CN" altLang="en-US"/>
+          </a:p>
+        </p:txBody>
+      </p:sp>
+      <p:sp>
+        <p:nvSpPr>
+          <p:cNvPr id="3" name="图片占位符 2"/>
           <p:cNvSpPr>
             <a:spLocks noGrp="1"/>
           </p:cNvSpPr>
@@ -2576,18 +2630,12 @@
       </p:sp>
       <p:sp>
         <p:nvSpPr>
-          <p:cNvPr id="4" name="文本占位符 3">
-            <a:extLst>
-              <a:ext uri="{FF2B5EF4-FFF2-40B4-BE49-F238E27FC236}">
-                <a16:creationId xmlns:a16="http://schemas.microsoft.com/office/drawing/2014/main" id="{DBBF5533-D310-488D-9712-0C201E0B02A2}"/>
-              </a:ext>
-            </a:extLst>
-          </p:cNvPr>
-          <p:cNvSpPr>
-            <a:spLocks noGrp="1"/>
-          </p:cNvSpPr>
-          <p:nvPr>
-            <p:ph type="body" sz="half" idx="2"/>
+          <p:cNvPr id="4" name="文本占位符 3"/>
+          <p:cNvSpPr>
+            <a:spLocks noGrp="1"/>
+          </p:cNvSpPr>
+          <p:nvPr>
+            <p:ph type="body" sz="half" idx="2" hasCustomPrompt="1"/>
           </p:nvPr>
         </p:nvSpPr>
         <p:spPr>
@@ -2642,18 +2690,13 @@
               <a:rPr lang="zh-CN" altLang="en-US"/>
               <a:t>编辑母版文本样式</a:t>
             </a:r>
-          </a:p>
-        </p:txBody>
-      </p:sp>
-      <p:sp>
-        <p:nvSpPr>
-          <p:cNvPr id="5" name="日期占位符 4">
-            <a:extLst>
-              <a:ext uri="{FF2B5EF4-FFF2-40B4-BE49-F238E27FC236}">
-                <a16:creationId xmlns:a16="http://schemas.microsoft.com/office/drawing/2014/main" id="{EF7FA6D7-2FA5-4B6B-A166-9DFA5953ED17}"/>
-              </a:ext>
-            </a:extLst>
-          </p:cNvPr>
+            <a:endParaRPr lang="zh-CN" altLang="en-US"/>
+          </a:p>
+        </p:txBody>
+      </p:sp>
+      <p:sp>
+        <p:nvSpPr>
+          <p:cNvPr id="5" name="日期占位符 4"/>
           <p:cNvSpPr>
             <a:spLocks noGrp="1"/>
           </p:cNvSpPr>
@@ -2668,7 +2711,6 @@
           <a:p>
             <a:fld id="{65A4CC4F-240B-48B2-9875-9FFECA511A72}" type="datetimeFigureOut">
               <a:rPr lang="zh-CN" altLang="en-US" smtClean="0"/>
-              <a:t>2018/8/15</a:t>
             </a:fld>
             <a:endParaRPr lang="zh-CN" altLang="en-US"/>
           </a:p>
@@ -2676,13 +2718,7 @@
       </p:sp>
       <p:sp>
         <p:nvSpPr>
-          <p:cNvPr id="6" name="页脚占位符 5">
-            <a:extLst>
-              <a:ext uri="{FF2B5EF4-FFF2-40B4-BE49-F238E27FC236}">
-                <a16:creationId xmlns:a16="http://schemas.microsoft.com/office/drawing/2014/main" id="{A462BEBC-D6DC-4713-8865-3CE10D10F088}"/>
-              </a:ext>
-            </a:extLst>
-          </p:cNvPr>
+          <p:cNvPr id="6" name="页脚占位符 5"/>
           <p:cNvSpPr>
             <a:spLocks noGrp="1"/>
           </p:cNvSpPr>
@@ -2701,13 +2737,7 @@
       </p:sp>
       <p:sp>
         <p:nvSpPr>
-          <p:cNvPr id="7" name="灯片编号占位符 6">
-            <a:extLst>
-              <a:ext uri="{FF2B5EF4-FFF2-40B4-BE49-F238E27FC236}">
-                <a16:creationId xmlns:a16="http://schemas.microsoft.com/office/drawing/2014/main" id="{948E7AFF-9F77-4771-814B-8447E2D5A4BE}"/>
-              </a:ext>
-            </a:extLst>
-          </p:cNvPr>
+          <p:cNvPr id="7" name="灯片编号占位符 6"/>
           <p:cNvSpPr>
             <a:spLocks noGrp="1"/>
           </p:cNvSpPr>
@@ -2722,18 +2752,12 @@
           <a:p>
             <a:fld id="{2522261A-70BC-440D-899D-E59AC534ED89}" type="slidenum">
               <a:rPr lang="zh-CN" altLang="en-US" smtClean="0"/>
-              <a:t>‹#›</a:t>
             </a:fld>
             <a:endParaRPr lang="zh-CN" altLang="en-US"/>
           </a:p>
         </p:txBody>
       </p:sp>
     </p:spTree>
-    <p:extLst>
-      <p:ext uri="{BB962C8B-B14F-4D97-AF65-F5344CB8AC3E}">
-        <p14:creationId xmlns:p14="http://schemas.microsoft.com/office/powerpoint/2010/main" val="1141998729"/>
-      </p:ext>
-    </p:extLst>
   </p:cSld>
   <p:clrMapOvr>
     <a:masterClrMapping/>
@@ -2765,13 +2789,7 @@
       </p:grpSpPr>
       <p:sp>
         <p:nvSpPr>
-          <p:cNvPr id="2" name="标题占位符 1">
-            <a:extLst>
-              <a:ext uri="{FF2B5EF4-FFF2-40B4-BE49-F238E27FC236}">
-                <a16:creationId xmlns:a16="http://schemas.microsoft.com/office/drawing/2014/main" id="{541C91AE-4A90-41EB-A899-6504835057AE}"/>
-              </a:ext>
-            </a:extLst>
-          </p:cNvPr>
+          <p:cNvPr id="2" name="标题占位符 1"/>
           <p:cNvSpPr>
             <a:spLocks noGrp="1"/>
           </p:cNvSpPr>
@@ -2798,18 +2816,13 @@
               <a:rPr lang="zh-CN" altLang="en-US"/>
               <a:t>单击此处编辑母版标题样式</a:t>
             </a:r>
-          </a:p>
-        </p:txBody>
-      </p:sp>
-      <p:sp>
-        <p:nvSpPr>
-          <p:cNvPr id="3" name="文本占位符 2">
-            <a:extLst>
-              <a:ext uri="{FF2B5EF4-FFF2-40B4-BE49-F238E27FC236}">
-                <a16:creationId xmlns:a16="http://schemas.microsoft.com/office/drawing/2014/main" id="{7CF77670-C003-4F31-B4BB-4AFDBC1CDC85}"/>
-              </a:ext>
-            </a:extLst>
-          </p:cNvPr>
+            <a:endParaRPr lang="zh-CN" altLang="en-US"/>
+          </a:p>
+        </p:txBody>
+      </p:sp>
+      <p:sp>
+        <p:nvSpPr>
+          <p:cNvPr id="3" name="文本占位符 2"/>
           <p:cNvSpPr>
             <a:spLocks noGrp="1"/>
           </p:cNvSpPr>
@@ -2837,6 +2850,7 @@
               <a:rPr lang="zh-CN" altLang="en-US"/>
               <a:t>编辑母版文本样式</a:t>
             </a:r>
+            <a:endParaRPr lang="zh-CN" altLang="en-US"/>
           </a:p>
           <a:p>
             <a:pPr lvl="1"/>
@@ -2844,6 +2858,7 @@
               <a:rPr lang="zh-CN" altLang="en-US"/>
               <a:t>第二级</a:t>
             </a:r>
+            <a:endParaRPr lang="zh-CN" altLang="en-US"/>
           </a:p>
           <a:p>
             <a:pPr lvl="2"/>
@@ -2851,6 +2866,7 @@
               <a:rPr lang="zh-CN" altLang="en-US"/>
               <a:t>第三级</a:t>
             </a:r>
+            <a:endParaRPr lang="zh-CN" altLang="en-US"/>
           </a:p>
           <a:p>
             <a:pPr lvl="3"/>
@@ -2858,6 +2874,7 @@
               <a:rPr lang="zh-CN" altLang="en-US"/>
               <a:t>第四级</a:t>
             </a:r>
+            <a:endParaRPr lang="zh-CN" altLang="en-US"/>
           </a:p>
           <a:p>
             <a:pPr lvl="4"/>
@@ -2865,18 +2882,13 @@
               <a:rPr lang="zh-CN" altLang="en-US"/>
               <a:t>第五级</a:t>
             </a:r>
-          </a:p>
-        </p:txBody>
-      </p:sp>
-      <p:sp>
-        <p:nvSpPr>
-          <p:cNvPr id="4" name="日期占位符 3">
-            <a:extLst>
-              <a:ext uri="{FF2B5EF4-FFF2-40B4-BE49-F238E27FC236}">
-                <a16:creationId xmlns:a16="http://schemas.microsoft.com/office/drawing/2014/main" id="{84A0FEA2-343A-4E28-A9DC-1FC81D02E0E0}"/>
-              </a:ext>
-            </a:extLst>
-          </p:cNvPr>
+            <a:endParaRPr lang="zh-CN" altLang="en-US"/>
+          </a:p>
+        </p:txBody>
+      </p:sp>
+      <p:sp>
+        <p:nvSpPr>
+          <p:cNvPr id="4" name="日期占位符 3"/>
           <p:cNvSpPr>
             <a:spLocks noGrp="1"/>
           </p:cNvSpPr>
@@ -2909,7 +2921,6 @@
           <a:p>
             <a:fld id="{65A4CC4F-240B-48B2-9875-9FFECA511A72}" type="datetimeFigureOut">
               <a:rPr lang="zh-CN" altLang="en-US" smtClean="0"/>
-              <a:t>2018/8/15</a:t>
             </a:fld>
             <a:endParaRPr lang="zh-CN" altLang="en-US"/>
           </a:p>
@@ -2917,13 +2928,7 @@
       </p:sp>
       <p:sp>
         <p:nvSpPr>
-          <p:cNvPr id="5" name="页脚占位符 4">
-            <a:extLst>
-              <a:ext uri="{FF2B5EF4-FFF2-40B4-BE49-F238E27FC236}">
-                <a16:creationId xmlns:a16="http://schemas.microsoft.com/office/drawing/2014/main" id="{10575C02-79F9-48E3-BF30-62E7D50BF418}"/>
-              </a:ext>
-            </a:extLst>
-          </p:cNvPr>
+          <p:cNvPr id="5" name="页脚占位符 4"/>
           <p:cNvSpPr>
             <a:spLocks noGrp="1"/>
           </p:cNvSpPr>
@@ -2960,13 +2965,7 @@
       </p:sp>
       <p:sp>
         <p:nvSpPr>
-          <p:cNvPr id="6" name="灯片编号占位符 5">
-            <a:extLst>
-              <a:ext uri="{FF2B5EF4-FFF2-40B4-BE49-F238E27FC236}">
-                <a16:creationId xmlns:a16="http://schemas.microsoft.com/office/drawing/2014/main" id="{73318A94-8912-4F7A-A30D-C078347C39D0}"/>
-              </a:ext>
-            </a:extLst>
-          </p:cNvPr>
+          <p:cNvPr id="6" name="灯片编号占位符 5"/>
           <p:cNvSpPr>
             <a:spLocks noGrp="1"/>
           </p:cNvSpPr>
@@ -2999,18 +2998,12 @@
           <a:p>
             <a:fld id="{2522261A-70BC-440D-899D-E59AC534ED89}" type="slidenum">
               <a:rPr lang="zh-CN" altLang="en-US" smtClean="0"/>
-              <a:t>‹#›</a:t>
             </a:fld>
             <a:endParaRPr lang="zh-CN" altLang="en-US"/>
           </a:p>
         </p:txBody>
       </p:sp>
     </p:spTree>
-    <p:extLst>
-      <p:ext uri="{BB962C8B-B14F-4D97-AF65-F5344CB8AC3E}">
-        <p14:creationId xmlns:p14="http://schemas.microsoft.com/office/powerpoint/2010/main" val="3112468111"/>
-      </p:ext>
-    </p:extLst>
   </p:cSld>
   <p:clrMap bg1="lt1" tx1="dk1" bg2="lt2" tx2="dk2" accent1="accent1" accent2="accent2" accent3="accent3" accent4="accent4" accent5="accent5" accent6="accent6" hlink="hlink" folHlink="folHlink"/>
   <p:sldLayoutIdLst>
@@ -3328,13 +3321,7 @@
       </p:grpSpPr>
       <p:sp>
         <p:nvSpPr>
-          <p:cNvPr id="12" name="矩形 11">
-            <a:extLst>
-              <a:ext uri="{FF2B5EF4-FFF2-40B4-BE49-F238E27FC236}">
-                <a16:creationId xmlns:a16="http://schemas.microsoft.com/office/drawing/2014/main" id="{96F4F501-A0BF-428B-B96A-BBB4908AB4CA}"/>
-              </a:ext>
-            </a:extLst>
-          </p:cNvPr>
+          <p:cNvPr id="12" name="矩形 11"/>
           <p:cNvSpPr/>
           <p:nvPr/>
         </p:nvSpPr>
@@ -3346,7 +3333,6 @@
           <a:prstGeom prst="rect">
             <a:avLst/>
           </a:prstGeom>
-          <a:ln/>
         </p:spPr>
         <p:style>
           <a:lnRef idx="1">
@@ -3384,13 +3370,7 @@
       </p:sp>
       <p:sp>
         <p:nvSpPr>
-          <p:cNvPr id="2" name="矩形 1">
-            <a:extLst>
-              <a:ext uri="{FF2B5EF4-FFF2-40B4-BE49-F238E27FC236}">
-                <a16:creationId xmlns:a16="http://schemas.microsoft.com/office/drawing/2014/main" id="{D26D91AE-65F9-48D1-A35E-370B14CFE2A8}"/>
-              </a:ext>
-            </a:extLst>
-          </p:cNvPr>
+          <p:cNvPr id="2" name="矩形 1"/>
           <p:cNvSpPr/>
           <p:nvPr/>
         </p:nvSpPr>
@@ -3441,13 +3421,7 @@
       </p:sp>
       <p:sp>
         <p:nvSpPr>
-          <p:cNvPr id="3" name="矩形 2">
-            <a:extLst>
-              <a:ext uri="{FF2B5EF4-FFF2-40B4-BE49-F238E27FC236}">
-                <a16:creationId xmlns:a16="http://schemas.microsoft.com/office/drawing/2014/main" id="{9C6E9F17-6D38-456D-99CA-B9BFFCC819CF}"/>
-              </a:ext>
-            </a:extLst>
-          </p:cNvPr>
+          <p:cNvPr id="3" name="矩形 2"/>
           <p:cNvSpPr/>
           <p:nvPr/>
         </p:nvSpPr>
@@ -3459,7 +3433,6 @@
           <a:prstGeom prst="rect">
             <a:avLst/>
           </a:prstGeom>
-          <a:ln/>
         </p:spPr>
         <p:style>
           <a:lnRef idx="1">
@@ -3497,13 +3470,7 @@
       </p:sp>
       <p:sp>
         <p:nvSpPr>
-          <p:cNvPr id="6" name="矩形 5">
-            <a:extLst>
-              <a:ext uri="{FF2B5EF4-FFF2-40B4-BE49-F238E27FC236}">
-                <a16:creationId xmlns:a16="http://schemas.microsoft.com/office/drawing/2014/main" id="{A60A9455-9145-4403-B42E-23F13E0B368D}"/>
-              </a:ext>
-            </a:extLst>
-          </p:cNvPr>
+          <p:cNvPr id="6" name="矩形 5"/>
           <p:cNvSpPr/>
           <p:nvPr/>
         </p:nvSpPr>
@@ -3545,7 +3512,7 @@
                 <a:ea typeface="Tahoma" panose="020B0604030504040204" pitchFamily="34" charset="0"/>
                 <a:cs typeface="Tahoma" panose="020B0604030504040204" pitchFamily="34" charset="0"/>
               </a:rPr>
-              <a:t>Plugins ThirdLib</a:t>
+              <a:t>ThirdLib</a:t>
             </a:r>
             <a:endParaRPr lang="zh-CN" altLang="en-US" dirty="0">
               <a:latin typeface="Tahoma" panose="020B0604030504040204" pitchFamily="34" charset="0"/>
@@ -3557,20 +3524,14 @@
       </p:sp>
       <p:sp>
         <p:nvSpPr>
-          <p:cNvPr id="4" name="矩形 3">
-            <a:extLst>
-              <a:ext uri="{FF2B5EF4-FFF2-40B4-BE49-F238E27FC236}">
-                <a16:creationId xmlns:a16="http://schemas.microsoft.com/office/drawing/2014/main" id="{04467E42-50FA-4BF7-BBF4-F2DFF8DD8946}"/>
-              </a:ext>
-            </a:extLst>
-          </p:cNvPr>
+          <p:cNvPr id="4" name="矩形 3"/>
           <p:cNvSpPr/>
           <p:nvPr/>
         </p:nvSpPr>
         <p:spPr>
           <a:xfrm>
-            <a:off x="7164222" y="5786856"/>
-            <a:ext cx="1009310" cy="538619"/>
+            <a:off x="7094855" y="5744845"/>
+            <a:ext cx="871220" cy="371475"/>
           </a:xfrm>
           <a:prstGeom prst="rect">
             <a:avLst/>
@@ -3606,11 +3567,11 @@
                 <a:ea typeface="Tahoma" panose="020B0604030504040204" pitchFamily="34" charset="0"/>
                 <a:cs typeface="Tahoma" panose="020B0604030504040204" pitchFamily="34" charset="0"/>
               </a:rPr>
-              <a:t>ILRuntime</a:t>
-            </a:r>
-            <a:endParaRPr lang="zh-CN" altLang="en-US" dirty="0">
+              <a:t>hybridclr</a:t>
+            </a:r>
+            <a:endParaRPr lang="en-US" altLang="zh-CN" sz="1400" dirty="0">
               <a:latin typeface="Tahoma" panose="020B0604030504040204" pitchFamily="34" charset="0"/>
-              <a:ea typeface="方正姚体" panose="02010601030101010101" pitchFamily="2" charset="-122"/>
+              <a:ea typeface="Tahoma" panose="020B0604030504040204" pitchFamily="34" charset="0"/>
               <a:cs typeface="Tahoma" panose="020B0604030504040204" pitchFamily="34" charset="0"/>
             </a:endParaRPr>
           </a:p>
@@ -3618,20 +3579,14 @@
       </p:sp>
       <p:sp>
         <p:nvSpPr>
-          <p:cNvPr id="5" name="矩形 4">
-            <a:extLst>
-              <a:ext uri="{FF2B5EF4-FFF2-40B4-BE49-F238E27FC236}">
-                <a16:creationId xmlns:a16="http://schemas.microsoft.com/office/drawing/2014/main" id="{B5B163F4-18A4-4129-A261-F68485839832}"/>
-              </a:ext>
-            </a:extLst>
-          </p:cNvPr>
+          <p:cNvPr id="5" name="矩形 4"/>
           <p:cNvSpPr/>
           <p:nvPr/>
         </p:nvSpPr>
         <p:spPr>
           <a:xfrm>
-            <a:off x="8173533" y="5790858"/>
-            <a:ext cx="863936" cy="533742"/>
+            <a:off x="7966075" y="5744210"/>
+            <a:ext cx="1219200" cy="372110"/>
           </a:xfrm>
           <a:prstGeom prst="rect">
             <a:avLst/>
@@ -3664,12 +3619,12 @@
             <a:r>
               <a:rPr lang="en-US" altLang="zh-CN" sz="1400" dirty="0">
                 <a:latin typeface="Tahoma" panose="020B0604030504040204" pitchFamily="34" charset="0"/>
-                <a:ea typeface="Tahoma" panose="020B0604030504040204" pitchFamily="34" charset="0"/>
+                <a:ea typeface="方正姚体" panose="02010601030101010101" pitchFamily="2" charset="-122"/>
                 <a:cs typeface="Tahoma" panose="020B0604030504040204" pitchFamily="34" charset="0"/>
               </a:rPr>
-              <a:t>ETClient</a:t>
-            </a:r>
-            <a:endParaRPr lang="zh-CN" altLang="en-US" sz="1400" dirty="0">
+              <a:t>TouchSocket</a:t>
+            </a:r>
+            <a:endParaRPr lang="en-US" altLang="zh-CN" sz="1400" dirty="0">
               <a:latin typeface="Tahoma" panose="020B0604030504040204" pitchFamily="34" charset="0"/>
               <a:ea typeface="方正姚体" panose="02010601030101010101" pitchFamily="2" charset="-122"/>
               <a:cs typeface="Tahoma" panose="020B0604030504040204" pitchFamily="34" charset="0"/>
@@ -3679,20 +3634,14 @@
       </p:sp>
       <p:sp>
         <p:nvSpPr>
-          <p:cNvPr id="7" name="矩形 6">
-            <a:extLst>
-              <a:ext uri="{FF2B5EF4-FFF2-40B4-BE49-F238E27FC236}">
-                <a16:creationId xmlns:a16="http://schemas.microsoft.com/office/drawing/2014/main" id="{2B27FEC9-5DA7-41AD-B154-01F2F1D53EAA}"/>
-              </a:ext>
-            </a:extLst>
-          </p:cNvPr>
+          <p:cNvPr id="7" name="矩形 6"/>
           <p:cNvSpPr/>
           <p:nvPr/>
         </p:nvSpPr>
         <p:spPr>
           <a:xfrm>
-            <a:off x="1070975" y="5787024"/>
-            <a:ext cx="1144735" cy="538620"/>
+            <a:off x="890270" y="5786755"/>
+            <a:ext cx="593090" cy="538480"/>
           </a:xfrm>
           <a:prstGeom prst="rect">
             <a:avLst/>
@@ -3723,16 +3672,16 @@
           <a:p>
             <a:pPr algn="ctr"/>
             <a:r>
-              <a:rPr lang="en-US" altLang="zh-CN" dirty="0">
+              <a:rPr lang="en-US" altLang="zh-CN" sz="1400" dirty="0">
                 <a:latin typeface="Tahoma" panose="020B0604030504040204" pitchFamily="34" charset="0"/>
                 <a:ea typeface="Tahoma" panose="020B0604030504040204" pitchFamily="34" charset="0"/>
                 <a:cs typeface="Tahoma" panose="020B0604030504040204" pitchFamily="34" charset="0"/>
               </a:rPr>
-              <a:t>WindJson</a:t>
-            </a:r>
-            <a:endParaRPr lang="zh-CN" altLang="en-US" dirty="0">
+              <a:t>Pool</a:t>
+            </a:r>
+            <a:endParaRPr lang="en-US" altLang="zh-CN" sz="1400" dirty="0">
               <a:latin typeface="Tahoma" panose="020B0604030504040204" pitchFamily="34" charset="0"/>
-              <a:ea typeface="方正姚体" panose="02010601030101010101" pitchFamily="2" charset="-122"/>
+              <a:ea typeface="Tahoma" panose="020B0604030504040204" pitchFamily="34" charset="0"/>
               <a:cs typeface="Tahoma" panose="020B0604030504040204" pitchFamily="34" charset="0"/>
             </a:endParaRPr>
           </a:p>
@@ -3740,19 +3689,13 @@
       </p:sp>
       <p:sp>
         <p:nvSpPr>
-          <p:cNvPr id="8" name="矩形 7">
-            <a:extLst>
-              <a:ext uri="{FF2B5EF4-FFF2-40B4-BE49-F238E27FC236}">
-                <a16:creationId xmlns:a16="http://schemas.microsoft.com/office/drawing/2014/main" id="{1A540C98-AFC9-49CD-8F7B-CEDDC7D04043}"/>
-              </a:ext>
-            </a:extLst>
-          </p:cNvPr>
+          <p:cNvPr id="8" name="矩形 7"/>
           <p:cNvSpPr/>
           <p:nvPr/>
         </p:nvSpPr>
         <p:spPr>
           <a:xfrm>
-            <a:off x="2361612" y="5787024"/>
+            <a:off x="1483407" y="5787659"/>
             <a:ext cx="1175493" cy="538620"/>
           </a:xfrm>
           <a:prstGeom prst="rect">
@@ -3784,14 +3727,14 @@
           <a:p>
             <a:pPr algn="ctr"/>
             <a:r>
-              <a:rPr lang="en-US" altLang="zh-CN" dirty="0">
+              <a:rPr lang="en-US" altLang="zh-CN" sz="1400" dirty="0">
                 <a:latin typeface="Tahoma" panose="020B0604030504040204" pitchFamily="34" charset="0"/>
-                <a:ea typeface="Tahoma" panose="020B0604030504040204" pitchFamily="34" charset="0"/>
+                <a:ea typeface="方正姚体" panose="02010601030101010101" pitchFamily="2" charset="-122"/>
                 <a:cs typeface="Tahoma" panose="020B0604030504040204" pitchFamily="34" charset="0"/>
               </a:rPr>
-              <a:t>Coroutine</a:t>
-            </a:r>
-            <a:endParaRPr lang="zh-CN" altLang="en-US" dirty="0">
+              <a:t>Async/Await</a:t>
+            </a:r>
+            <a:endParaRPr lang="en-US" altLang="zh-CN" sz="1400" dirty="0">
               <a:latin typeface="Tahoma" panose="020B0604030504040204" pitchFamily="34" charset="0"/>
               <a:ea typeface="方正姚体" panose="02010601030101010101" pitchFamily="2" charset="-122"/>
               <a:cs typeface="Tahoma" panose="020B0604030504040204" pitchFamily="34" charset="0"/>
@@ -3801,20 +3744,14 @@
       </p:sp>
       <p:sp>
         <p:nvSpPr>
-          <p:cNvPr id="9" name="矩形 8">
-            <a:extLst>
-              <a:ext uri="{FF2B5EF4-FFF2-40B4-BE49-F238E27FC236}">
-                <a16:creationId xmlns:a16="http://schemas.microsoft.com/office/drawing/2014/main" id="{FC02C6E4-FBA6-4E0B-A9EC-B1503C491196}"/>
-              </a:ext>
-            </a:extLst>
-          </p:cNvPr>
+          <p:cNvPr id="9" name="矩形 8"/>
           <p:cNvSpPr/>
           <p:nvPr/>
         </p:nvSpPr>
         <p:spPr>
           <a:xfrm>
-            <a:off x="3683007" y="5787024"/>
-            <a:ext cx="1109335" cy="538620"/>
+            <a:off x="2658745" y="5788025"/>
+            <a:ext cx="1141730" cy="538480"/>
           </a:xfrm>
           <a:prstGeom prst="rect">
             <a:avLst/>
@@ -3845,14 +3782,14 @@
           <a:p>
             <a:pPr algn="ctr"/>
             <a:r>
-              <a:rPr lang="en-US" altLang="zh-CN" dirty="0">
+              <a:rPr lang="en-US" altLang="zh-CN" sz="1400" dirty="0">
                 <a:latin typeface="Tahoma" panose="020B0604030504040204" pitchFamily="34" charset="0"/>
-                <a:ea typeface="Tahoma" panose="020B0604030504040204" pitchFamily="34" charset="0"/>
+                <a:ea typeface="方正姚体" panose="02010601030101010101" pitchFamily="2" charset="-122"/>
                 <a:cs typeface="Tahoma" panose="020B0604030504040204" pitchFamily="34" charset="0"/>
               </a:rPr>
-              <a:t>Serializer</a:t>
-            </a:r>
-            <a:endParaRPr lang="zh-CN" altLang="en-US" dirty="0">
+              <a:t>Localization</a:t>
+            </a:r>
+            <a:endParaRPr lang="en-US" altLang="zh-CN" sz="1400" dirty="0">
               <a:latin typeface="Tahoma" panose="020B0604030504040204" pitchFamily="34" charset="0"/>
               <a:ea typeface="方正姚体" panose="02010601030101010101" pitchFamily="2" charset="-122"/>
               <a:cs typeface="Tahoma" panose="020B0604030504040204" pitchFamily="34" charset="0"/>
@@ -3862,20 +3799,14 @@
       </p:sp>
       <p:sp>
         <p:nvSpPr>
-          <p:cNvPr id="10" name="矩形 9">
-            <a:extLst>
-              <a:ext uri="{FF2B5EF4-FFF2-40B4-BE49-F238E27FC236}">
-                <a16:creationId xmlns:a16="http://schemas.microsoft.com/office/drawing/2014/main" id="{0B862D95-2540-4A8A-909D-7467CA6B6EBB}"/>
-              </a:ext>
-            </a:extLst>
-          </p:cNvPr>
+          <p:cNvPr id="10" name="矩形 9"/>
           <p:cNvSpPr/>
           <p:nvPr/>
         </p:nvSpPr>
         <p:spPr>
           <a:xfrm>
-            <a:off x="4946713" y="5787024"/>
-            <a:ext cx="712417" cy="538620"/>
+            <a:off x="3800475" y="5788025"/>
+            <a:ext cx="653415" cy="538480"/>
           </a:xfrm>
           <a:prstGeom prst="rect">
             <a:avLst/>
@@ -3906,16 +3837,16 @@
           <a:p>
             <a:pPr algn="ctr"/>
             <a:r>
-              <a:rPr lang="en-US" altLang="zh-CN" dirty="0">
+              <a:rPr lang="en-US" altLang="zh-CN" sz="1400" dirty="0">
                 <a:latin typeface="Tahoma" panose="020B0604030504040204" pitchFamily="34" charset="0"/>
                 <a:ea typeface="Tahoma" panose="020B0604030504040204" pitchFamily="34" charset="0"/>
                 <a:cs typeface="Tahoma" panose="020B0604030504040204" pitchFamily="34" charset="0"/>
               </a:rPr>
-              <a:t>Math</a:t>
-            </a:r>
-            <a:endParaRPr lang="zh-CN" altLang="en-US" dirty="0">
+              <a:t>Event</a:t>
+            </a:r>
+            <a:endParaRPr lang="en-US" altLang="zh-CN" sz="1400" dirty="0">
               <a:latin typeface="Tahoma" panose="020B0604030504040204" pitchFamily="34" charset="0"/>
-              <a:ea typeface="方正姚体" panose="02010601030101010101" pitchFamily="2" charset="-122"/>
+              <a:ea typeface="Tahoma" panose="020B0604030504040204" pitchFamily="34" charset="0"/>
               <a:cs typeface="Tahoma" panose="020B0604030504040204" pitchFamily="34" charset="0"/>
             </a:endParaRPr>
           </a:p>
@@ -3923,20 +3854,14 @@
       </p:sp>
       <p:sp>
         <p:nvSpPr>
-          <p:cNvPr id="11" name="矩形 10">
-            <a:extLst>
-              <a:ext uri="{FF2B5EF4-FFF2-40B4-BE49-F238E27FC236}">
-                <a16:creationId xmlns:a16="http://schemas.microsoft.com/office/drawing/2014/main" id="{A2EDFA4B-81E4-4272-A40E-E1D8EE84AC24}"/>
-              </a:ext>
-            </a:extLst>
-          </p:cNvPr>
+          <p:cNvPr id="11" name="矩形 10"/>
           <p:cNvSpPr/>
           <p:nvPr/>
         </p:nvSpPr>
         <p:spPr>
           <a:xfrm>
-            <a:off x="5805032" y="5787024"/>
-            <a:ext cx="1109335" cy="538620"/>
+            <a:off x="4453890" y="5788025"/>
+            <a:ext cx="797560" cy="538480"/>
           </a:xfrm>
           <a:prstGeom prst="rect">
             <a:avLst/>
@@ -3967,14 +3892,14 @@
           <a:p>
             <a:pPr algn="ctr"/>
             <a:r>
-              <a:rPr lang="en-US" altLang="zh-CN" dirty="0">
+              <a:rPr lang="en-US" altLang="zh-CN" sz="1400" dirty="0">
                 <a:latin typeface="Tahoma" panose="020B0604030504040204" pitchFamily="34" charset="0"/>
-                <a:ea typeface="Tahoma" panose="020B0604030504040204" pitchFamily="34" charset="0"/>
+                <a:ea typeface="方正姚体" panose="02010601030101010101" pitchFamily="2" charset="-122"/>
                 <a:cs typeface="Tahoma" panose="020B0604030504040204" pitchFamily="34" charset="0"/>
               </a:rPr>
-              <a:t>Assist</a:t>
-            </a:r>
-            <a:endParaRPr lang="zh-CN" altLang="en-US" dirty="0">
+              <a:t>Type Resolve</a:t>
+            </a:r>
+            <a:endParaRPr lang="en-US" altLang="zh-CN" sz="1400" dirty="0">
               <a:latin typeface="Tahoma" panose="020B0604030504040204" pitchFamily="34" charset="0"/>
               <a:ea typeface="方正姚体" panose="02010601030101010101" pitchFamily="2" charset="-122"/>
               <a:cs typeface="Tahoma" panose="020B0604030504040204" pitchFamily="34" charset="0"/>
@@ -3984,20 +3909,14 @@
       </p:sp>
       <p:sp>
         <p:nvSpPr>
-          <p:cNvPr id="13" name="矩形 12">
-            <a:extLst>
-              <a:ext uri="{FF2B5EF4-FFF2-40B4-BE49-F238E27FC236}">
-                <a16:creationId xmlns:a16="http://schemas.microsoft.com/office/drawing/2014/main" id="{176A797A-AAE1-46BE-B582-41E40FA1DC45}"/>
-              </a:ext>
-            </a:extLst>
-          </p:cNvPr>
+          <p:cNvPr id="13" name="矩形 12"/>
           <p:cNvSpPr/>
           <p:nvPr/>
         </p:nvSpPr>
         <p:spPr>
           <a:xfrm>
-            <a:off x="1144461" y="3970750"/>
-            <a:ext cx="3025036" cy="538619"/>
+            <a:off x="1144270" y="3970655"/>
+            <a:ext cx="2125345" cy="538480"/>
           </a:xfrm>
           <a:prstGeom prst="rect">
             <a:avLst/>
@@ -4033,7 +3952,7 @@
                 <a:ea typeface="Tahoma" panose="020B0604030504040204" pitchFamily="34" charset="0"/>
                 <a:cs typeface="Tahoma" panose="020B0604030504040204" pitchFamily="34" charset="0"/>
               </a:rPr>
-              <a:t>Assetbundle Management</a:t>
+              <a:t>Assetbundle</a:t>
             </a:r>
             <a:endParaRPr lang="zh-CN" altLang="en-US" dirty="0">
               <a:latin typeface="Tahoma" panose="020B0604030504040204" pitchFamily="34" charset="0"/>
@@ -4045,20 +3964,14 @@
       </p:sp>
       <p:sp>
         <p:nvSpPr>
-          <p:cNvPr id="14" name="矩形 13">
-            <a:extLst>
-              <a:ext uri="{FF2B5EF4-FFF2-40B4-BE49-F238E27FC236}">
-                <a16:creationId xmlns:a16="http://schemas.microsoft.com/office/drawing/2014/main" id="{5C9B3A9A-32F4-422D-B5B0-8F9A6EA14365}"/>
-              </a:ext>
-            </a:extLst>
-          </p:cNvPr>
+          <p:cNvPr id="14" name="矩形 13"/>
           <p:cNvSpPr/>
           <p:nvPr/>
         </p:nvSpPr>
         <p:spPr>
           <a:xfrm>
-            <a:off x="4361970" y="3970750"/>
-            <a:ext cx="3025036" cy="538619"/>
+            <a:off x="3520440" y="3970655"/>
+            <a:ext cx="2217420" cy="538480"/>
           </a:xfrm>
           <a:prstGeom prst="rect">
             <a:avLst/>
@@ -4094,7 +4007,7 @@
                 <a:ea typeface="Tahoma" panose="020B0604030504040204" pitchFamily="34" charset="0"/>
                 <a:cs typeface="Tahoma" panose="020B0604030504040204" pitchFamily="34" charset="0"/>
               </a:rPr>
-              <a:t>Hotfix Management</a:t>
+              <a:t>Code Hotfix</a:t>
             </a:r>
             <a:endParaRPr lang="zh-CN" altLang="en-US" dirty="0">
               <a:latin typeface="Tahoma" panose="020B0604030504040204" pitchFamily="34" charset="0"/>
@@ -4106,20 +4019,14 @@
       </p:sp>
       <p:sp>
         <p:nvSpPr>
-          <p:cNvPr id="15" name="矩形 14">
-            <a:extLst>
-              <a:ext uri="{FF2B5EF4-FFF2-40B4-BE49-F238E27FC236}">
-                <a16:creationId xmlns:a16="http://schemas.microsoft.com/office/drawing/2014/main" id="{A867AAEF-CD52-4936-A5EF-1F858CD1A0D0}"/>
-              </a:ext>
-            </a:extLst>
-          </p:cNvPr>
+          <p:cNvPr id="15" name="矩形 14"/>
           <p:cNvSpPr/>
           <p:nvPr/>
         </p:nvSpPr>
         <p:spPr>
           <a:xfrm>
-            <a:off x="7577072" y="3970750"/>
-            <a:ext cx="2993392" cy="538619"/>
+            <a:off x="6033135" y="3970655"/>
+            <a:ext cx="2112645" cy="538480"/>
           </a:xfrm>
           <a:prstGeom prst="rect">
             <a:avLst/>
@@ -4167,20 +4074,14 @@
       </p:sp>
       <p:sp>
         <p:nvSpPr>
-          <p:cNvPr id="16" name="矩形 15">
-            <a:extLst>
-              <a:ext uri="{FF2B5EF4-FFF2-40B4-BE49-F238E27FC236}">
-                <a16:creationId xmlns:a16="http://schemas.microsoft.com/office/drawing/2014/main" id="{B449F20F-2B35-4ED4-9B4E-B73B082226DA}"/>
-              </a:ext>
-            </a:extLst>
-          </p:cNvPr>
+          <p:cNvPr id="16" name="矩形 15"/>
           <p:cNvSpPr/>
           <p:nvPr/>
         </p:nvSpPr>
         <p:spPr>
           <a:xfrm>
-            <a:off x="1144461" y="4647156"/>
-            <a:ext cx="3025036" cy="538619"/>
+            <a:off x="1144270" y="4646930"/>
+            <a:ext cx="2125345" cy="538480"/>
           </a:xfrm>
           <a:prstGeom prst="rect">
             <a:avLst/>
@@ -4216,7 +4117,7 @@
                 <a:ea typeface="Tahoma" panose="020B0604030504040204" pitchFamily="34" charset="0"/>
                 <a:cs typeface="Tahoma" panose="020B0604030504040204" pitchFamily="34" charset="0"/>
               </a:rPr>
-              <a:t>Input</a:t>
+              <a:t>GameSave</a:t>
             </a:r>
             <a:endParaRPr lang="zh-CN" altLang="en-US" dirty="0">
               <a:latin typeface="Tahoma" panose="020B0604030504040204" pitchFamily="34" charset="0"/>
@@ -4228,20 +4129,14 @@
       </p:sp>
       <p:sp>
         <p:nvSpPr>
-          <p:cNvPr id="17" name="矩形 16">
-            <a:extLst>
-              <a:ext uri="{FF2B5EF4-FFF2-40B4-BE49-F238E27FC236}">
-                <a16:creationId xmlns:a16="http://schemas.microsoft.com/office/drawing/2014/main" id="{4C6FAA6F-F801-48FD-806C-5D428DAE7241}"/>
-              </a:ext>
-            </a:extLst>
-          </p:cNvPr>
+          <p:cNvPr id="17" name="矩形 16"/>
           <p:cNvSpPr/>
           <p:nvPr/>
         </p:nvSpPr>
         <p:spPr>
           <a:xfrm>
-            <a:off x="4361970" y="4647156"/>
-            <a:ext cx="3025036" cy="538619"/>
+            <a:off x="3520440" y="4647565"/>
+            <a:ext cx="2217420" cy="538480"/>
           </a:xfrm>
           <a:prstGeom prst="rect">
             <a:avLst/>
@@ -4277,7 +4172,7 @@
                 <a:ea typeface="Tahoma" panose="020B0604030504040204" pitchFamily="34" charset="0"/>
                 <a:cs typeface="Tahoma" panose="020B0604030504040204" pitchFamily="34" charset="0"/>
               </a:rPr>
-              <a:t>WindUI</a:t>
+              <a:t>UI/MVMC</a:t>
             </a:r>
             <a:endParaRPr lang="zh-CN" altLang="en-US" dirty="0">
               <a:latin typeface="Tahoma" panose="020B0604030504040204" pitchFamily="34" charset="0"/>
@@ -4289,13 +4184,7 @@
       </p:sp>
       <p:sp>
         <p:nvSpPr>
-          <p:cNvPr id="18" name="矩形 17">
-            <a:extLst>
-              <a:ext uri="{FF2B5EF4-FFF2-40B4-BE49-F238E27FC236}">
-                <a16:creationId xmlns:a16="http://schemas.microsoft.com/office/drawing/2014/main" id="{24C21868-61EC-4BC8-AFB1-3472A86E2A65}"/>
-              </a:ext>
-            </a:extLst>
-          </p:cNvPr>
+          <p:cNvPr id="18" name="矩形 17"/>
           <p:cNvSpPr/>
           <p:nvPr/>
         </p:nvSpPr>
@@ -4307,7 +4196,6 @@
           <a:prstGeom prst="rect">
             <a:avLst/>
           </a:prstGeom>
-          <a:ln/>
         </p:spPr>
         <p:style>
           <a:lnRef idx="1">
@@ -4345,13 +4233,7 @@
       </p:sp>
       <p:sp>
         <p:nvSpPr>
-          <p:cNvPr id="19" name="矩形 18">
-            <a:extLst>
-              <a:ext uri="{FF2B5EF4-FFF2-40B4-BE49-F238E27FC236}">
-                <a16:creationId xmlns:a16="http://schemas.microsoft.com/office/drawing/2014/main" id="{FAB9050A-9B56-4E41-8112-8545E36D8347}"/>
-              </a:ext>
-            </a:extLst>
-          </p:cNvPr>
+          <p:cNvPr id="19" name="矩形 18"/>
           <p:cNvSpPr/>
           <p:nvPr/>
         </p:nvSpPr>
@@ -4400,13 +4282,7 @@
       </p:sp>
       <p:sp>
         <p:nvSpPr>
-          <p:cNvPr id="20" name="矩形 19">
-            <a:extLst>
-              <a:ext uri="{FF2B5EF4-FFF2-40B4-BE49-F238E27FC236}">
-                <a16:creationId xmlns:a16="http://schemas.microsoft.com/office/drawing/2014/main" id="{21C5672E-672A-4BEE-8D07-DD20B6608720}"/>
-              </a:ext>
-            </a:extLst>
-          </p:cNvPr>
+          <p:cNvPr id="20" name="矩形 19"/>
           <p:cNvSpPr/>
           <p:nvPr/>
         </p:nvSpPr>
@@ -4449,7 +4325,7 @@
                 <a:ea typeface="Tahoma" panose="020B0604030504040204" pitchFamily="34" charset="0"/>
                 <a:cs typeface="Tahoma" panose="020B0604030504040204" pitchFamily="34" charset="0"/>
               </a:rPr>
-              <a:t>Orginal Resources</a:t>
+              <a:t>Game Assets</a:t>
             </a:r>
             <a:endParaRPr lang="zh-CN" altLang="en-US" sz="1600" dirty="0">
               <a:latin typeface="Tahoma" panose="020B0604030504040204" pitchFamily="34" charset="0"/>
@@ -4461,13 +4337,7 @@
       </p:sp>
       <p:sp>
         <p:nvSpPr>
-          <p:cNvPr id="22" name="矩形 21">
-            <a:extLst>
-              <a:ext uri="{FF2B5EF4-FFF2-40B4-BE49-F238E27FC236}">
-                <a16:creationId xmlns:a16="http://schemas.microsoft.com/office/drawing/2014/main" id="{3BD83675-DC18-407B-9879-3BCAAA20F0D7}"/>
-              </a:ext>
-            </a:extLst>
-          </p:cNvPr>
+          <p:cNvPr id="22" name="矩形 21"/>
           <p:cNvSpPr/>
           <p:nvPr/>
         </p:nvSpPr>
@@ -4522,13 +4392,7 @@
       </p:sp>
       <p:sp>
         <p:nvSpPr>
-          <p:cNvPr id="26" name="矩形 25">
-            <a:extLst>
-              <a:ext uri="{FF2B5EF4-FFF2-40B4-BE49-F238E27FC236}">
-                <a16:creationId xmlns:a16="http://schemas.microsoft.com/office/drawing/2014/main" id="{E44930FA-99BF-46AC-8F9A-F07FD44B616A}"/>
-              </a:ext>
-            </a:extLst>
-          </p:cNvPr>
+          <p:cNvPr id="26" name="矩形 25"/>
           <p:cNvSpPr/>
           <p:nvPr/>
         </p:nvSpPr>
@@ -4582,25 +4446,18 @@
       </p:sp>
       <p:sp>
         <p:nvSpPr>
-          <p:cNvPr id="27" name="矩形 26">
-            <a:extLst>
-              <a:ext uri="{FF2B5EF4-FFF2-40B4-BE49-F238E27FC236}">
-                <a16:creationId xmlns:a16="http://schemas.microsoft.com/office/drawing/2014/main" id="{F054CECD-DAAC-4AB8-98CB-51A5C3244C37}"/>
-              </a:ext>
-            </a:extLst>
-          </p:cNvPr>
+          <p:cNvPr id="27" name="矩形 26"/>
           <p:cNvSpPr/>
           <p:nvPr/>
         </p:nvSpPr>
         <p:spPr>
           <a:xfrm>
-            <a:off x="1076744" y="2502075"/>
-            <a:ext cx="4366611" cy="879458"/>
+            <a:off x="1067435" y="2501900"/>
+            <a:ext cx="4375785" cy="879475"/>
           </a:xfrm>
           <a:prstGeom prst="rect">
             <a:avLst/>
           </a:prstGeom>
-          <a:ln/>
         </p:spPr>
         <p:style>
           <a:lnRef idx="1">
@@ -4638,13 +4495,7 @@
       </p:sp>
       <p:sp>
         <p:nvSpPr>
-          <p:cNvPr id="31" name="矩形 30">
-            <a:extLst>
-              <a:ext uri="{FF2B5EF4-FFF2-40B4-BE49-F238E27FC236}">
-                <a16:creationId xmlns:a16="http://schemas.microsoft.com/office/drawing/2014/main" id="{11275F6F-25E8-4F92-AD91-E8DF5AD5C1E6}"/>
-              </a:ext>
-            </a:extLst>
-          </p:cNvPr>
+          <p:cNvPr id="31" name="矩形 30"/>
           <p:cNvSpPr/>
           <p:nvPr/>
         </p:nvSpPr>
@@ -4656,7 +4507,6 @@
           <a:prstGeom prst="rect">
             <a:avLst/>
           </a:prstGeom>
-          <a:ln/>
         </p:spPr>
         <p:style>
           <a:lnRef idx="1">
@@ -4683,7 +4533,7 @@
                 <a:ea typeface="Tahoma" panose="020B0604030504040204" pitchFamily="34" charset="0"/>
                 <a:cs typeface="Tahoma" panose="020B0604030504040204" pitchFamily="34" charset="0"/>
               </a:rPr>
-              <a:t>WindUI</a:t>
+              <a:t>TMPFont</a:t>
             </a:r>
             <a:endParaRPr lang="zh-CN" altLang="en-US" sz="1600" dirty="0">
               <a:latin typeface="Tahoma" panose="020B0604030504040204" pitchFamily="34" charset="0"/>
@@ -4695,13 +4545,7 @@
       </p:sp>
       <p:sp>
         <p:nvSpPr>
-          <p:cNvPr id="32" name="矩形 31">
-            <a:extLst>
-              <a:ext uri="{FF2B5EF4-FFF2-40B4-BE49-F238E27FC236}">
-                <a16:creationId xmlns:a16="http://schemas.microsoft.com/office/drawing/2014/main" id="{A3E310E5-EAEB-473E-8595-AEE314122DB9}"/>
-              </a:ext>
-            </a:extLst>
-          </p:cNvPr>
+          <p:cNvPr id="32" name="矩形 31"/>
           <p:cNvSpPr/>
           <p:nvPr/>
         </p:nvSpPr>
@@ -4713,7 +4557,6 @@
           <a:prstGeom prst="rect">
             <a:avLst/>
           </a:prstGeom>
-          <a:ln/>
         </p:spPr>
         <p:style>
           <a:lnRef idx="1">
@@ -4737,12 +4580,12 @@
             <a:r>
               <a:rPr lang="en-US" altLang="zh-CN" sz="1600" dirty="0">
                 <a:latin typeface="Tahoma" panose="020B0604030504040204" pitchFamily="34" charset="0"/>
-                <a:ea typeface="Tahoma" panose="020B0604030504040204" pitchFamily="34" charset="0"/>
+                <a:ea typeface="方正姚体" panose="02010601030101010101" pitchFamily="2" charset="-122"/>
                 <a:cs typeface="Tahoma" panose="020B0604030504040204" pitchFamily="34" charset="0"/>
               </a:rPr>
-              <a:t>GameStage</a:t>
-            </a:r>
-            <a:endParaRPr lang="zh-CN" altLang="en-US" sz="1600" dirty="0">
+              <a:t>Localization</a:t>
+            </a:r>
+            <a:endParaRPr lang="en-US" altLang="zh-CN" sz="1600" dirty="0">
               <a:latin typeface="Tahoma" panose="020B0604030504040204" pitchFamily="34" charset="0"/>
               <a:ea typeface="方正姚体" panose="02010601030101010101" pitchFamily="2" charset="-122"/>
               <a:cs typeface="Tahoma" panose="020B0604030504040204" pitchFamily="34" charset="0"/>
@@ -4752,13 +4595,7 @@
       </p:sp>
       <p:sp>
         <p:nvSpPr>
-          <p:cNvPr id="34" name="矩形 33">
-            <a:extLst>
-              <a:ext uri="{FF2B5EF4-FFF2-40B4-BE49-F238E27FC236}">
-                <a16:creationId xmlns:a16="http://schemas.microsoft.com/office/drawing/2014/main" id="{B8874484-BAE5-46D2-9514-6859DE65209C}"/>
-              </a:ext>
-            </a:extLst>
-          </p:cNvPr>
+          <p:cNvPr id="34" name="矩形 33"/>
           <p:cNvSpPr/>
           <p:nvPr/>
         </p:nvSpPr>
@@ -4813,13 +4650,7 @@
       </p:sp>
       <p:sp>
         <p:nvSpPr>
-          <p:cNvPr id="35" name="矩形 34">
-            <a:extLst>
-              <a:ext uri="{FF2B5EF4-FFF2-40B4-BE49-F238E27FC236}">
-                <a16:creationId xmlns:a16="http://schemas.microsoft.com/office/drawing/2014/main" id="{E603BDB5-9181-46E2-A633-846DA1FF7AF2}"/>
-              </a:ext>
-            </a:extLst>
-          </p:cNvPr>
+          <p:cNvPr id="35" name="矩形 34"/>
           <p:cNvSpPr/>
           <p:nvPr/>
         </p:nvSpPr>
@@ -4874,13 +4705,7 @@
       </p:sp>
       <p:sp>
         <p:nvSpPr>
-          <p:cNvPr id="36" name="矩形 35">
-            <a:extLst>
-              <a:ext uri="{FF2B5EF4-FFF2-40B4-BE49-F238E27FC236}">
-                <a16:creationId xmlns:a16="http://schemas.microsoft.com/office/drawing/2014/main" id="{26B877D2-33FA-4670-9DAA-625E5F45D619}"/>
-              </a:ext>
-            </a:extLst>
-          </p:cNvPr>
+          <p:cNvPr id="36" name="矩形 35"/>
           <p:cNvSpPr/>
           <p:nvPr/>
         </p:nvSpPr>
@@ -4935,13 +4760,7 @@
       </p:sp>
       <p:sp>
         <p:nvSpPr>
-          <p:cNvPr id="37" name="矩形 36">
-            <a:extLst>
-              <a:ext uri="{FF2B5EF4-FFF2-40B4-BE49-F238E27FC236}">
-                <a16:creationId xmlns:a16="http://schemas.microsoft.com/office/drawing/2014/main" id="{5D758602-6739-4F5C-BFAD-D765A6C1B3E8}"/>
-              </a:ext>
-            </a:extLst>
-          </p:cNvPr>
+          <p:cNvPr id="37" name="矩形 36"/>
           <p:cNvSpPr/>
           <p:nvPr/>
         </p:nvSpPr>
@@ -4984,7 +4803,7 @@
                 <a:ea typeface="方正姚体" panose="02010601030101010101" pitchFamily="2" charset="-122"/>
                 <a:cs typeface="Tahoma" panose="020B0604030504040204" pitchFamily="34" charset="0"/>
               </a:rPr>
-              <a:t>Excel Reader</a:t>
+              <a:t>Excel Reader/GameConfig</a:t>
             </a:r>
             <a:endParaRPr lang="zh-CN" altLang="en-US" sz="1600" dirty="0">
               <a:latin typeface="Tahoma" panose="020B0604030504040204" pitchFamily="34" charset="0"/>
@@ -4996,13 +4815,7 @@
       </p:sp>
       <p:sp>
         <p:nvSpPr>
-          <p:cNvPr id="38" name="矩形 37">
-            <a:extLst>
-              <a:ext uri="{FF2B5EF4-FFF2-40B4-BE49-F238E27FC236}">
-                <a16:creationId xmlns:a16="http://schemas.microsoft.com/office/drawing/2014/main" id="{D1C61C13-40A0-4897-B4EB-BAFEFDD9914E}"/>
-              </a:ext>
-            </a:extLst>
-          </p:cNvPr>
+          <p:cNvPr id="38" name="矩形 37"/>
           <p:cNvSpPr/>
           <p:nvPr/>
         </p:nvSpPr>
@@ -5045,7 +4858,7 @@
                 <a:ea typeface="方正姚体" panose="02010601030101010101" pitchFamily="2" charset="-122"/>
                 <a:cs typeface="Tahoma" panose="020B0604030504040204" pitchFamily="34" charset="0"/>
               </a:rPr>
-              <a:t>Script Inspectors</a:t>
+              <a:t>In-game Debug Console</a:t>
             </a:r>
             <a:endParaRPr lang="zh-CN" altLang="en-US" sz="1600" dirty="0">
               <a:latin typeface="Tahoma" panose="020B0604030504040204" pitchFamily="34" charset="0"/>
@@ -5057,13 +4870,7 @@
       </p:sp>
       <p:sp>
         <p:nvSpPr>
-          <p:cNvPr id="39" name="矩形 38">
-            <a:extLst>
-              <a:ext uri="{FF2B5EF4-FFF2-40B4-BE49-F238E27FC236}">
-                <a16:creationId xmlns:a16="http://schemas.microsoft.com/office/drawing/2014/main" id="{4082CC4D-3A36-481D-8021-A41A7467BC36}"/>
-              </a:ext>
-            </a:extLst>
-          </p:cNvPr>
+          <p:cNvPr id="39" name="矩形 38"/>
           <p:cNvSpPr/>
           <p:nvPr/>
         </p:nvSpPr>
@@ -5106,7 +4913,7 @@
                 <a:ea typeface="方正姚体" panose="02010601030101010101" pitchFamily="2" charset="-122"/>
                 <a:cs typeface="Tahoma" panose="020B0604030504040204" pitchFamily="34" charset="0"/>
               </a:rPr>
-              <a:t>Memory Profiler Compare</a:t>
+              <a:t>Code Generator</a:t>
             </a:r>
             <a:endParaRPr lang="zh-CN" altLang="en-US" sz="1600" dirty="0">
               <a:latin typeface="Tahoma" panose="020B0604030504040204" pitchFamily="34" charset="0"/>
@@ -5118,13 +4925,7 @@
       </p:sp>
       <p:sp>
         <p:nvSpPr>
-          <p:cNvPr id="40" name="矩形 39">
-            <a:extLst>
-              <a:ext uri="{FF2B5EF4-FFF2-40B4-BE49-F238E27FC236}">
-                <a16:creationId xmlns:a16="http://schemas.microsoft.com/office/drawing/2014/main" id="{175F021F-5474-44CB-9849-F9A143B468E6}"/>
-              </a:ext>
-            </a:extLst>
-          </p:cNvPr>
+          <p:cNvPr id="40" name="矩形 39"/>
           <p:cNvSpPr/>
           <p:nvPr/>
         </p:nvSpPr>
@@ -5167,7 +4968,7 @@
                 <a:ea typeface="方正姚体" panose="02010601030101010101" pitchFamily="2" charset="-122"/>
                 <a:cs typeface="Tahoma" panose="020B0604030504040204" pitchFamily="34" charset="0"/>
               </a:rPr>
-              <a:t>Effect Tools</a:t>
+              <a:t>Auto Build Pipeline</a:t>
             </a:r>
             <a:endParaRPr lang="zh-CN" altLang="en-US" sz="1600" dirty="0">
               <a:latin typeface="Tahoma" panose="020B0604030504040204" pitchFamily="34" charset="0"/>
@@ -5179,13 +4980,7 @@
       </p:sp>
       <p:sp>
         <p:nvSpPr>
-          <p:cNvPr id="42" name="箭头: 上 41">
-            <a:extLst>
-              <a:ext uri="{FF2B5EF4-FFF2-40B4-BE49-F238E27FC236}">
-                <a16:creationId xmlns:a16="http://schemas.microsoft.com/office/drawing/2014/main" id="{FCEB0CA1-95CD-452A-B8E6-C20DDC6B2BAA}"/>
-              </a:ext>
-            </a:extLst>
-          </p:cNvPr>
+          <p:cNvPr id="42" name="箭头: 上 41"/>
           <p:cNvSpPr/>
           <p:nvPr/>
         </p:nvSpPr>
@@ -5233,13 +5028,7 @@
       </p:sp>
       <p:sp>
         <p:nvSpPr>
-          <p:cNvPr id="43" name="箭头: 上 42">
-            <a:extLst>
-              <a:ext uri="{FF2B5EF4-FFF2-40B4-BE49-F238E27FC236}">
-                <a16:creationId xmlns:a16="http://schemas.microsoft.com/office/drawing/2014/main" id="{27DF9CF0-73AB-4A7E-BAFA-7486F2DC910C}"/>
-              </a:ext>
-            </a:extLst>
-          </p:cNvPr>
+          <p:cNvPr id="43" name="箭头: 上 42"/>
           <p:cNvSpPr/>
           <p:nvPr/>
         </p:nvSpPr>
@@ -5287,13 +5076,7 @@
       </p:sp>
       <p:sp>
         <p:nvSpPr>
-          <p:cNvPr id="44" name="箭头: 上 43">
-            <a:extLst>
-              <a:ext uri="{FF2B5EF4-FFF2-40B4-BE49-F238E27FC236}">
-                <a16:creationId xmlns:a16="http://schemas.microsoft.com/office/drawing/2014/main" id="{12272EA5-9334-49B7-B07B-CCCA9880A7C8}"/>
-              </a:ext>
-            </a:extLst>
-          </p:cNvPr>
+          <p:cNvPr id="44" name="箭头: 上 43"/>
           <p:cNvSpPr/>
           <p:nvPr/>
         </p:nvSpPr>
@@ -5341,13 +5124,7 @@
       </p:sp>
       <p:sp>
         <p:nvSpPr>
-          <p:cNvPr id="45" name="箭头: 上 44">
-            <a:extLst>
-              <a:ext uri="{FF2B5EF4-FFF2-40B4-BE49-F238E27FC236}">
-                <a16:creationId xmlns:a16="http://schemas.microsoft.com/office/drawing/2014/main" id="{E128665E-6ABF-46A0-95A1-71DC5FA7A533}"/>
-              </a:ext>
-            </a:extLst>
-          </p:cNvPr>
+          <p:cNvPr id="45" name="箭头: 上 44"/>
           <p:cNvSpPr/>
           <p:nvPr/>
         </p:nvSpPr>
@@ -5395,13 +5172,7 @@
       </p:sp>
       <p:sp>
         <p:nvSpPr>
-          <p:cNvPr id="41" name="矩形 40">
-            <a:extLst>
-              <a:ext uri="{FF2B5EF4-FFF2-40B4-BE49-F238E27FC236}">
-                <a16:creationId xmlns:a16="http://schemas.microsoft.com/office/drawing/2014/main" id="{43387133-37B5-492F-A637-0552CB1826F2}"/>
-              </a:ext>
-            </a:extLst>
-          </p:cNvPr>
+          <p:cNvPr id="41" name="矩形 40"/>
           <p:cNvSpPr/>
           <p:nvPr/>
         </p:nvSpPr>
@@ -5413,7 +5184,6 @@
           <a:prstGeom prst="rect">
             <a:avLst/>
           </a:prstGeom>
-          <a:ln/>
         </p:spPr>
         <p:style>
           <a:lnRef idx="1">
@@ -5452,20 +5222,14 @@
       </p:sp>
       <p:sp>
         <p:nvSpPr>
-          <p:cNvPr id="46" name="矩形 45">
-            <a:extLst>
-              <a:ext uri="{FF2B5EF4-FFF2-40B4-BE49-F238E27FC236}">
-                <a16:creationId xmlns:a16="http://schemas.microsoft.com/office/drawing/2014/main" id="{A3520FBD-2795-4138-B212-9F52080735B3}"/>
-              </a:ext>
-            </a:extLst>
-          </p:cNvPr>
+          <p:cNvPr id="46" name="矩形 45"/>
           <p:cNvSpPr/>
           <p:nvPr/>
         </p:nvSpPr>
         <p:spPr>
           <a:xfrm>
-            <a:off x="7577072" y="4647155"/>
-            <a:ext cx="2993392" cy="538619"/>
+            <a:off x="6033135" y="4646930"/>
+            <a:ext cx="2112645" cy="538480"/>
           </a:xfrm>
           <a:prstGeom prst="rect">
             <a:avLst/>
@@ -5501,7 +5265,7 @@
                 <a:ea typeface="Tahoma" panose="020B0604030504040204" pitchFamily="34" charset="0"/>
                 <a:cs typeface="Tahoma" panose="020B0604030504040204" pitchFamily="34" charset="0"/>
               </a:rPr>
-              <a:t>Event Management</a:t>
+              <a:t>Serializer</a:t>
             </a:r>
             <a:endParaRPr lang="zh-CN" altLang="en-US" dirty="0">
               <a:latin typeface="Tahoma" panose="020B0604030504040204" pitchFamily="34" charset="0"/>
@@ -5513,20 +5277,14 @@
       </p:sp>
       <p:sp>
         <p:nvSpPr>
-          <p:cNvPr id="47" name="矩形 46">
-            <a:extLst>
-              <a:ext uri="{FF2B5EF4-FFF2-40B4-BE49-F238E27FC236}">
-                <a16:creationId xmlns:a16="http://schemas.microsoft.com/office/drawing/2014/main" id="{F4CB1480-51B8-424A-9878-3AE166371ACA}"/>
-              </a:ext>
-            </a:extLst>
-          </p:cNvPr>
+          <p:cNvPr id="47" name="矩形 46"/>
           <p:cNvSpPr/>
           <p:nvPr/>
         </p:nvSpPr>
         <p:spPr>
           <a:xfrm>
-            <a:off x="9037469" y="5790568"/>
-            <a:ext cx="1715591" cy="538620"/>
+            <a:off x="9182735" y="5744845"/>
+            <a:ext cx="1645920" cy="371475"/>
           </a:xfrm>
           <a:prstGeom prst="rect">
             <a:avLst/>
@@ -5572,12 +5330,439 @@
           </a:p>
         </p:txBody>
       </p:sp>
+      <p:sp>
+        <p:nvSpPr>
+          <p:cNvPr id="21" name="矩形 20"/>
+          <p:cNvSpPr/>
+          <p:nvPr/>
+        </p:nvSpPr>
+        <p:spPr>
+          <a:xfrm>
+            <a:off x="7094220" y="6115685"/>
+            <a:ext cx="871220" cy="371475"/>
+          </a:xfrm>
+          <a:prstGeom prst="rect">
+            <a:avLst/>
+          </a:prstGeom>
+          <a:ln>
+            <a:solidFill>
+              <a:srgbClr val="7030A0"/>
+            </a:solidFill>
+          </a:ln>
+        </p:spPr>
+        <p:style>
+          <a:lnRef idx="2">
+            <a:schemeClr val="accent5"/>
+          </a:lnRef>
+          <a:fillRef idx="1">
+            <a:schemeClr val="lt1"/>
+          </a:fillRef>
+          <a:effectRef idx="0">
+            <a:schemeClr val="accent5"/>
+          </a:effectRef>
+          <a:fontRef idx="minor">
+            <a:schemeClr val="dk1"/>
+          </a:fontRef>
+        </p:style>
+        <p:txBody>
+          <a:bodyPr rtlCol="0" anchor="ctr"/>
+          <a:p>
+            <a:pPr algn="ctr"/>
+            <a:r>
+              <a:rPr lang="en-US" altLang="zh-CN" sz="1400" dirty="0">
+                <a:latin typeface="Tahoma" panose="020B0604030504040204" pitchFamily="34" charset="0"/>
+                <a:ea typeface="Tahoma" panose="020B0604030504040204" pitchFamily="34" charset="0"/>
+                <a:cs typeface="Tahoma" panose="020B0604030504040204" pitchFamily="34" charset="0"/>
+              </a:rPr>
+              <a:t>UniTask</a:t>
+            </a:r>
+            <a:endParaRPr lang="en-US" altLang="zh-CN" sz="1400" dirty="0">
+              <a:latin typeface="Tahoma" panose="020B0604030504040204" pitchFamily="34" charset="0"/>
+              <a:ea typeface="Tahoma" panose="020B0604030504040204" pitchFamily="34" charset="0"/>
+              <a:cs typeface="Tahoma" panose="020B0604030504040204" pitchFamily="34" charset="0"/>
+            </a:endParaRPr>
+          </a:p>
+        </p:txBody>
+      </p:sp>
+      <p:sp>
+        <p:nvSpPr>
+          <p:cNvPr id="23" name="矩形 22"/>
+          <p:cNvSpPr/>
+          <p:nvPr/>
+        </p:nvSpPr>
+        <p:spPr>
+          <a:xfrm>
+            <a:off x="7969885" y="6118860"/>
+            <a:ext cx="871220" cy="361315"/>
+          </a:xfrm>
+          <a:prstGeom prst="rect">
+            <a:avLst/>
+          </a:prstGeom>
+          <a:ln>
+            <a:solidFill>
+              <a:srgbClr val="7030A0"/>
+            </a:solidFill>
+          </a:ln>
+        </p:spPr>
+        <p:style>
+          <a:lnRef idx="2">
+            <a:schemeClr val="accent5"/>
+          </a:lnRef>
+          <a:fillRef idx="1">
+            <a:schemeClr val="lt1"/>
+          </a:fillRef>
+          <a:effectRef idx="0">
+            <a:schemeClr val="accent5"/>
+          </a:effectRef>
+          <a:fontRef idx="minor">
+            <a:schemeClr val="dk1"/>
+          </a:fontRef>
+        </p:style>
+        <p:txBody>
+          <a:bodyPr rtlCol="0" anchor="ctr"/>
+          <a:p>
+            <a:pPr algn="ctr"/>
+            <a:r>
+              <a:rPr lang="en-US" altLang="zh-CN" sz="1400" dirty="0">
+                <a:latin typeface="Tahoma" panose="020B0604030504040204" pitchFamily="34" charset="0"/>
+                <a:ea typeface="Tahoma" panose="020B0604030504040204" pitchFamily="34" charset="0"/>
+                <a:cs typeface="Tahoma" panose="020B0604030504040204" pitchFamily="34" charset="0"/>
+              </a:rPr>
+              <a:t>ProtoBuf</a:t>
+            </a:r>
+            <a:endParaRPr lang="en-US" altLang="zh-CN" sz="1400" dirty="0">
+              <a:latin typeface="Tahoma" panose="020B0604030504040204" pitchFamily="34" charset="0"/>
+              <a:ea typeface="Tahoma" panose="020B0604030504040204" pitchFamily="34" charset="0"/>
+              <a:cs typeface="Tahoma" panose="020B0604030504040204" pitchFamily="34" charset="0"/>
+            </a:endParaRPr>
+          </a:p>
+        </p:txBody>
+      </p:sp>
+      <p:sp>
+        <p:nvSpPr>
+          <p:cNvPr id="24" name="矩形 23"/>
+          <p:cNvSpPr/>
+          <p:nvPr/>
+        </p:nvSpPr>
+        <p:spPr>
+          <a:xfrm>
+            <a:off x="8841105" y="6115685"/>
+            <a:ext cx="511810" cy="370840"/>
+          </a:xfrm>
+          <a:prstGeom prst="rect">
+            <a:avLst/>
+          </a:prstGeom>
+          <a:ln>
+            <a:solidFill>
+              <a:srgbClr val="7030A0"/>
+            </a:solidFill>
+          </a:ln>
+        </p:spPr>
+        <p:style>
+          <a:lnRef idx="2">
+            <a:schemeClr val="accent5"/>
+          </a:lnRef>
+          <a:fillRef idx="1">
+            <a:schemeClr val="lt1"/>
+          </a:fillRef>
+          <a:effectRef idx="0">
+            <a:schemeClr val="accent5"/>
+          </a:effectRef>
+          <a:fontRef idx="minor">
+            <a:schemeClr val="dk1"/>
+          </a:fontRef>
+        </p:style>
+        <p:txBody>
+          <a:bodyPr rtlCol="0" anchor="ctr"/>
+          <a:p>
+            <a:pPr algn="ctr"/>
+            <a:r>
+              <a:rPr lang="en-US" altLang="zh-CN" sz="1200" dirty="0">
+                <a:latin typeface="Tahoma" panose="020B0604030504040204" pitchFamily="34" charset="0"/>
+                <a:ea typeface="Tahoma" panose="020B0604030504040204" pitchFamily="34" charset="0"/>
+                <a:cs typeface="Tahoma" panose="020B0604030504040204" pitchFamily="34" charset="0"/>
+              </a:rPr>
+              <a:t>Nino</a:t>
+            </a:r>
+            <a:endParaRPr lang="en-US" altLang="zh-CN" sz="1200" dirty="0">
+              <a:latin typeface="Tahoma" panose="020B0604030504040204" pitchFamily="34" charset="0"/>
+              <a:ea typeface="Tahoma" panose="020B0604030504040204" pitchFamily="34" charset="0"/>
+              <a:cs typeface="Tahoma" panose="020B0604030504040204" pitchFamily="34" charset="0"/>
+            </a:endParaRPr>
+          </a:p>
+        </p:txBody>
+      </p:sp>
+      <p:sp>
+        <p:nvSpPr>
+          <p:cNvPr id="25" name="矩形 24"/>
+          <p:cNvSpPr/>
+          <p:nvPr/>
+        </p:nvSpPr>
+        <p:spPr>
+          <a:xfrm>
+            <a:off x="9352915" y="6116955"/>
+            <a:ext cx="1476375" cy="363220"/>
+          </a:xfrm>
+          <a:prstGeom prst="rect">
+            <a:avLst/>
+          </a:prstGeom>
+          <a:ln>
+            <a:solidFill>
+              <a:srgbClr val="7030A0"/>
+            </a:solidFill>
+          </a:ln>
+        </p:spPr>
+        <p:style>
+          <a:lnRef idx="2">
+            <a:schemeClr val="accent5"/>
+          </a:lnRef>
+          <a:fillRef idx="1">
+            <a:schemeClr val="lt1"/>
+          </a:fillRef>
+          <a:effectRef idx="0">
+            <a:schemeClr val="accent5"/>
+          </a:effectRef>
+          <a:fontRef idx="minor">
+            <a:schemeClr val="dk1"/>
+          </a:fontRef>
+        </p:style>
+        <p:txBody>
+          <a:bodyPr rtlCol="0" anchor="ctr"/>
+          <a:p>
+            <a:pPr algn="ctr"/>
+            <a:r>
+              <a:rPr lang="en-US" altLang="zh-CN" sz="1400" dirty="0">
+                <a:latin typeface="Tahoma" panose="020B0604030504040204" pitchFamily="34" charset="0"/>
+                <a:ea typeface="方正姚体" panose="02010601030101010101" pitchFamily="2" charset="-122"/>
+                <a:cs typeface="Tahoma" panose="020B0604030504040204" pitchFamily="34" charset="0"/>
+              </a:rPr>
+              <a:t>FancyScrollView</a:t>
+            </a:r>
+            <a:endParaRPr lang="en-US" altLang="zh-CN" sz="1400" dirty="0">
+              <a:latin typeface="Tahoma" panose="020B0604030504040204" pitchFamily="34" charset="0"/>
+              <a:ea typeface="方正姚体" panose="02010601030101010101" pitchFamily="2" charset="-122"/>
+              <a:cs typeface="Tahoma" panose="020B0604030504040204" pitchFamily="34" charset="0"/>
+            </a:endParaRPr>
+          </a:p>
+        </p:txBody>
+      </p:sp>
+      <p:sp>
+        <p:nvSpPr>
+          <p:cNvPr id="28" name="矩形 27"/>
+          <p:cNvSpPr/>
+          <p:nvPr/>
+        </p:nvSpPr>
+        <p:spPr>
+          <a:xfrm>
+            <a:off x="8457565" y="3970655"/>
+            <a:ext cx="2112645" cy="538480"/>
+          </a:xfrm>
+          <a:prstGeom prst="rect">
+            <a:avLst/>
+          </a:prstGeom>
+          <a:ln>
+            <a:solidFill>
+              <a:srgbClr val="7030A0"/>
+            </a:solidFill>
+          </a:ln>
+        </p:spPr>
+        <p:style>
+          <a:lnRef idx="2">
+            <a:schemeClr val="accent2"/>
+          </a:lnRef>
+          <a:fillRef idx="1">
+            <a:schemeClr val="lt1"/>
+          </a:fillRef>
+          <a:effectRef idx="0">
+            <a:schemeClr val="accent2"/>
+          </a:effectRef>
+          <a:fontRef idx="minor">
+            <a:schemeClr val="dk1"/>
+          </a:fontRef>
+        </p:style>
+        <p:txBody>
+          <a:bodyPr rtlCol="0" anchor="ctr"/>
+          <a:p>
+            <a:pPr algn="ctr"/>
+            <a:r>
+              <a:rPr lang="en-US" altLang="zh-CN" dirty="0">
+                <a:latin typeface="Tahoma" panose="020B0604030504040204" pitchFamily="34" charset="0"/>
+                <a:ea typeface="Tahoma" panose="020B0604030504040204" pitchFamily="34" charset="0"/>
+                <a:cs typeface="Tahoma" panose="020B0604030504040204" pitchFamily="34" charset="0"/>
+              </a:rPr>
+              <a:t>Network/Protobuf</a:t>
+            </a:r>
+            <a:endParaRPr lang="zh-CN" altLang="en-US" dirty="0">
+              <a:latin typeface="Tahoma" panose="020B0604030504040204" pitchFamily="34" charset="0"/>
+              <a:ea typeface="方正姚体" panose="02010601030101010101" pitchFamily="2" charset="-122"/>
+              <a:cs typeface="Tahoma" panose="020B0604030504040204" pitchFamily="34" charset="0"/>
+            </a:endParaRPr>
+          </a:p>
+        </p:txBody>
+      </p:sp>
+      <p:sp>
+        <p:nvSpPr>
+          <p:cNvPr id="29" name="矩形 28"/>
+          <p:cNvSpPr/>
+          <p:nvPr/>
+        </p:nvSpPr>
+        <p:spPr>
+          <a:xfrm>
+            <a:off x="8457565" y="4646930"/>
+            <a:ext cx="2112645" cy="538480"/>
+          </a:xfrm>
+          <a:prstGeom prst="rect">
+            <a:avLst/>
+          </a:prstGeom>
+          <a:ln>
+            <a:solidFill>
+              <a:srgbClr val="7030A0"/>
+            </a:solidFill>
+          </a:ln>
+        </p:spPr>
+        <p:style>
+          <a:lnRef idx="2">
+            <a:schemeClr val="accent2"/>
+          </a:lnRef>
+          <a:fillRef idx="1">
+            <a:schemeClr val="lt1"/>
+          </a:fillRef>
+          <a:effectRef idx="0">
+            <a:schemeClr val="accent2"/>
+          </a:effectRef>
+          <a:fontRef idx="minor">
+            <a:schemeClr val="dk1"/>
+          </a:fontRef>
+        </p:style>
+        <p:txBody>
+          <a:bodyPr rtlCol="0" anchor="ctr"/>
+          <a:p>
+            <a:pPr algn="ctr"/>
+            <a:r>
+              <a:rPr lang="en-US" altLang="zh-CN" dirty="0">
+                <a:latin typeface="Tahoma" panose="020B0604030504040204" pitchFamily="34" charset="0"/>
+                <a:ea typeface="Tahoma" panose="020B0604030504040204" pitchFamily="34" charset="0"/>
+                <a:cs typeface="Tahoma" panose="020B0604030504040204" pitchFamily="34" charset="0"/>
+              </a:rPr>
+              <a:t>ShaderVariant</a:t>
+            </a:r>
+            <a:endParaRPr lang="zh-CN" altLang="en-US" dirty="0">
+              <a:latin typeface="Tahoma" panose="020B0604030504040204" pitchFamily="34" charset="0"/>
+              <a:ea typeface="方正姚体" panose="02010601030101010101" pitchFamily="2" charset="-122"/>
+              <a:cs typeface="Tahoma" panose="020B0604030504040204" pitchFamily="34" charset="0"/>
+            </a:endParaRPr>
+          </a:p>
+        </p:txBody>
+      </p:sp>
+      <p:sp>
+        <p:nvSpPr>
+          <p:cNvPr id="30" name="矩形 29"/>
+          <p:cNvSpPr/>
+          <p:nvPr/>
+        </p:nvSpPr>
+        <p:spPr>
+          <a:xfrm>
+            <a:off x="5251450" y="5788025"/>
+            <a:ext cx="994410" cy="538480"/>
+          </a:xfrm>
+          <a:prstGeom prst="rect">
+            <a:avLst/>
+          </a:prstGeom>
+          <a:ln>
+            <a:solidFill>
+              <a:srgbClr val="7030A0"/>
+            </a:solidFill>
+          </a:ln>
+        </p:spPr>
+        <p:style>
+          <a:lnRef idx="2">
+            <a:schemeClr val="accent5"/>
+          </a:lnRef>
+          <a:fillRef idx="1">
+            <a:schemeClr val="lt1"/>
+          </a:fillRef>
+          <a:effectRef idx="0">
+            <a:schemeClr val="accent5"/>
+          </a:effectRef>
+          <a:fontRef idx="minor">
+            <a:schemeClr val="dk1"/>
+          </a:fontRef>
+        </p:style>
+        <p:txBody>
+          <a:bodyPr rtlCol="0" anchor="ctr"/>
+          <a:p>
+            <a:pPr algn="ctr"/>
+            <a:r>
+              <a:rPr lang="en-US" altLang="zh-CN" sz="1400" dirty="0">
+                <a:latin typeface="Tahoma" panose="020B0604030504040204" pitchFamily="34" charset="0"/>
+                <a:ea typeface="方正姚体" panose="02010601030101010101" pitchFamily="2" charset="-122"/>
+                <a:cs typeface="Tahoma" panose="020B0604030504040204" pitchFamily="34" charset="0"/>
+              </a:rPr>
+              <a:t>Code Generate</a:t>
+            </a:r>
+            <a:endParaRPr lang="en-US" altLang="zh-CN" sz="1400" dirty="0">
+              <a:latin typeface="Tahoma" panose="020B0604030504040204" pitchFamily="34" charset="0"/>
+              <a:ea typeface="方正姚体" panose="02010601030101010101" pitchFamily="2" charset="-122"/>
+              <a:cs typeface="Tahoma" panose="020B0604030504040204" pitchFamily="34" charset="0"/>
+            </a:endParaRPr>
+          </a:p>
+        </p:txBody>
+      </p:sp>
+      <p:sp>
+        <p:nvSpPr>
+          <p:cNvPr id="33" name="矩形 32"/>
+          <p:cNvSpPr/>
+          <p:nvPr/>
+        </p:nvSpPr>
+        <p:spPr>
+          <a:xfrm>
+            <a:off x="6245860" y="5788025"/>
+            <a:ext cx="850265" cy="538480"/>
+          </a:xfrm>
+          <a:prstGeom prst="rect">
+            <a:avLst/>
+          </a:prstGeom>
+          <a:ln>
+            <a:solidFill>
+              <a:srgbClr val="7030A0"/>
+            </a:solidFill>
+          </a:ln>
+        </p:spPr>
+        <p:style>
+          <a:lnRef idx="2">
+            <a:schemeClr val="accent5"/>
+          </a:lnRef>
+          <a:fillRef idx="1">
+            <a:schemeClr val="lt1"/>
+          </a:fillRef>
+          <a:effectRef idx="0">
+            <a:schemeClr val="accent5"/>
+          </a:effectRef>
+          <a:fontRef idx="minor">
+            <a:schemeClr val="dk1"/>
+          </a:fontRef>
+        </p:style>
+        <p:txBody>
+          <a:bodyPr rtlCol="0" anchor="ctr"/>
+          <a:p>
+            <a:pPr algn="ctr"/>
+            <a:r>
+              <a:rPr lang="en-US" altLang="zh-CN" sz="1400" dirty="0">
+                <a:latin typeface="Tahoma" panose="020B0604030504040204" pitchFamily="34" charset="0"/>
+                <a:ea typeface="方正姚体" panose="02010601030101010101" pitchFamily="2" charset="-122"/>
+                <a:cs typeface="Tahoma" panose="020B0604030504040204" pitchFamily="34" charset="0"/>
+              </a:rPr>
+              <a:t>Assist Tool</a:t>
+            </a:r>
+            <a:endParaRPr lang="en-US" altLang="zh-CN" sz="1400" dirty="0">
+              <a:latin typeface="Tahoma" panose="020B0604030504040204" pitchFamily="34" charset="0"/>
+              <a:ea typeface="方正姚体" panose="02010601030101010101" pitchFamily="2" charset="-122"/>
+              <a:cs typeface="Tahoma" panose="020B0604030504040204" pitchFamily="34" charset="0"/>
+            </a:endParaRPr>
+          </a:p>
+        </p:txBody>
+      </p:sp>
     </p:spTree>
-    <p:extLst>
-      <p:ext uri="{BB962C8B-B14F-4D97-AF65-F5344CB8AC3E}">
-        <p14:creationId xmlns:p14="http://schemas.microsoft.com/office/powerpoint/2010/main" val="259405263"/>
-      </p:ext>
-    </p:extLst>
   </p:cSld>
   <p:clrMapOvr>
     <a:masterClrMapping/>
@@ -5628,7 +5813,7 @@
     </a:clrScheme>
     <a:fontScheme name="Office">
       <a:majorFont>
-        <a:latin typeface="等线 Light" panose="020F0302020204030204"/>
+        <a:latin typeface="等线 Light"/>
         <a:ea typeface=""/>
         <a:cs typeface=""/>
         <a:font script="Jpan" typeface="游ゴシック Light"/>
@@ -5661,26 +5846,9 @@
         <a:font script="Viet" typeface="Times New Roman"/>
         <a:font script="Uigh" typeface="Microsoft Uighur"/>
         <a:font script="Geor" typeface="Sylfaen"/>
-        <a:font script="Armn" typeface="Arial"/>
-        <a:font script="Bugi" typeface="Leelawadee UI"/>
-        <a:font script="Bopo" typeface="Microsoft JhengHei"/>
-        <a:font script="Java" typeface="Javanese Text"/>
-        <a:font script="Lisu" typeface="Segoe UI"/>
-        <a:font script="Mymr" typeface="Myanmar Text"/>
-        <a:font script="Nkoo" typeface="Ebrima"/>
-        <a:font script="Olck" typeface="Nirmala UI"/>
-        <a:font script="Osma" typeface="Ebrima"/>
-        <a:font script="Phag" typeface="Phagspa"/>
-        <a:font script="Syrn" typeface="Estrangelo Edessa"/>
-        <a:font script="Syrj" typeface="Estrangelo Edessa"/>
-        <a:font script="Syre" typeface="Estrangelo Edessa"/>
-        <a:font script="Sora" typeface="Nirmala UI"/>
-        <a:font script="Tale" typeface="Microsoft Tai Le"/>
-        <a:font script="Talu" typeface="Microsoft New Tai Lue"/>
-        <a:font script="Tfng" typeface="Ebrima"/>
       </a:majorFont>
       <a:minorFont>
-        <a:latin typeface="等线" panose="020F0502020204030204"/>
+        <a:latin typeface="等线"/>
         <a:ea typeface=""/>
         <a:cs typeface=""/>
         <a:font script="Jpan" typeface="游ゴシック"/>
@@ -5713,23 +5881,6 @@
         <a:font script="Viet" typeface="Arial"/>
         <a:font script="Uigh" typeface="Microsoft Uighur"/>
         <a:font script="Geor" typeface="Sylfaen"/>
-        <a:font script="Armn" typeface="Arial"/>
-        <a:font script="Bugi" typeface="Leelawadee UI"/>
-        <a:font script="Bopo" typeface="Microsoft JhengHei"/>
-        <a:font script="Java" typeface="Javanese Text"/>
-        <a:font script="Lisu" typeface="Segoe UI"/>
-        <a:font script="Mymr" typeface="Myanmar Text"/>
-        <a:font script="Nkoo" typeface="Ebrima"/>
-        <a:font script="Olck" typeface="Nirmala UI"/>
-        <a:font script="Osma" typeface="Ebrima"/>
-        <a:font script="Phag" typeface="Phagspa"/>
-        <a:font script="Syrn" typeface="Estrangelo Edessa"/>
-        <a:font script="Syrj" typeface="Estrangelo Edessa"/>
-        <a:font script="Syre" typeface="Estrangelo Edessa"/>
-        <a:font script="Sora" typeface="Nirmala UI"/>
-        <a:font script="Tale" typeface="Microsoft Tai Le"/>
-        <a:font script="Talu" typeface="Microsoft New Tai Lue"/>
-        <a:font script="Tfng" typeface="Ebrima"/>
       </a:minorFont>
     </a:fontScheme>
     <a:fmtScheme name="Office">
@@ -5870,8 +6021,265 @@
       </a:bgFillStyleLst>
     </a:fmtScheme>
   </a:themeElements>
-  <a:objectDefaults/>
-  <a:extraClrSchemeLst/>
+  <a:extLst>
+    <a:ext uri="{05A4C25C-085E-4340-85A3-A5531E510DB2}">
+      <thm15:themeFamily xmlns:thm15="http://schemas.microsoft.com/office/thememl/2012/main" name="Office Theme" id="{62F939B6-93AF-4DB8-9C6B-D6C7DFDC589F}" vid="{4A3C46E8-61CC-4603-A589-7422A47A8E4A}"/>
+    </a:ext>
+  </a:extLst>
+</a:theme>
+</file>
+
+<file path=ppt/theme/theme2.xml><?xml version="1.0" encoding="utf-8"?>
+<a:theme xmlns:a="http://schemas.openxmlformats.org/drawingml/2006/main" name="Office 主题">
+  <a:themeElements>
+    <a:clrScheme name="Office">
+      <a:dk1>
+        <a:sysClr val="windowText" lastClr="000000"/>
+      </a:dk1>
+      <a:lt1>
+        <a:sysClr val="window" lastClr="FFFFFF"/>
+      </a:lt1>
+      <a:dk2>
+        <a:srgbClr val="44546A"/>
+      </a:dk2>
+      <a:lt2>
+        <a:srgbClr val="E7E6E6"/>
+      </a:lt2>
+      <a:accent1>
+        <a:srgbClr val="5B9BD5"/>
+      </a:accent1>
+      <a:accent2>
+        <a:srgbClr val="ED7D31"/>
+      </a:accent2>
+      <a:accent3>
+        <a:srgbClr val="A5A5A5"/>
+      </a:accent3>
+      <a:accent4>
+        <a:srgbClr val="FFC000"/>
+      </a:accent4>
+      <a:accent5>
+        <a:srgbClr val="4472C4"/>
+      </a:accent5>
+      <a:accent6>
+        <a:srgbClr val="70AD47"/>
+      </a:accent6>
+      <a:hlink>
+        <a:srgbClr val="0563C1"/>
+      </a:hlink>
+      <a:folHlink>
+        <a:srgbClr val="954F72"/>
+      </a:folHlink>
+    </a:clrScheme>
+    <a:fontScheme name="Office">
+      <a:majorFont>
+        <a:latin typeface="Calibri Light"/>
+        <a:ea typeface=""/>
+        <a:cs typeface=""/>
+        <a:font script="Jpan" typeface="ＭＳ Ｐゴシック"/>
+        <a:font script="Hang" typeface="맑은 고딕"/>
+        <a:font script="Hans" typeface="宋体"/>
+        <a:font script="Hant" typeface="新細明體"/>
+        <a:font script="Arab" typeface="Times New Roman"/>
+        <a:font script="Hebr" typeface="Times New Roman"/>
+        <a:font script="Thai" typeface="Angsana New"/>
+        <a:font script="Ethi" typeface="Nyala"/>
+        <a:font script="Beng" typeface="Vrinda"/>
+        <a:font script="Gujr" typeface="Shruti"/>
+        <a:font script="Khmr" typeface="MoolBoran"/>
+        <a:font script="Knda" typeface="Tunga"/>
+        <a:font script="Guru" typeface="Raavi"/>
+        <a:font script="Cans" typeface="Euphemia"/>
+        <a:font script="Cher" typeface="Plantagenet Cherokee"/>
+        <a:font script="Yiii" typeface="Microsoft Yi Baiti"/>
+        <a:font script="Tibt" typeface="Microsoft Himalaya"/>
+        <a:font script="Thaa" typeface="MV Boli"/>
+        <a:font script="Deva" typeface="Mangal"/>
+        <a:font script="Telu" typeface="Gautami"/>
+        <a:font script="Taml" typeface="Latha"/>
+        <a:font script="Syrc" typeface="Estrangelo Edessa"/>
+        <a:font script="Orya" typeface="Kalinga"/>
+        <a:font script="Mlym" typeface="Kartika"/>
+        <a:font script="Laoo" typeface="DokChampa"/>
+        <a:font script="Sinh" typeface="Iskoola Pota"/>
+        <a:font script="Mong" typeface="Mongolian Baiti"/>
+        <a:font script="Viet" typeface="Times New Roman"/>
+        <a:font script="Uigh" typeface="Microsoft Uighur"/>
+        <a:font script="Geor" typeface="Sylfaen"/>
+      </a:majorFont>
+      <a:minorFont>
+        <a:latin typeface="Calibri"/>
+        <a:ea typeface=""/>
+        <a:cs typeface=""/>
+        <a:font script="Jpan" typeface="ＭＳ Ｐゴシック"/>
+        <a:font script="Hang" typeface="맑은 고딕"/>
+        <a:font script="Hans" typeface="宋体"/>
+        <a:font script="Hant" typeface="新細明體"/>
+        <a:font script="Arab" typeface="Arial"/>
+        <a:font script="Hebr" typeface="Arial"/>
+        <a:font script="Thai" typeface="Cordia New"/>
+        <a:font script="Ethi" typeface="Nyala"/>
+        <a:font script="Beng" typeface="Vrinda"/>
+        <a:font script="Gujr" typeface="Shruti"/>
+        <a:font script="Khmr" typeface="DaunPenh"/>
+        <a:font script="Knda" typeface="Tunga"/>
+        <a:font script="Guru" typeface="Raavi"/>
+        <a:font script="Cans" typeface="Euphemia"/>
+        <a:font script="Cher" typeface="Plantagenet Cherokee"/>
+        <a:font script="Yiii" typeface="Microsoft Yi Baiti"/>
+        <a:font script="Tibt" typeface="Microsoft Himalaya"/>
+        <a:font script="Thaa" typeface="MV Boli"/>
+        <a:font script="Deva" typeface="Mangal"/>
+        <a:font script="Telu" typeface="Gautami"/>
+        <a:font script="Taml" typeface="Latha"/>
+        <a:font script="Syrc" typeface="Estrangelo Edessa"/>
+        <a:font script="Orya" typeface="Kalinga"/>
+        <a:font script="Mlym" typeface="Kartika"/>
+        <a:font script="Laoo" typeface="DokChampa"/>
+        <a:font script="Sinh" typeface="Iskoola Pota"/>
+        <a:font script="Mong" typeface="Mongolian Baiti"/>
+        <a:font script="Viet" typeface="Arial"/>
+        <a:font script="Uigh" typeface="Microsoft Uighur"/>
+        <a:font script="Geor" typeface="Sylfaen"/>
+      </a:minorFont>
+    </a:fontScheme>
+    <a:fmtScheme name="Office">
+      <a:fillStyleLst>
+        <a:solidFill>
+          <a:schemeClr val="phClr"/>
+        </a:solidFill>
+        <a:gradFill rotWithShape="1">
+          <a:gsLst>
+            <a:gs pos="0">
+              <a:schemeClr val="phClr">
+                <a:lumMod val="110000"/>
+                <a:satMod val="105000"/>
+                <a:tint val="67000"/>
+              </a:schemeClr>
+            </a:gs>
+            <a:gs pos="50000">
+              <a:schemeClr val="phClr">
+                <a:lumMod val="105000"/>
+                <a:satMod val="103000"/>
+                <a:tint val="73000"/>
+              </a:schemeClr>
+            </a:gs>
+            <a:gs pos="100000">
+              <a:schemeClr val="phClr">
+                <a:lumMod val="105000"/>
+                <a:satMod val="109000"/>
+                <a:tint val="81000"/>
+              </a:schemeClr>
+            </a:gs>
+          </a:gsLst>
+          <a:lin ang="5400000" scaled="0"/>
+        </a:gradFill>
+        <a:gradFill rotWithShape="1">
+          <a:gsLst>
+            <a:gs pos="0">
+              <a:schemeClr val="phClr">
+                <a:satMod val="103000"/>
+                <a:lumMod val="102000"/>
+                <a:tint val="94000"/>
+              </a:schemeClr>
+            </a:gs>
+            <a:gs pos="50000">
+              <a:schemeClr val="phClr">
+                <a:satMod val="110000"/>
+                <a:lumMod val="100000"/>
+                <a:shade val="100000"/>
+              </a:schemeClr>
+            </a:gs>
+            <a:gs pos="100000">
+              <a:schemeClr val="phClr">
+                <a:lumMod val="99000"/>
+                <a:satMod val="120000"/>
+                <a:shade val="78000"/>
+              </a:schemeClr>
+            </a:gs>
+          </a:gsLst>
+          <a:lin ang="5400000" scaled="0"/>
+        </a:gradFill>
+      </a:fillStyleLst>
+      <a:lnStyleLst>
+        <a:ln w="6350" cap="flat" cmpd="sng" algn="ctr">
+          <a:solidFill>
+            <a:schemeClr val="phClr"/>
+          </a:solidFill>
+          <a:prstDash val="solid"/>
+          <a:miter lim="800000"/>
+        </a:ln>
+        <a:ln w="12700" cap="flat" cmpd="sng" algn="ctr">
+          <a:solidFill>
+            <a:schemeClr val="phClr"/>
+          </a:solidFill>
+          <a:prstDash val="solid"/>
+          <a:miter lim="800000"/>
+        </a:ln>
+        <a:ln w="19050" cap="flat" cmpd="sng" algn="ctr">
+          <a:solidFill>
+            <a:schemeClr val="phClr"/>
+          </a:solidFill>
+          <a:prstDash val="solid"/>
+          <a:miter lim="800000"/>
+        </a:ln>
+      </a:lnStyleLst>
+      <a:effectStyleLst>
+        <a:effectStyle>
+          <a:effectLst/>
+        </a:effectStyle>
+        <a:effectStyle>
+          <a:effectLst/>
+        </a:effectStyle>
+        <a:effectStyle>
+          <a:effectLst>
+            <a:outerShdw blurRad="57150" dist="19050" dir="5400000" algn="ctr" rotWithShape="0">
+              <a:srgbClr val="000000">
+                <a:alpha val="63000"/>
+              </a:srgbClr>
+            </a:outerShdw>
+          </a:effectLst>
+        </a:effectStyle>
+      </a:effectStyleLst>
+      <a:bgFillStyleLst>
+        <a:solidFill>
+          <a:schemeClr val="phClr"/>
+        </a:solidFill>
+        <a:solidFill>
+          <a:schemeClr val="phClr">
+            <a:tint val="95000"/>
+            <a:satMod val="170000"/>
+          </a:schemeClr>
+        </a:solidFill>
+        <a:gradFill rotWithShape="1">
+          <a:gsLst>
+            <a:gs pos="0">
+              <a:schemeClr val="phClr">
+                <a:tint val="93000"/>
+                <a:satMod val="150000"/>
+                <a:shade val="98000"/>
+                <a:lumMod val="102000"/>
+              </a:schemeClr>
+            </a:gs>
+            <a:gs pos="50000">
+              <a:schemeClr val="phClr">
+                <a:tint val="98000"/>
+                <a:satMod val="130000"/>
+                <a:shade val="90000"/>
+                <a:lumMod val="103000"/>
+              </a:schemeClr>
+            </a:gs>
+            <a:gs pos="100000">
+              <a:schemeClr val="phClr">
+                <a:shade val="63000"/>
+                <a:satMod val="120000"/>
+              </a:schemeClr>
+            </a:gs>
+          </a:gsLst>
+          <a:lin ang="5400000" scaled="0"/>
+        </a:gradFill>
+      </a:bgFillStyleLst>
+    </a:fmtScheme>
+  </a:themeElements>
   <a:extLst>
     <a:ext uri="{05A4C25C-085E-4340-85A3-A5531E510DB2}">
       <thm15:themeFamily xmlns:thm15="http://schemas.microsoft.com/office/thememl/2012/main" name="Office Theme" id="{62F939B6-93AF-4DB8-9C6B-D6C7DFDC589F}" vid="{4A3C46E8-61CC-4603-A589-7422A47A8E4A}"/>
